--- a/ML-Classification-on-PIMA.pptx
+++ b/ML-Classification-on-PIMA.pptx
@@ -39,8 +39,6 @@
     <p:sldId id="286" r:id="rId34"/>
     <p:sldId id="287" r:id="rId35"/>
     <p:sldId id="288" r:id="rId36"/>
-    <p:sldId id="289" r:id="rId37"/>
-    <p:sldId id="290" r:id="rId38"/>
   </p:sldIdLst>
   <p:sldSz cx="12192000" cy="6858000"/>
   <p:notesSz cx="7559675" cy="10691812"/>
@@ -9156,10 +9154,8 @@
             <a:noAutofit/>
           </a:bodyPr>
           <a:p>
-            <a:endParaRPr b="0" lang="en-US" sz="1800" spc="-1" strike="noStrike">
-              <a:solidFill>
-                <a:srgbClr val="000000"/>
-              </a:solidFill>
+            <a:pPr algn="ctr"/>
+            <a:endParaRPr b="0" lang="en-US" sz="4400" spc="-1" strike="noStrike">
               <a:latin typeface="Arial"/>
             </a:endParaRPr>
           </a:p>
@@ -9189,10 +9185,7 @@
             <a:normAutofit/>
           </a:bodyPr>
           <a:p>
-            <a:endParaRPr b="0" lang="en-US" sz="2800" spc="-1" strike="noStrike">
-              <a:solidFill>
-                <a:srgbClr val="000000"/>
-              </a:solidFill>
+            <a:endParaRPr b="0" lang="en-US" sz="3200" spc="-1" strike="noStrike">
               <a:latin typeface="Arial"/>
             </a:endParaRPr>
           </a:p>
@@ -9222,10 +9215,7 @@
             <a:normAutofit/>
           </a:bodyPr>
           <a:p>
-            <a:endParaRPr b="0" lang="en-US" sz="2800" spc="-1" strike="noStrike">
-              <a:solidFill>
-                <a:srgbClr val="000000"/>
-              </a:solidFill>
+            <a:endParaRPr b="0" lang="en-US" sz="3200" spc="-1" strike="noStrike">
               <a:latin typeface="Arial"/>
             </a:endParaRPr>
           </a:p>
@@ -9277,10 +9267,8 @@
             <a:noAutofit/>
           </a:bodyPr>
           <a:p>
-            <a:endParaRPr b="0" lang="en-US" sz="1800" spc="-1" strike="noStrike">
-              <a:solidFill>
-                <a:srgbClr val="000000"/>
-              </a:solidFill>
+            <a:pPr algn="ctr"/>
+            <a:endParaRPr b="0" lang="en-US" sz="4400" spc="-1" strike="noStrike">
               <a:latin typeface="Arial"/>
             </a:endParaRPr>
           </a:p>
@@ -9310,10 +9298,7 @@
             <a:normAutofit/>
           </a:bodyPr>
           <a:p>
-            <a:endParaRPr b="0" lang="en-US" sz="2800" spc="-1" strike="noStrike">
-              <a:solidFill>
-                <a:srgbClr val="000000"/>
-              </a:solidFill>
+            <a:endParaRPr b="0" lang="en-US" sz="3200" spc="-1" strike="noStrike">
               <a:latin typeface="Arial"/>
             </a:endParaRPr>
           </a:p>
@@ -9343,10 +9328,7 @@
             <a:normAutofit/>
           </a:bodyPr>
           <a:p>
-            <a:endParaRPr b="0" lang="en-US" sz="2800" spc="-1" strike="noStrike">
-              <a:solidFill>
-                <a:srgbClr val="000000"/>
-              </a:solidFill>
+            <a:endParaRPr b="0" lang="en-US" sz="3200" spc="-1" strike="noStrike">
               <a:latin typeface="Arial"/>
             </a:endParaRPr>
           </a:p>
@@ -9376,10 +9358,7 @@
             <a:normAutofit/>
           </a:bodyPr>
           <a:p>
-            <a:endParaRPr b="0" lang="en-US" sz="2800" spc="-1" strike="noStrike">
-              <a:solidFill>
-                <a:srgbClr val="000000"/>
-              </a:solidFill>
+            <a:endParaRPr b="0" lang="en-US" sz="3200" spc="-1" strike="noStrike">
               <a:latin typeface="Arial"/>
             </a:endParaRPr>
           </a:p>
@@ -9409,10 +9388,7 @@
             <a:normAutofit/>
           </a:bodyPr>
           <a:p>
-            <a:endParaRPr b="0" lang="en-US" sz="2800" spc="-1" strike="noStrike">
-              <a:solidFill>
-                <a:srgbClr val="000000"/>
-              </a:solidFill>
+            <a:endParaRPr b="0" lang="en-US" sz="3200" spc="-1" strike="noStrike">
               <a:latin typeface="Arial"/>
             </a:endParaRPr>
           </a:p>
@@ -9464,10 +9440,8 @@
             <a:noAutofit/>
           </a:bodyPr>
           <a:p>
-            <a:endParaRPr b="0" lang="en-US" sz="1800" spc="-1" strike="noStrike">
-              <a:solidFill>
-                <a:srgbClr val="000000"/>
-              </a:solidFill>
+            <a:pPr algn="ctr"/>
+            <a:endParaRPr b="0" lang="en-US" sz="4400" spc="-1" strike="noStrike">
               <a:latin typeface="Arial"/>
             </a:endParaRPr>
           </a:p>
@@ -9497,10 +9471,7 @@
             <a:normAutofit/>
           </a:bodyPr>
           <a:p>
-            <a:endParaRPr b="0" lang="en-US" sz="2800" spc="-1" strike="noStrike">
-              <a:solidFill>
-                <a:srgbClr val="000000"/>
-              </a:solidFill>
+            <a:endParaRPr b="0" lang="en-US" sz="3200" spc="-1" strike="noStrike">
               <a:latin typeface="Arial"/>
             </a:endParaRPr>
           </a:p>
@@ -9530,10 +9501,7 @@
             <a:normAutofit/>
           </a:bodyPr>
           <a:p>
-            <a:endParaRPr b="0" lang="en-US" sz="2800" spc="-1" strike="noStrike">
-              <a:solidFill>
-                <a:srgbClr val="000000"/>
-              </a:solidFill>
+            <a:endParaRPr b="0" lang="en-US" sz="3200" spc="-1" strike="noStrike">
               <a:latin typeface="Arial"/>
             </a:endParaRPr>
           </a:p>
@@ -9563,10 +9531,7 @@
             <a:normAutofit/>
           </a:bodyPr>
           <a:p>
-            <a:endParaRPr b="0" lang="en-US" sz="2800" spc="-1" strike="noStrike">
-              <a:solidFill>
-                <a:srgbClr val="000000"/>
-              </a:solidFill>
+            <a:endParaRPr b="0" lang="en-US" sz="3200" spc="-1" strike="noStrike">
               <a:latin typeface="Arial"/>
             </a:endParaRPr>
           </a:p>
@@ -9596,10 +9561,7 @@
             <a:normAutofit/>
           </a:bodyPr>
           <a:p>
-            <a:endParaRPr b="0" lang="en-US" sz="2800" spc="-1" strike="noStrike">
-              <a:solidFill>
-                <a:srgbClr val="000000"/>
-              </a:solidFill>
+            <a:endParaRPr b="0" lang="en-US" sz="3200" spc="-1" strike="noStrike">
               <a:latin typeface="Arial"/>
             </a:endParaRPr>
           </a:p>
@@ -9629,10 +9591,7 @@
             <a:normAutofit/>
           </a:bodyPr>
           <a:p>
-            <a:endParaRPr b="0" lang="en-US" sz="2800" spc="-1" strike="noStrike">
-              <a:solidFill>
-                <a:srgbClr val="000000"/>
-              </a:solidFill>
+            <a:endParaRPr b="0" lang="en-US" sz="3200" spc="-1" strike="noStrike">
               <a:latin typeface="Arial"/>
             </a:endParaRPr>
           </a:p>
@@ -9662,10 +9621,7 @@
             <a:normAutofit/>
           </a:bodyPr>
           <a:p>
-            <a:endParaRPr b="0" lang="en-US" sz="2800" spc="-1" strike="noStrike">
-              <a:solidFill>
-                <a:srgbClr val="000000"/>
-              </a:solidFill>
+            <a:endParaRPr b="0" lang="en-US" sz="3200" spc="-1" strike="noStrike">
               <a:latin typeface="Arial"/>
             </a:endParaRPr>
           </a:p>
@@ -9739,10 +9695,8 @@
             <a:noAutofit/>
           </a:bodyPr>
           <a:p>
-            <a:endParaRPr b="0" lang="en-US" sz="1800" spc="-1" strike="noStrike">
-              <a:solidFill>
-                <a:srgbClr val="000000"/>
-              </a:solidFill>
+            <a:pPr algn="ctr"/>
+            <a:endParaRPr b="0" lang="en-US" sz="4400" spc="-1" strike="noStrike">
               <a:latin typeface="Arial"/>
             </a:endParaRPr>
           </a:p>
@@ -9825,10 +9779,8 @@
             <a:noAutofit/>
           </a:bodyPr>
           <a:p>
-            <a:endParaRPr b="0" lang="en-US" sz="1800" spc="-1" strike="noStrike">
-              <a:solidFill>
-                <a:srgbClr val="000000"/>
-              </a:solidFill>
+            <a:pPr algn="ctr"/>
+            <a:endParaRPr b="0" lang="en-US" sz="4400" spc="-1" strike="noStrike">
               <a:latin typeface="Arial"/>
             </a:endParaRPr>
           </a:p>
@@ -9858,10 +9810,7 @@
             <a:normAutofit/>
           </a:bodyPr>
           <a:p>
-            <a:endParaRPr b="0" lang="en-US" sz="2800" spc="-1" strike="noStrike">
-              <a:solidFill>
-                <a:srgbClr val="000000"/>
-              </a:solidFill>
+            <a:endParaRPr b="0" lang="en-US" sz="3200" spc="-1" strike="noStrike">
               <a:latin typeface="Arial"/>
             </a:endParaRPr>
           </a:p>
@@ -9913,10 +9862,8 @@
             <a:noAutofit/>
           </a:bodyPr>
           <a:p>
-            <a:endParaRPr b="0" lang="en-US" sz="1800" spc="-1" strike="noStrike">
-              <a:solidFill>
-                <a:srgbClr val="000000"/>
-              </a:solidFill>
+            <a:pPr algn="ctr"/>
+            <a:endParaRPr b="0" lang="en-US" sz="4400" spc="-1" strike="noStrike">
               <a:latin typeface="Arial"/>
             </a:endParaRPr>
           </a:p>
@@ -9946,10 +9893,7 @@
             <a:normAutofit/>
           </a:bodyPr>
           <a:p>
-            <a:endParaRPr b="0" lang="en-US" sz="2800" spc="-1" strike="noStrike">
-              <a:solidFill>
-                <a:srgbClr val="000000"/>
-              </a:solidFill>
+            <a:endParaRPr b="0" lang="en-US" sz="3200" spc="-1" strike="noStrike">
               <a:latin typeface="Arial"/>
             </a:endParaRPr>
           </a:p>
@@ -9979,10 +9923,7 @@
             <a:normAutofit/>
           </a:bodyPr>
           <a:p>
-            <a:endParaRPr b="0" lang="en-US" sz="2800" spc="-1" strike="noStrike">
-              <a:solidFill>
-                <a:srgbClr val="000000"/>
-              </a:solidFill>
+            <a:endParaRPr b="0" lang="en-US" sz="3200" spc="-1" strike="noStrike">
               <a:latin typeface="Arial"/>
             </a:endParaRPr>
           </a:p>
@@ -10034,10 +9975,8 @@
             <a:noAutofit/>
           </a:bodyPr>
           <a:p>
-            <a:endParaRPr b="0" lang="en-US" sz="1800" spc="-1" strike="noStrike">
-              <a:solidFill>
-                <a:srgbClr val="000000"/>
-              </a:solidFill>
+            <a:pPr algn="ctr"/>
+            <a:endParaRPr b="0" lang="en-US" sz="4400" spc="-1" strike="noStrike">
               <a:latin typeface="Arial"/>
             </a:endParaRPr>
           </a:p>
@@ -10142,10 +10081,8 @@
             <a:noAutofit/>
           </a:bodyPr>
           <a:p>
-            <a:endParaRPr b="0" lang="en-US" sz="1800" spc="-1" strike="noStrike">
-              <a:solidFill>
-                <a:srgbClr val="000000"/>
-              </a:solidFill>
+            <a:pPr algn="ctr"/>
+            <a:endParaRPr b="0" lang="en-US" sz="4400" spc="-1" strike="noStrike">
               <a:latin typeface="Arial"/>
             </a:endParaRPr>
           </a:p>
@@ -10175,10 +10112,7 @@
             <a:normAutofit/>
           </a:bodyPr>
           <a:p>
-            <a:endParaRPr b="0" lang="en-US" sz="2800" spc="-1" strike="noStrike">
-              <a:solidFill>
-                <a:srgbClr val="000000"/>
-              </a:solidFill>
+            <a:endParaRPr b="0" lang="en-US" sz="3200" spc="-1" strike="noStrike">
               <a:latin typeface="Arial"/>
             </a:endParaRPr>
           </a:p>
@@ -10208,10 +10142,7 @@
             <a:normAutofit/>
           </a:bodyPr>
           <a:p>
-            <a:endParaRPr b="0" lang="en-US" sz="2800" spc="-1" strike="noStrike">
-              <a:solidFill>
-                <a:srgbClr val="000000"/>
-              </a:solidFill>
+            <a:endParaRPr b="0" lang="en-US" sz="3200" spc="-1" strike="noStrike">
               <a:latin typeface="Arial"/>
             </a:endParaRPr>
           </a:p>
@@ -10241,10 +10172,7 @@
             <a:normAutofit/>
           </a:bodyPr>
           <a:p>
-            <a:endParaRPr b="0" lang="en-US" sz="2800" spc="-1" strike="noStrike">
-              <a:solidFill>
-                <a:srgbClr val="000000"/>
-              </a:solidFill>
+            <a:endParaRPr b="0" lang="en-US" sz="3200" spc="-1" strike="noStrike">
               <a:latin typeface="Arial"/>
             </a:endParaRPr>
           </a:p>
@@ -10296,10 +10224,8 @@
             <a:noAutofit/>
           </a:bodyPr>
           <a:p>
-            <a:endParaRPr b="0" lang="en-US" sz="1800" spc="-1" strike="noStrike">
-              <a:solidFill>
-                <a:srgbClr val="000000"/>
-              </a:solidFill>
+            <a:pPr algn="ctr"/>
+            <a:endParaRPr b="0" lang="en-US" sz="4400" spc="-1" strike="noStrike">
               <a:latin typeface="Arial"/>
             </a:endParaRPr>
           </a:p>
@@ -10382,10 +10308,8 @@
             <a:noAutofit/>
           </a:bodyPr>
           <a:p>
-            <a:endParaRPr b="0" lang="en-US" sz="1800" spc="-1" strike="noStrike">
-              <a:solidFill>
-                <a:srgbClr val="000000"/>
-              </a:solidFill>
+            <a:pPr algn="ctr"/>
+            <a:endParaRPr b="0" lang="en-US" sz="4400" spc="-1" strike="noStrike">
               <a:latin typeface="Arial"/>
             </a:endParaRPr>
           </a:p>
@@ -10415,10 +10339,7 @@
             <a:normAutofit/>
           </a:bodyPr>
           <a:p>
-            <a:endParaRPr b="0" lang="en-US" sz="2800" spc="-1" strike="noStrike">
-              <a:solidFill>
-                <a:srgbClr val="000000"/>
-              </a:solidFill>
+            <a:endParaRPr b="0" lang="en-US" sz="3200" spc="-1" strike="noStrike">
               <a:latin typeface="Arial"/>
             </a:endParaRPr>
           </a:p>
@@ -10448,10 +10369,7 @@
             <a:normAutofit/>
           </a:bodyPr>
           <a:p>
-            <a:endParaRPr b="0" lang="en-US" sz="2800" spc="-1" strike="noStrike">
-              <a:solidFill>
-                <a:srgbClr val="000000"/>
-              </a:solidFill>
+            <a:endParaRPr b="0" lang="en-US" sz="3200" spc="-1" strike="noStrike">
               <a:latin typeface="Arial"/>
             </a:endParaRPr>
           </a:p>
@@ -10481,10 +10399,7 @@
             <a:normAutofit/>
           </a:bodyPr>
           <a:p>
-            <a:endParaRPr b="0" lang="en-US" sz="2800" spc="-1" strike="noStrike">
-              <a:solidFill>
-                <a:srgbClr val="000000"/>
-              </a:solidFill>
+            <a:endParaRPr b="0" lang="en-US" sz="3200" spc="-1" strike="noStrike">
               <a:latin typeface="Arial"/>
             </a:endParaRPr>
           </a:p>
@@ -10536,10 +10451,8 @@
             <a:noAutofit/>
           </a:bodyPr>
           <a:p>
-            <a:endParaRPr b="0" lang="en-US" sz="1800" spc="-1" strike="noStrike">
-              <a:solidFill>
-                <a:srgbClr val="000000"/>
-              </a:solidFill>
+            <a:pPr algn="ctr"/>
+            <a:endParaRPr b="0" lang="en-US" sz="4400" spc="-1" strike="noStrike">
               <a:latin typeface="Arial"/>
             </a:endParaRPr>
           </a:p>
@@ -10569,10 +10482,7 @@
             <a:normAutofit/>
           </a:bodyPr>
           <a:p>
-            <a:endParaRPr b="0" lang="en-US" sz="2800" spc="-1" strike="noStrike">
-              <a:solidFill>
-                <a:srgbClr val="000000"/>
-              </a:solidFill>
+            <a:endParaRPr b="0" lang="en-US" sz="3200" spc="-1" strike="noStrike">
               <a:latin typeface="Arial"/>
             </a:endParaRPr>
           </a:p>
@@ -10602,10 +10512,7 @@
             <a:normAutofit/>
           </a:bodyPr>
           <a:p>
-            <a:endParaRPr b="0" lang="en-US" sz="2800" spc="-1" strike="noStrike">
-              <a:solidFill>
-                <a:srgbClr val="000000"/>
-              </a:solidFill>
+            <a:endParaRPr b="0" lang="en-US" sz="3200" spc="-1" strike="noStrike">
               <a:latin typeface="Arial"/>
             </a:endParaRPr>
           </a:p>
@@ -10635,10 +10542,7 @@
             <a:normAutofit/>
           </a:bodyPr>
           <a:p>
-            <a:endParaRPr b="0" lang="en-US" sz="2800" spc="-1" strike="noStrike">
-              <a:solidFill>
-                <a:srgbClr val="000000"/>
-              </a:solidFill>
+            <a:endParaRPr b="0" lang="en-US" sz="3200" spc="-1" strike="noStrike">
               <a:latin typeface="Arial"/>
             </a:endParaRPr>
           </a:p>
@@ -10690,10 +10594,8 @@
             <a:noAutofit/>
           </a:bodyPr>
           <a:p>
-            <a:endParaRPr b="0" lang="en-US" sz="1800" spc="-1" strike="noStrike">
-              <a:solidFill>
-                <a:srgbClr val="000000"/>
-              </a:solidFill>
+            <a:pPr algn="ctr"/>
+            <a:endParaRPr b="0" lang="en-US" sz="4400" spc="-1" strike="noStrike">
               <a:latin typeface="Arial"/>
             </a:endParaRPr>
           </a:p>
@@ -10723,10 +10625,7 @@
             <a:normAutofit/>
           </a:bodyPr>
           <a:p>
-            <a:endParaRPr b="0" lang="en-US" sz="2800" spc="-1" strike="noStrike">
-              <a:solidFill>
-                <a:srgbClr val="000000"/>
-              </a:solidFill>
+            <a:endParaRPr b="0" lang="en-US" sz="3200" spc="-1" strike="noStrike">
               <a:latin typeface="Arial"/>
             </a:endParaRPr>
           </a:p>
@@ -10756,10 +10655,7 @@
             <a:normAutofit/>
           </a:bodyPr>
           <a:p>
-            <a:endParaRPr b="0" lang="en-US" sz="2800" spc="-1" strike="noStrike">
-              <a:solidFill>
-                <a:srgbClr val="000000"/>
-              </a:solidFill>
+            <a:endParaRPr b="0" lang="en-US" sz="3200" spc="-1" strike="noStrike">
               <a:latin typeface="Arial"/>
             </a:endParaRPr>
           </a:p>
@@ -10811,10 +10707,8 @@
             <a:noAutofit/>
           </a:bodyPr>
           <a:p>
-            <a:endParaRPr b="0" lang="en-US" sz="1800" spc="-1" strike="noStrike">
-              <a:solidFill>
-                <a:srgbClr val="000000"/>
-              </a:solidFill>
+            <a:pPr algn="ctr"/>
+            <a:endParaRPr b="0" lang="en-US" sz="4400" spc="-1" strike="noStrike">
               <a:latin typeface="Arial"/>
             </a:endParaRPr>
           </a:p>
@@ -10844,10 +10738,7 @@
             <a:normAutofit/>
           </a:bodyPr>
           <a:p>
-            <a:endParaRPr b="0" lang="en-US" sz="2800" spc="-1" strike="noStrike">
-              <a:solidFill>
-                <a:srgbClr val="000000"/>
-              </a:solidFill>
+            <a:endParaRPr b="0" lang="en-US" sz="3200" spc="-1" strike="noStrike">
               <a:latin typeface="Arial"/>
             </a:endParaRPr>
           </a:p>
@@ -10877,10 +10768,7 @@
             <a:normAutofit/>
           </a:bodyPr>
           <a:p>
-            <a:endParaRPr b="0" lang="en-US" sz="2800" spc="-1" strike="noStrike">
-              <a:solidFill>
-                <a:srgbClr val="000000"/>
-              </a:solidFill>
+            <a:endParaRPr b="0" lang="en-US" sz="3200" spc="-1" strike="noStrike">
               <a:latin typeface="Arial"/>
             </a:endParaRPr>
           </a:p>
@@ -10910,10 +10798,7 @@
             <a:normAutofit/>
           </a:bodyPr>
           <a:p>
-            <a:endParaRPr b="0" lang="en-US" sz="2800" spc="-1" strike="noStrike">
-              <a:solidFill>
-                <a:srgbClr val="000000"/>
-              </a:solidFill>
+            <a:endParaRPr b="0" lang="en-US" sz="3200" spc="-1" strike="noStrike">
               <a:latin typeface="Arial"/>
             </a:endParaRPr>
           </a:p>
@@ -10943,10 +10828,7 @@
             <a:normAutofit/>
           </a:bodyPr>
           <a:p>
-            <a:endParaRPr b="0" lang="en-US" sz="2800" spc="-1" strike="noStrike">
-              <a:solidFill>
-                <a:srgbClr val="000000"/>
-              </a:solidFill>
+            <a:endParaRPr b="0" lang="en-US" sz="3200" spc="-1" strike="noStrike">
               <a:latin typeface="Arial"/>
             </a:endParaRPr>
           </a:p>
@@ -10998,10 +10880,8 @@
             <a:noAutofit/>
           </a:bodyPr>
           <a:p>
-            <a:endParaRPr b="0" lang="en-US" sz="1800" spc="-1" strike="noStrike">
-              <a:solidFill>
-                <a:srgbClr val="000000"/>
-              </a:solidFill>
+            <a:pPr algn="ctr"/>
+            <a:endParaRPr b="0" lang="en-US" sz="4400" spc="-1" strike="noStrike">
               <a:latin typeface="Arial"/>
             </a:endParaRPr>
           </a:p>
@@ -11031,10 +10911,7 @@
             <a:normAutofit/>
           </a:bodyPr>
           <a:p>
-            <a:endParaRPr b="0" lang="en-US" sz="2800" spc="-1" strike="noStrike">
-              <a:solidFill>
-                <a:srgbClr val="000000"/>
-              </a:solidFill>
+            <a:endParaRPr b="0" lang="en-US" sz="3200" spc="-1" strike="noStrike">
               <a:latin typeface="Arial"/>
             </a:endParaRPr>
           </a:p>
@@ -11064,10 +10941,7 @@
             <a:normAutofit/>
           </a:bodyPr>
           <a:p>
-            <a:endParaRPr b="0" lang="en-US" sz="2800" spc="-1" strike="noStrike">
-              <a:solidFill>
-                <a:srgbClr val="000000"/>
-              </a:solidFill>
+            <a:endParaRPr b="0" lang="en-US" sz="3200" spc="-1" strike="noStrike">
               <a:latin typeface="Arial"/>
             </a:endParaRPr>
           </a:p>
@@ -11097,10 +10971,7 @@
             <a:normAutofit/>
           </a:bodyPr>
           <a:p>
-            <a:endParaRPr b="0" lang="en-US" sz="2800" spc="-1" strike="noStrike">
-              <a:solidFill>
-                <a:srgbClr val="000000"/>
-              </a:solidFill>
+            <a:endParaRPr b="0" lang="en-US" sz="3200" spc="-1" strike="noStrike">
               <a:latin typeface="Arial"/>
             </a:endParaRPr>
           </a:p>
@@ -11130,10 +11001,7 @@
             <a:normAutofit/>
           </a:bodyPr>
           <a:p>
-            <a:endParaRPr b="0" lang="en-US" sz="2800" spc="-1" strike="noStrike">
-              <a:solidFill>
-                <a:srgbClr val="000000"/>
-              </a:solidFill>
+            <a:endParaRPr b="0" lang="en-US" sz="3200" spc="-1" strike="noStrike">
               <a:latin typeface="Arial"/>
             </a:endParaRPr>
           </a:p>
@@ -11163,10 +11031,7 @@
             <a:normAutofit/>
           </a:bodyPr>
           <a:p>
-            <a:endParaRPr b="0" lang="en-US" sz="2800" spc="-1" strike="noStrike">
-              <a:solidFill>
-                <a:srgbClr val="000000"/>
-              </a:solidFill>
+            <a:endParaRPr b="0" lang="en-US" sz="3200" spc="-1" strike="noStrike">
               <a:latin typeface="Arial"/>
             </a:endParaRPr>
           </a:p>
@@ -11196,10 +11061,7 @@
             <a:normAutofit/>
           </a:bodyPr>
           <a:p>
-            <a:endParaRPr b="0" lang="en-US" sz="2800" spc="-1" strike="noStrike">
-              <a:solidFill>
-                <a:srgbClr val="000000"/>
-              </a:solidFill>
+            <a:endParaRPr b="0" lang="en-US" sz="3200" spc="-1" strike="noStrike">
               <a:latin typeface="Arial"/>
             </a:endParaRPr>
           </a:p>
@@ -11251,10 +11113,8 @@
             <a:noAutofit/>
           </a:bodyPr>
           <a:p>
-            <a:endParaRPr b="0" lang="en-US" sz="1800" spc="-1" strike="noStrike">
-              <a:solidFill>
-                <a:srgbClr val="000000"/>
-              </a:solidFill>
+            <a:pPr algn="ctr"/>
+            <a:endParaRPr b="0" lang="en-US" sz="4400" spc="-1" strike="noStrike">
               <a:latin typeface="Arial"/>
             </a:endParaRPr>
           </a:p>
@@ -11284,10 +11144,7 @@
             <a:normAutofit/>
           </a:bodyPr>
           <a:p>
-            <a:endParaRPr b="0" lang="en-US" sz="2800" spc="-1" strike="noStrike">
-              <a:solidFill>
-                <a:srgbClr val="000000"/>
-              </a:solidFill>
+            <a:endParaRPr b="0" lang="en-US" sz="3200" spc="-1" strike="noStrike">
               <a:latin typeface="Arial"/>
             </a:endParaRPr>
           </a:p>
@@ -11339,10 +11196,8 @@
             <a:noAutofit/>
           </a:bodyPr>
           <a:p>
-            <a:endParaRPr b="0" lang="en-US" sz="1800" spc="-1" strike="noStrike">
-              <a:solidFill>
-                <a:srgbClr val="000000"/>
-              </a:solidFill>
+            <a:pPr algn="ctr"/>
+            <a:endParaRPr b="0" lang="en-US" sz="4400" spc="-1" strike="noStrike">
               <a:latin typeface="Arial"/>
             </a:endParaRPr>
           </a:p>
@@ -11372,10 +11227,7 @@
             <a:normAutofit/>
           </a:bodyPr>
           <a:p>
-            <a:endParaRPr b="0" lang="en-US" sz="2800" spc="-1" strike="noStrike">
-              <a:solidFill>
-                <a:srgbClr val="000000"/>
-              </a:solidFill>
+            <a:endParaRPr b="0" lang="en-US" sz="3200" spc="-1" strike="noStrike">
               <a:latin typeface="Arial"/>
             </a:endParaRPr>
           </a:p>
@@ -11405,10 +11257,7 @@
             <a:normAutofit/>
           </a:bodyPr>
           <a:p>
-            <a:endParaRPr b="0" lang="en-US" sz="2800" spc="-1" strike="noStrike">
-              <a:solidFill>
-                <a:srgbClr val="000000"/>
-              </a:solidFill>
+            <a:endParaRPr b="0" lang="en-US" sz="3200" spc="-1" strike="noStrike">
               <a:latin typeface="Arial"/>
             </a:endParaRPr>
           </a:p>
@@ -11460,10 +11309,8 @@
             <a:noAutofit/>
           </a:bodyPr>
           <a:p>
-            <a:endParaRPr b="0" lang="en-US" sz="1800" spc="-1" strike="noStrike">
-              <a:solidFill>
-                <a:srgbClr val="000000"/>
-              </a:solidFill>
+            <a:pPr algn="ctr"/>
+            <a:endParaRPr b="0" lang="en-US" sz="4400" spc="-1" strike="noStrike">
               <a:latin typeface="Arial"/>
             </a:endParaRPr>
           </a:p>
@@ -11568,10 +11415,8 @@
             <a:noAutofit/>
           </a:bodyPr>
           <a:p>
-            <a:endParaRPr b="0" lang="en-US" sz="1800" spc="-1" strike="noStrike">
-              <a:solidFill>
-                <a:srgbClr val="000000"/>
-              </a:solidFill>
+            <a:pPr algn="ctr"/>
+            <a:endParaRPr b="0" lang="en-US" sz="4400" spc="-1" strike="noStrike">
               <a:latin typeface="Arial"/>
             </a:endParaRPr>
           </a:p>
@@ -11601,10 +11446,7 @@
             <a:normAutofit/>
           </a:bodyPr>
           <a:p>
-            <a:endParaRPr b="0" lang="en-US" sz="2800" spc="-1" strike="noStrike">
-              <a:solidFill>
-                <a:srgbClr val="000000"/>
-              </a:solidFill>
+            <a:endParaRPr b="0" lang="en-US" sz="3200" spc="-1" strike="noStrike">
               <a:latin typeface="Arial"/>
             </a:endParaRPr>
           </a:p>
@@ -11634,10 +11476,7 @@
             <a:normAutofit/>
           </a:bodyPr>
           <a:p>
-            <a:endParaRPr b="0" lang="en-US" sz="2800" spc="-1" strike="noStrike">
-              <a:solidFill>
-                <a:srgbClr val="000000"/>
-              </a:solidFill>
+            <a:endParaRPr b="0" lang="en-US" sz="3200" spc="-1" strike="noStrike">
               <a:latin typeface="Arial"/>
             </a:endParaRPr>
           </a:p>
@@ -11667,10 +11506,7 @@
             <a:normAutofit/>
           </a:bodyPr>
           <a:p>
-            <a:endParaRPr b="0" lang="en-US" sz="2800" spc="-1" strike="noStrike">
-              <a:solidFill>
-                <a:srgbClr val="000000"/>
-              </a:solidFill>
+            <a:endParaRPr b="0" lang="en-US" sz="3200" spc="-1" strike="noStrike">
               <a:latin typeface="Arial"/>
             </a:endParaRPr>
           </a:p>
@@ -11722,10 +11558,8 @@
             <a:noAutofit/>
           </a:bodyPr>
           <a:p>
-            <a:endParaRPr b="0" lang="en-US" sz="1800" spc="-1" strike="noStrike">
-              <a:solidFill>
-                <a:srgbClr val="000000"/>
-              </a:solidFill>
+            <a:pPr algn="ctr"/>
+            <a:endParaRPr b="0" lang="en-US" sz="4400" spc="-1" strike="noStrike">
               <a:latin typeface="Arial"/>
             </a:endParaRPr>
           </a:p>
@@ -11755,10 +11589,7 @@
             <a:normAutofit/>
           </a:bodyPr>
           <a:p>
-            <a:endParaRPr b="0" lang="en-US" sz="2800" spc="-1" strike="noStrike">
-              <a:solidFill>
-                <a:srgbClr val="000000"/>
-              </a:solidFill>
+            <a:endParaRPr b="0" lang="en-US" sz="3200" spc="-1" strike="noStrike">
               <a:latin typeface="Arial"/>
             </a:endParaRPr>
           </a:p>
@@ -11788,10 +11619,7 @@
             <a:normAutofit/>
           </a:bodyPr>
           <a:p>
-            <a:endParaRPr b="0" lang="en-US" sz="2800" spc="-1" strike="noStrike">
-              <a:solidFill>
-                <a:srgbClr val="000000"/>
-              </a:solidFill>
+            <a:endParaRPr b="0" lang="en-US" sz="3200" spc="-1" strike="noStrike">
               <a:latin typeface="Arial"/>
             </a:endParaRPr>
           </a:p>
@@ -11821,10 +11649,7 @@
             <a:normAutofit/>
           </a:bodyPr>
           <a:p>
-            <a:endParaRPr b="0" lang="en-US" sz="2800" spc="-1" strike="noStrike">
-              <a:solidFill>
-                <a:srgbClr val="000000"/>
-              </a:solidFill>
+            <a:endParaRPr b="0" lang="en-US" sz="3200" spc="-1" strike="noStrike">
               <a:latin typeface="Arial"/>
             </a:endParaRPr>
           </a:p>
@@ -11876,10 +11701,8 @@
             <a:noAutofit/>
           </a:bodyPr>
           <a:p>
-            <a:endParaRPr b="0" lang="en-US" sz="1800" spc="-1" strike="noStrike">
-              <a:solidFill>
-                <a:srgbClr val="000000"/>
-              </a:solidFill>
+            <a:pPr algn="ctr"/>
+            <a:endParaRPr b="0" lang="en-US" sz="4400" spc="-1" strike="noStrike">
               <a:latin typeface="Arial"/>
             </a:endParaRPr>
           </a:p>
@@ -11909,10 +11732,7 @@
             <a:normAutofit/>
           </a:bodyPr>
           <a:p>
-            <a:endParaRPr b="0" lang="en-US" sz="2800" spc="-1" strike="noStrike">
-              <a:solidFill>
-                <a:srgbClr val="000000"/>
-              </a:solidFill>
+            <a:endParaRPr b="0" lang="en-US" sz="3200" spc="-1" strike="noStrike">
               <a:latin typeface="Arial"/>
             </a:endParaRPr>
           </a:p>
@@ -11942,10 +11762,7 @@
             <a:normAutofit/>
           </a:bodyPr>
           <a:p>
-            <a:endParaRPr b="0" lang="en-US" sz="2800" spc="-1" strike="noStrike">
-              <a:solidFill>
-                <a:srgbClr val="000000"/>
-              </a:solidFill>
+            <a:endParaRPr b="0" lang="en-US" sz="3200" spc="-1" strike="noStrike">
               <a:latin typeface="Arial"/>
             </a:endParaRPr>
           </a:p>
@@ -11975,10 +11792,7 @@
             <a:normAutofit/>
           </a:bodyPr>
           <a:p>
-            <a:endParaRPr b="0" lang="en-US" sz="2800" spc="-1" strike="noStrike">
-              <a:solidFill>
-                <a:srgbClr val="000000"/>
-              </a:solidFill>
+            <a:endParaRPr b="0" lang="en-US" sz="3200" spc="-1" strike="noStrike">
               <a:latin typeface="Arial"/>
             </a:endParaRPr>
           </a:p>
@@ -12037,19 +11851,14 @@
             <a:noAutofit/>
           </a:bodyPr>
           <a:p>
+            <a:pPr algn="ctr"/>
             <a:r>
-              <a:rPr b="0" lang="en-US" sz="1800" spc="-1" strike="noStrike">
-                <a:solidFill>
-                  <a:srgbClr val="000000"/>
-                </a:solidFill>
+              <a:rPr b="0" lang="en-US" sz="4400" spc="-1" strike="noStrike">
                 <a:latin typeface="Arial"/>
               </a:rPr>
               <a:t>Click to edit the title text format</a:t>
             </a:r>
-            <a:endParaRPr b="0" lang="en-US" sz="1800" spc="-1" strike="noStrike">
-              <a:solidFill>
-                <a:srgbClr val="000000"/>
-              </a:solidFill>
+            <a:endParaRPr b="0" lang="en-US" sz="4400" spc="-1" strike="noStrike">
               <a:latin typeface="Arial"/>
             </a:endParaRPr>
           </a:p>
@@ -12091,18 +11900,12 @@
               <a:buChar char=""/>
             </a:pPr>
             <a:r>
-              <a:rPr b="0" lang="en-US" sz="2800" spc="-1" strike="noStrike">
-                <a:solidFill>
-                  <a:srgbClr val="000000"/>
-                </a:solidFill>
+              <a:rPr b="0" lang="en-US" sz="3200" spc="-1" strike="noStrike">
                 <a:latin typeface="Arial"/>
               </a:rPr>
               <a:t>Click to edit the outline text format</a:t>
             </a:r>
-            <a:endParaRPr b="0" lang="en-US" sz="2800" spc="-1" strike="noStrike">
-              <a:solidFill>
-                <a:srgbClr val="000000"/>
-              </a:solidFill>
+            <a:endParaRPr b="0" lang="en-US" sz="3200" spc="-1" strike="noStrike">
               <a:latin typeface="Arial"/>
             </a:endParaRPr>
           </a:p>
@@ -12119,18 +11922,12 @@
               <a:buChar char=""/>
             </a:pPr>
             <a:r>
-              <a:rPr b="0" lang="en-US" sz="2000" spc="-1" strike="noStrike">
-                <a:solidFill>
-                  <a:srgbClr val="000000"/>
-                </a:solidFill>
+              <a:rPr b="0" lang="en-US" sz="2800" spc="-1" strike="noStrike">
                 <a:latin typeface="Arial"/>
               </a:rPr>
               <a:t>Second Outline Level</a:t>
             </a:r>
-            <a:endParaRPr b="0" lang="en-US" sz="2000" spc="-1" strike="noStrike">
-              <a:solidFill>
-                <a:srgbClr val="000000"/>
-              </a:solidFill>
+            <a:endParaRPr b="0" lang="en-US" sz="2800" spc="-1" strike="noStrike">
               <a:latin typeface="Arial"/>
             </a:endParaRPr>
           </a:p>
@@ -12147,18 +11944,12 @@
               <a:buChar char=""/>
             </a:pPr>
             <a:r>
-              <a:rPr b="0" lang="en-US" sz="1800" spc="-1" strike="noStrike">
-                <a:solidFill>
-                  <a:srgbClr val="000000"/>
-                </a:solidFill>
+              <a:rPr b="0" lang="en-US" sz="2400" spc="-1" strike="noStrike">
                 <a:latin typeface="Arial"/>
               </a:rPr>
               <a:t>Third Outline Level</a:t>
             </a:r>
-            <a:endParaRPr b="0" lang="en-US" sz="1800" spc="-1" strike="noStrike">
-              <a:solidFill>
-                <a:srgbClr val="000000"/>
-              </a:solidFill>
+            <a:endParaRPr b="0" lang="en-US" sz="2400" spc="-1" strike="noStrike">
               <a:latin typeface="Arial"/>
             </a:endParaRPr>
           </a:p>
@@ -12175,18 +11966,12 @@
               <a:buChar char=""/>
             </a:pPr>
             <a:r>
-              <a:rPr b="0" lang="en-US" sz="1800" spc="-1" strike="noStrike">
-                <a:solidFill>
-                  <a:srgbClr val="000000"/>
-                </a:solidFill>
+              <a:rPr b="0" lang="en-US" sz="2000" spc="-1" strike="noStrike">
                 <a:latin typeface="Arial"/>
               </a:rPr>
               <a:t>Fourth Outline Level</a:t>
             </a:r>
-            <a:endParaRPr b="0" lang="en-US" sz="1800" spc="-1" strike="noStrike">
-              <a:solidFill>
-                <a:srgbClr val="000000"/>
-              </a:solidFill>
+            <a:endParaRPr b="0" lang="en-US" sz="2000" spc="-1" strike="noStrike">
               <a:latin typeface="Arial"/>
             </a:endParaRPr>
           </a:p>
@@ -12204,17 +11989,11 @@
             </a:pPr>
             <a:r>
               <a:rPr b="0" lang="en-US" sz="2000" spc="-1" strike="noStrike">
-                <a:solidFill>
-                  <a:srgbClr val="000000"/>
-                </a:solidFill>
                 <a:latin typeface="Arial"/>
               </a:rPr>
               <a:t>Fifth Outline Level</a:t>
             </a:r>
             <a:endParaRPr b="0" lang="en-US" sz="2000" spc="-1" strike="noStrike">
-              <a:solidFill>
-                <a:srgbClr val="000000"/>
-              </a:solidFill>
               <a:latin typeface="Arial"/>
             </a:endParaRPr>
           </a:p>
@@ -12232,17 +12011,11 @@
             </a:pPr>
             <a:r>
               <a:rPr b="0" lang="en-US" sz="2000" spc="-1" strike="noStrike">
-                <a:solidFill>
-                  <a:srgbClr val="000000"/>
-                </a:solidFill>
                 <a:latin typeface="Arial"/>
               </a:rPr>
               <a:t>Sixth Outline Level</a:t>
             </a:r>
             <a:endParaRPr b="0" lang="en-US" sz="2000" spc="-1" strike="noStrike">
-              <a:solidFill>
-                <a:srgbClr val="000000"/>
-              </a:solidFill>
               <a:latin typeface="Arial"/>
             </a:endParaRPr>
           </a:p>
@@ -12260,17 +12033,11 @@
             </a:pPr>
             <a:r>
               <a:rPr b="0" lang="en-US" sz="2000" spc="-1" strike="noStrike">
-                <a:solidFill>
-                  <a:srgbClr val="000000"/>
-                </a:solidFill>
                 <a:latin typeface="Arial"/>
               </a:rPr>
               <a:t>Seventh Outline Level</a:t>
             </a:r>
             <a:endParaRPr b="0" lang="en-US" sz="2000" spc="-1" strike="noStrike">
-              <a:solidFill>
-                <a:srgbClr val="000000"/>
-              </a:solidFill>
               <a:latin typeface="Arial"/>
             </a:endParaRPr>
           </a:p>
@@ -12344,19 +12111,56 @@
             <a:noAutofit/>
           </a:bodyPr>
           <a:p>
+            <a:pPr algn="ctr"/>
             <a:r>
-              <a:rPr b="0" lang="en-US" sz="1800" spc="-1" strike="noStrike">
-                <a:solidFill>
-                  <a:srgbClr val="000000"/>
-                </a:solidFill>
+              <a:rPr b="0" lang="en-US" sz="4400" spc="-1" strike="noStrike">
                 <a:latin typeface="Arial"/>
               </a:rPr>
-              <a:t>Click to edit the title text format</a:t>
+              <a:t>Clic</a:t>
             </a:r>
-            <a:endParaRPr b="0" lang="en-US" sz="1800" spc="-1" strike="noStrike">
-              <a:solidFill>
-                <a:srgbClr val="000000"/>
-              </a:solidFill>
+            <a:r>
+              <a:rPr b="0" lang="en-US" sz="4400" spc="-1" strike="noStrike">
+                <a:latin typeface="Arial"/>
+              </a:rPr>
+              <a:t>k to </a:t>
+            </a:r>
+            <a:r>
+              <a:rPr b="0" lang="en-US" sz="4400" spc="-1" strike="noStrike">
+                <a:latin typeface="Arial"/>
+              </a:rPr>
+              <a:t>edit </a:t>
+            </a:r>
+            <a:r>
+              <a:rPr b="0" lang="en-US" sz="4400" spc="-1" strike="noStrike">
+                <a:latin typeface="Arial"/>
+              </a:rPr>
+              <a:t>the </a:t>
+            </a:r>
+            <a:r>
+              <a:rPr b="0" lang="en-US" sz="4400" spc="-1" strike="noStrike">
+                <a:latin typeface="Arial"/>
+              </a:rPr>
+              <a:t>title </a:t>
+            </a:r>
+            <a:r>
+              <a:rPr b="0" lang="en-US" sz="4400" spc="-1" strike="noStrike">
+                <a:latin typeface="Arial"/>
+              </a:rPr>
+              <a:t>text </a:t>
+            </a:r>
+            <a:r>
+              <a:rPr b="0" lang="en-US" sz="4400" spc="-1" strike="noStrike">
+                <a:latin typeface="Arial"/>
+              </a:rPr>
+              <a:t>form</a:t>
+            </a:r>
+            <a:r>
+              <a:rPr b="0" lang="en-US" sz="4400" spc="-1" strike="noStrike">
+                <a:latin typeface="Arial"/>
+              </a:rPr>
+              <a:t>at</a:t>
+            </a:r>
+            <a:endParaRPr b="0" lang="en-US" sz="4400" spc="-1" strike="noStrike">
               <a:latin typeface="Arial"/>
             </a:endParaRPr>
           </a:p>
@@ -12398,18 +12202,12 @@
               <a:buChar char=""/>
             </a:pPr>
             <a:r>
-              <a:rPr b="0" lang="en-US" sz="2800" spc="-1" strike="noStrike">
-                <a:solidFill>
-                  <a:srgbClr val="000000"/>
-                </a:solidFill>
+              <a:rPr b="0" lang="en-US" sz="3200" spc="-1" strike="noStrike">
                 <a:latin typeface="Arial"/>
               </a:rPr>
               <a:t>Click to edit the outline text format</a:t>
             </a:r>
-            <a:endParaRPr b="0" lang="en-US" sz="2800" spc="-1" strike="noStrike">
-              <a:solidFill>
-                <a:srgbClr val="000000"/>
-              </a:solidFill>
+            <a:endParaRPr b="0" lang="en-US" sz="3200" spc="-1" strike="noStrike">
               <a:latin typeface="Arial"/>
             </a:endParaRPr>
           </a:p>
@@ -12426,18 +12224,12 @@
               <a:buChar char=""/>
             </a:pPr>
             <a:r>
-              <a:rPr b="0" lang="en-US" sz="2000" spc="-1" strike="noStrike">
-                <a:solidFill>
-                  <a:srgbClr val="000000"/>
-                </a:solidFill>
+              <a:rPr b="0" lang="en-US" sz="2800" spc="-1" strike="noStrike">
                 <a:latin typeface="Arial"/>
               </a:rPr>
               <a:t>Second Outline Level</a:t>
             </a:r>
-            <a:endParaRPr b="0" lang="en-US" sz="2000" spc="-1" strike="noStrike">
-              <a:solidFill>
-                <a:srgbClr val="000000"/>
-              </a:solidFill>
+            <a:endParaRPr b="0" lang="en-US" sz="2800" spc="-1" strike="noStrike">
               <a:latin typeface="Arial"/>
             </a:endParaRPr>
           </a:p>
@@ -12454,18 +12246,12 @@
               <a:buChar char=""/>
             </a:pPr>
             <a:r>
-              <a:rPr b="0" lang="en-US" sz="1800" spc="-1" strike="noStrike">
-                <a:solidFill>
-                  <a:srgbClr val="000000"/>
-                </a:solidFill>
+              <a:rPr b="0" lang="en-US" sz="2400" spc="-1" strike="noStrike">
                 <a:latin typeface="Arial"/>
               </a:rPr>
               <a:t>Third Outline Level</a:t>
             </a:r>
-            <a:endParaRPr b="0" lang="en-US" sz="1800" spc="-1" strike="noStrike">
-              <a:solidFill>
-                <a:srgbClr val="000000"/>
-              </a:solidFill>
+            <a:endParaRPr b="0" lang="en-US" sz="2400" spc="-1" strike="noStrike">
               <a:latin typeface="Arial"/>
             </a:endParaRPr>
           </a:p>
@@ -12482,18 +12268,12 @@
               <a:buChar char=""/>
             </a:pPr>
             <a:r>
-              <a:rPr b="0" lang="en-US" sz="1800" spc="-1" strike="noStrike">
-                <a:solidFill>
-                  <a:srgbClr val="000000"/>
-                </a:solidFill>
+              <a:rPr b="0" lang="en-US" sz="2000" spc="-1" strike="noStrike">
                 <a:latin typeface="Arial"/>
               </a:rPr>
               <a:t>Fourth Outline Level</a:t>
             </a:r>
-            <a:endParaRPr b="0" lang="en-US" sz="1800" spc="-1" strike="noStrike">
-              <a:solidFill>
-                <a:srgbClr val="000000"/>
-              </a:solidFill>
+            <a:endParaRPr b="0" lang="en-US" sz="2000" spc="-1" strike="noStrike">
               <a:latin typeface="Arial"/>
             </a:endParaRPr>
           </a:p>
@@ -12511,17 +12291,11 @@
             </a:pPr>
             <a:r>
               <a:rPr b="0" lang="en-US" sz="2000" spc="-1" strike="noStrike">
-                <a:solidFill>
-                  <a:srgbClr val="000000"/>
-                </a:solidFill>
                 <a:latin typeface="Arial"/>
               </a:rPr>
               <a:t>Fifth Outline Level</a:t>
             </a:r>
             <a:endParaRPr b="0" lang="en-US" sz="2000" spc="-1" strike="noStrike">
-              <a:solidFill>
-                <a:srgbClr val="000000"/>
-              </a:solidFill>
               <a:latin typeface="Arial"/>
             </a:endParaRPr>
           </a:p>
@@ -12539,17 +12313,11 @@
             </a:pPr>
             <a:r>
               <a:rPr b="0" lang="en-US" sz="2000" spc="-1" strike="noStrike">
-                <a:solidFill>
-                  <a:srgbClr val="000000"/>
-                </a:solidFill>
                 <a:latin typeface="Arial"/>
               </a:rPr>
               <a:t>Sixth Outline Level</a:t>
             </a:r>
             <a:endParaRPr b="0" lang="en-US" sz="2000" spc="-1" strike="noStrike">
-              <a:solidFill>
-                <a:srgbClr val="000000"/>
-              </a:solidFill>
               <a:latin typeface="Arial"/>
             </a:endParaRPr>
           </a:p>
@@ -12567,17 +12335,11 @@
             </a:pPr>
             <a:r>
               <a:rPr b="0" lang="en-US" sz="2000" spc="-1" strike="noStrike">
-                <a:solidFill>
-                  <a:srgbClr val="000000"/>
-                </a:solidFill>
                 <a:latin typeface="Arial"/>
               </a:rPr>
               <a:t>Seventh Outline Level</a:t>
             </a:r>
             <a:endParaRPr b="0" lang="en-US" sz="2000" spc="-1" strike="noStrike">
-              <a:solidFill>
-                <a:srgbClr val="000000"/>
-              </a:solidFill>
               <a:latin typeface="Arial"/>
             </a:endParaRPr>
           </a:p>
@@ -12636,7 +12398,7 @@
         <p:spPr>
           <a:xfrm>
             <a:off x="838080" y="1120680"/>
-            <a:ext cx="10591920" cy="2306880"/>
+            <a:ext cx="10590840" cy="2305800"/>
           </a:xfrm>
           <a:prstGeom prst="rect">
             <a:avLst/>
@@ -12687,7 +12449,7 @@
         <p:spPr>
           <a:xfrm>
             <a:off x="835200" y="3809880"/>
-            <a:ext cx="7024320" cy="1011240"/>
+            <a:ext cx="7023240" cy="1010160"/>
           </a:xfrm>
           <a:prstGeom prst="rect">
             <a:avLst/>
@@ -12906,7 +12668,7 @@
         <p:spPr>
           <a:xfrm>
             <a:off x="838080" y="365040"/>
-            <a:ext cx="10514160" cy="1324080"/>
+            <a:ext cx="10513080" cy="1323000"/>
           </a:xfrm>
           <a:prstGeom prst="rect">
             <a:avLst/>
@@ -12957,7 +12719,7 @@
         <p:spPr>
           <a:xfrm>
             <a:off x="838080" y="1825560"/>
-            <a:ext cx="10514160" cy="4349880"/>
+            <a:ext cx="10513080" cy="4348800"/>
           </a:xfrm>
           <a:prstGeom prst="rect">
             <a:avLst/>
@@ -12988,7 +12750,7 @@
             </a:endParaRPr>
           </a:p>
           <a:p>
-            <a:pPr marL="228600" indent="-227160">
+            <a:pPr marL="228600" indent="-226080">
               <a:lnSpc>
                 <a:spcPct val="90000"/>
               </a:lnSpc>
@@ -13016,7 +12778,7 @@
             </a:endParaRPr>
           </a:p>
           <a:p>
-            <a:pPr marL="228600" indent="-227160">
+            <a:pPr marL="228600" indent="-226080">
               <a:lnSpc>
                 <a:spcPct val="90000"/>
               </a:lnSpc>
@@ -13058,7 +12820,7 @@
         <p:spPr>
           <a:xfrm>
             <a:off x="3243600" y="4265640"/>
-            <a:ext cx="5703480" cy="1171800"/>
+            <a:ext cx="5702400" cy="1170720"/>
           </a:xfrm>
           <a:prstGeom prst="rect">
             <a:avLst/>
@@ -13107,7 +12869,7 @@
         <p:spPr>
           <a:xfrm>
             <a:off x="838080" y="365040"/>
-            <a:ext cx="10514160" cy="1324080"/>
+            <a:ext cx="10513080" cy="1323000"/>
           </a:xfrm>
           <a:prstGeom prst="rect">
             <a:avLst/>
@@ -13158,7 +12920,7 @@
         <p:spPr>
           <a:xfrm>
             <a:off x="838080" y="1825560"/>
-            <a:ext cx="10514160" cy="4349880"/>
+            <a:ext cx="10513080" cy="4348800"/>
           </a:xfrm>
           <a:prstGeom prst="rect">
             <a:avLst/>
@@ -13189,7 +12951,7 @@
             </a:endParaRPr>
           </a:p>
           <a:p>
-            <a:pPr marL="228600" indent="-227160">
+            <a:pPr marL="228600" indent="-226080">
               <a:lnSpc>
                 <a:spcPct val="90000"/>
               </a:lnSpc>
@@ -13227,7 +12989,7 @@
             </a:endParaRPr>
           </a:p>
           <a:p>
-            <a:pPr marL="228600" indent="-227160">
+            <a:pPr marL="228600" indent="-226080">
               <a:lnSpc>
                 <a:spcPct val="90000"/>
               </a:lnSpc>
@@ -13269,7 +13031,7 @@
         <p:spPr>
           <a:xfrm>
             <a:off x="4850640" y="3997080"/>
-            <a:ext cx="2905920" cy="1292400"/>
+            <a:ext cx="2904840" cy="1291320"/>
           </a:xfrm>
           <a:prstGeom prst="rect">
             <a:avLst/>
@@ -13329,7 +13091,7 @@
         <p:spPr>
           <a:xfrm>
             <a:off x="429840" y="2459880"/>
-            <a:ext cx="11158560" cy="1528920"/>
+            <a:ext cx="11157480" cy="1527840"/>
           </a:xfrm>
           <a:prstGeom prst="rect">
             <a:avLst/>
@@ -13385,7 +13147,7 @@
         <p:spPr>
           <a:xfrm>
             <a:off x="838080" y="291240"/>
-            <a:ext cx="10514160" cy="931320"/>
+            <a:ext cx="10513080" cy="930240"/>
           </a:xfrm>
           <a:prstGeom prst="rect">
             <a:avLst/>
@@ -14101,7 +13863,7 @@
         <p:spPr>
           <a:xfrm>
             <a:off x="838080" y="365040"/>
-            <a:ext cx="10514160" cy="1324080"/>
+            <a:ext cx="10513080" cy="1323000"/>
           </a:xfrm>
           <a:prstGeom prst="rect">
             <a:avLst/>
@@ -14152,7 +13914,7 @@
         <p:spPr>
           <a:xfrm>
             <a:off x="838080" y="1825560"/>
-            <a:ext cx="10514160" cy="4349880"/>
+            <a:ext cx="10513080" cy="4348800"/>
           </a:xfrm>
           <a:prstGeom prst="rect">
             <a:avLst/>
@@ -14173,7 +13935,7 @@
             <a:normAutofit/>
           </a:bodyPr>
           <a:p>
-            <a:pPr marL="228600" indent="-227160">
+            <a:pPr marL="228600" indent="-226080">
               <a:lnSpc>
                 <a:spcPct val="90000"/>
               </a:lnSpc>
@@ -14201,7 +13963,7 @@
             </a:endParaRPr>
           </a:p>
           <a:p>
-            <a:pPr marL="228600" indent="-227160">
+            <a:pPr marL="228600" indent="-226080">
               <a:lnSpc>
                 <a:spcPct val="90000"/>
               </a:lnSpc>
@@ -14229,7 +13991,7 @@
             </a:endParaRPr>
           </a:p>
           <a:p>
-            <a:pPr lvl="1" marL="864000" indent="-322920">
+            <a:pPr lvl="1" marL="864000" indent="-321840">
               <a:lnSpc>
                 <a:spcPct val="100000"/>
               </a:lnSpc>
@@ -14258,7 +14020,7 @@
             </a:endParaRPr>
           </a:p>
           <a:p>
-            <a:pPr lvl="1" marL="685800" indent="-227160">
+            <a:pPr lvl="1" marL="685800" indent="-226080">
               <a:lnSpc>
                 <a:spcPct val="90000"/>
               </a:lnSpc>
@@ -14286,7 +14048,7 @@
             </a:endParaRPr>
           </a:p>
           <a:p>
-            <a:pPr lvl="1" marL="685800" indent="-227160">
+            <a:pPr lvl="1" marL="685800" indent="-226080">
               <a:lnSpc>
                 <a:spcPct val="90000"/>
               </a:lnSpc>
@@ -14314,7 +14076,7 @@
             </a:endParaRPr>
           </a:p>
           <a:p>
-            <a:pPr marL="228600" indent="-227160">
+            <a:pPr marL="228600" indent="-226080">
               <a:lnSpc>
                 <a:spcPct val="90000"/>
               </a:lnSpc>
@@ -14342,7 +14104,7 @@
             </a:endParaRPr>
           </a:p>
           <a:p>
-            <a:pPr lvl="1" marL="685800" indent="-227160">
+            <a:pPr lvl="1" marL="685800" indent="-226080">
               <a:lnSpc>
                 <a:spcPct val="90000"/>
               </a:lnSpc>
@@ -14380,7 +14142,7 @@
             </a:endParaRPr>
           </a:p>
           <a:p>
-            <a:pPr lvl="1" marL="685800" indent="-227160">
+            <a:pPr lvl="1" marL="685800" indent="-226080">
               <a:lnSpc>
                 <a:spcPct val="90000"/>
               </a:lnSpc>
@@ -14418,7 +14180,7 @@
             </a:endParaRPr>
           </a:p>
           <a:p>
-            <a:pPr lvl="1" marL="685800" indent="-227160">
+            <a:pPr lvl="1" marL="685800" indent="-226080">
               <a:lnSpc>
                 <a:spcPct val="90000"/>
               </a:lnSpc>
@@ -14496,7 +14258,7 @@
         <p:spPr>
           <a:xfrm>
             <a:off x="838080" y="365040"/>
-            <a:ext cx="10514160" cy="1324080"/>
+            <a:ext cx="10513080" cy="1323000"/>
           </a:xfrm>
           <a:prstGeom prst="rect">
             <a:avLst/>
@@ -14547,7 +14309,7 @@
         <p:spPr>
           <a:xfrm>
             <a:off x="838080" y="1825560"/>
-            <a:ext cx="10514160" cy="4349880"/>
+            <a:ext cx="10513080" cy="4348800"/>
           </a:xfrm>
           <a:prstGeom prst="rect">
             <a:avLst/>
@@ -14568,7 +14330,7 @@
             <a:normAutofit/>
           </a:bodyPr>
           <a:p>
-            <a:pPr marL="228600" indent="-227160">
+            <a:pPr marL="228600" indent="-226080">
               <a:lnSpc>
                 <a:spcPct val="90000"/>
               </a:lnSpc>
@@ -14596,7 +14358,7 @@
             </a:endParaRPr>
           </a:p>
           <a:p>
-            <a:pPr marL="228600" indent="-227160">
+            <a:pPr marL="228600" indent="-226080">
               <a:lnSpc>
                 <a:spcPct val="90000"/>
               </a:lnSpc>
@@ -14624,7 +14386,7 @@
             </a:endParaRPr>
           </a:p>
           <a:p>
-            <a:pPr lvl="1" marL="864000" indent="-322920">
+            <a:pPr lvl="1" marL="864000" indent="-321840">
               <a:lnSpc>
                 <a:spcPct val="100000"/>
               </a:lnSpc>
@@ -14653,7 +14415,7 @@
             </a:endParaRPr>
           </a:p>
           <a:p>
-            <a:pPr lvl="1" marL="685800" indent="-227160">
+            <a:pPr lvl="1" marL="685800" indent="-226080">
               <a:lnSpc>
                 <a:spcPct val="90000"/>
               </a:lnSpc>
@@ -14681,7 +14443,7 @@
             </a:endParaRPr>
           </a:p>
           <a:p>
-            <a:pPr lvl="1" marL="685800" indent="-227160">
+            <a:pPr lvl="1" marL="685800" indent="-226080">
               <a:lnSpc>
                 <a:spcPct val="90000"/>
               </a:lnSpc>
@@ -14709,7 +14471,7 @@
             </a:endParaRPr>
           </a:p>
           <a:p>
-            <a:pPr marL="228600" indent="-227160">
+            <a:pPr marL="228600" indent="-226080">
               <a:lnSpc>
                 <a:spcPct val="90000"/>
               </a:lnSpc>
@@ -14737,7 +14499,7 @@
             </a:endParaRPr>
           </a:p>
           <a:p>
-            <a:pPr lvl="1" marL="685800" indent="-227160">
+            <a:pPr lvl="1" marL="685800" indent="-226080">
               <a:lnSpc>
                 <a:spcPct val="90000"/>
               </a:lnSpc>
@@ -14775,7 +14537,7 @@
             </a:endParaRPr>
           </a:p>
           <a:p>
-            <a:pPr lvl="1" marL="685800" indent="-227160">
+            <a:pPr lvl="1" marL="685800" indent="-226080">
               <a:lnSpc>
                 <a:spcPct val="90000"/>
               </a:lnSpc>
@@ -14813,7 +14575,7 @@
             </a:endParaRPr>
           </a:p>
           <a:p>
-            <a:pPr lvl="1" marL="685800" indent="-227160">
+            <a:pPr lvl="1" marL="685800" indent="-226080">
               <a:lnSpc>
                 <a:spcPct val="90000"/>
               </a:lnSpc>
@@ -14904,7 +14666,7 @@
         <p:spPr>
           <a:xfrm>
             <a:off x="838080" y="365040"/>
-            <a:ext cx="10514160" cy="1324080"/>
+            <a:ext cx="10513080" cy="1323000"/>
           </a:xfrm>
           <a:prstGeom prst="rect">
             <a:avLst/>
@@ -14955,7 +14717,7 @@
         <p:spPr>
           <a:xfrm>
             <a:off x="838080" y="1825560"/>
-            <a:ext cx="10514160" cy="4349880"/>
+            <a:ext cx="10513080" cy="4348800"/>
           </a:xfrm>
           <a:prstGeom prst="rect">
             <a:avLst/>
@@ -14976,7 +14738,7 @@
             <a:normAutofit/>
           </a:bodyPr>
           <a:p>
-            <a:pPr marL="228600" indent="-227160">
+            <a:pPr marL="228600" indent="-226080">
               <a:lnSpc>
                 <a:spcPct val="90000"/>
               </a:lnSpc>
@@ -15004,7 +14766,7 @@
             </a:endParaRPr>
           </a:p>
           <a:p>
-            <a:pPr marL="228600" indent="-227160">
+            <a:pPr marL="228600" indent="-226080">
               <a:lnSpc>
                 <a:spcPct val="90000"/>
               </a:lnSpc>
@@ -15032,7 +14794,7 @@
             </a:endParaRPr>
           </a:p>
           <a:p>
-            <a:pPr marL="228600" indent="-227160">
+            <a:pPr marL="228600" indent="-226080">
               <a:lnSpc>
                 <a:spcPct val="90000"/>
               </a:lnSpc>
@@ -15060,7 +14822,7 @@
             </a:endParaRPr>
           </a:p>
           <a:p>
-            <a:pPr marL="228600" indent="-227160">
+            <a:pPr marL="228600" indent="-226080">
               <a:lnSpc>
                 <a:spcPct val="90000"/>
               </a:lnSpc>
@@ -15135,7 +14897,7 @@
         <p:spPr>
           <a:xfrm>
             <a:off x="0" y="0"/>
-            <a:ext cx="12190680" cy="6856560"/>
+            <a:ext cx="12189600" cy="6855480"/>
           </a:xfrm>
           <a:prstGeom prst="rect">
             <a:avLst/>
@@ -15171,7 +14933,7 @@
         <p:spPr>
           <a:xfrm>
             <a:off x="0" y="0"/>
-            <a:ext cx="12190680" cy="6856560"/>
+            <a:ext cx="12189600" cy="6855480"/>
           </a:xfrm>
           <a:prstGeom prst="rect">
             <a:avLst/>
@@ -15215,7 +14977,7 @@
         <p:spPr>
           <a:xfrm>
             <a:off x="1256400" y="3655440"/>
-            <a:ext cx="9677880" cy="1461600"/>
+            <a:ext cx="9676800" cy="1460520"/>
           </a:xfrm>
           <a:prstGeom prst="rect">
             <a:avLst/>
@@ -15270,7 +15032,7 @@
         <p:spPr>
           <a:xfrm>
             <a:off x="540000" y="1430640"/>
-            <a:ext cx="11110680" cy="1387440"/>
+            <a:ext cx="11109600" cy="1386360"/>
           </a:xfrm>
           <a:prstGeom prst="rect">
             <a:avLst/>
@@ -15319,7 +15081,7 @@
         <p:spPr>
           <a:xfrm>
             <a:off x="838080" y="365040"/>
-            <a:ext cx="10514160" cy="6126120"/>
+            <a:ext cx="10513080" cy="6125040"/>
           </a:xfrm>
           <a:prstGeom prst="rect">
             <a:avLst/>
@@ -15403,7 +15165,7 @@
         <p:spPr>
           <a:xfrm>
             <a:off x="838080" y="365040"/>
-            <a:ext cx="10514160" cy="1324080"/>
+            <a:ext cx="10513080" cy="1323000"/>
           </a:xfrm>
           <a:prstGeom prst="rect">
             <a:avLst/>
@@ -15454,7 +15216,7 @@
         <p:spPr>
           <a:xfrm>
             <a:off x="838080" y="1825560"/>
-            <a:ext cx="10514160" cy="4349880"/>
+            <a:ext cx="10513080" cy="4348800"/>
           </a:xfrm>
           <a:prstGeom prst="rect">
             <a:avLst/>
@@ -15475,7 +15237,7 @@
             <a:normAutofit fontScale="88000"/>
           </a:bodyPr>
           <a:p>
-            <a:pPr marL="228600" indent="-227160">
+            <a:pPr marL="228600" indent="-226080">
               <a:lnSpc>
                 <a:spcPct val="90000"/>
               </a:lnSpc>
@@ -15503,7 +15265,7 @@
             </a:endParaRPr>
           </a:p>
           <a:p>
-            <a:pPr marL="228600" indent="-227160">
+            <a:pPr marL="228600" indent="-226080">
               <a:lnSpc>
                 <a:spcPct val="90000"/>
               </a:lnSpc>
@@ -15531,7 +15293,7 @@
             </a:endParaRPr>
           </a:p>
           <a:p>
-            <a:pPr lvl="1" marL="864000" indent="-322920">
+            <a:pPr lvl="1" marL="864000" indent="-321840">
               <a:lnSpc>
                 <a:spcPct val="100000"/>
               </a:lnSpc>
@@ -15560,7 +15322,7 @@
             </a:endParaRPr>
           </a:p>
           <a:p>
-            <a:pPr lvl="1" marL="685800" indent="-227160">
+            <a:pPr lvl="1" marL="685800" indent="-226080">
               <a:lnSpc>
                 <a:spcPct val="90000"/>
               </a:lnSpc>
@@ -15588,7 +15350,7 @@
             </a:endParaRPr>
           </a:p>
           <a:p>
-            <a:pPr lvl="1" marL="685800" indent="-227160">
+            <a:pPr lvl="1" marL="685800" indent="-226080">
               <a:lnSpc>
                 <a:spcPct val="90000"/>
               </a:lnSpc>
@@ -15616,7 +15378,7 @@
             </a:endParaRPr>
           </a:p>
           <a:p>
-            <a:pPr lvl="1" marL="685800" indent="-227160">
+            <a:pPr lvl="1" marL="685800" indent="-226080">
               <a:lnSpc>
                 <a:spcPct val="90000"/>
               </a:lnSpc>
@@ -15637,14 +15399,14 @@
                 <a:latin typeface="Calibri"/>
                 <a:ea typeface="DejaVu Sans"/>
               </a:rPr>
-              <a:t>2 for high (BP &gt;= 80)</a:t>
+              <a:t>2 for high (BP &gt;= 85)</a:t>
             </a:r>
             <a:endParaRPr b="0" lang="en-US" sz="2400" spc="-1" strike="noStrike">
               <a:latin typeface="Arial"/>
             </a:endParaRPr>
           </a:p>
           <a:p>
-            <a:pPr marL="228600" indent="-227160">
+            <a:pPr marL="228600" indent="-226080">
               <a:lnSpc>
                 <a:spcPct val="90000"/>
               </a:lnSpc>
@@ -15672,7 +15434,7 @@
             </a:endParaRPr>
           </a:p>
           <a:p>
-            <a:pPr lvl="1" marL="685800" indent="-227160">
+            <a:pPr lvl="1" marL="685800" indent="-226080">
               <a:lnSpc>
                 <a:spcPct val="90000"/>
               </a:lnSpc>
@@ -15710,7 +15472,7 @@
             </a:endParaRPr>
           </a:p>
           <a:p>
-            <a:pPr lvl="1" marL="685800" indent="-227160">
+            <a:pPr lvl="1" marL="685800" indent="-226080">
               <a:lnSpc>
                 <a:spcPct val="90000"/>
               </a:lnSpc>
@@ -15748,7 +15510,7 @@
             </a:endParaRPr>
           </a:p>
           <a:p>
-            <a:pPr lvl="1" marL="685800" indent="-227160">
+            <a:pPr lvl="1" marL="685800" indent="-226080">
               <a:lnSpc>
                 <a:spcPct val="90000"/>
               </a:lnSpc>
@@ -15786,7 +15548,7 @@
             </a:endParaRPr>
           </a:p>
           <a:p>
-            <a:pPr lvl="1" marL="685800" indent="-227160">
+            <a:pPr lvl="1" marL="685800" indent="-226080">
               <a:lnSpc>
                 <a:spcPct val="90000"/>
               </a:lnSpc>
@@ -15871,7 +15633,7 @@
         <p:spPr>
           <a:xfrm>
             <a:off x="838080" y="365040"/>
-            <a:ext cx="10514160" cy="1324080"/>
+            <a:ext cx="10513080" cy="1323000"/>
           </a:xfrm>
           <a:prstGeom prst="rect">
             <a:avLst/>
@@ -15920,14 +15682,14 @@
           <p:nvPr>
             <p:extLst>
               <p:ext uri="{D42A27DB-BD31-4B8C-83A1-F6EECF244321}">
-                <p14:modId xmlns:p14="http://schemas.microsoft.com/office/powerpoint/2010/main" val="837443075"/>
+                <p14:modId xmlns:p14="http://schemas.microsoft.com/office/powerpoint/2010/main" val="340788096"/>
               </p:ext>
             </p:extLst>
           </p:nvPr>
         </p:nvGraphicFramePr>
         <p:xfrm>
           <a:off x="838080" y="1825560"/>
-          <a:ext cx="10514160" cy="4349880"/>
+          <a:ext cx="10513080" cy="4348800"/>
         </p:xfrm>
         <a:graphic>
           <a:graphicData uri="http://schemas.openxmlformats.org/drawingml/2006/diagram">
@@ -15974,7 +15736,7 @@
         <p:spPr>
           <a:xfrm>
             <a:off x="838080" y="365040"/>
-            <a:ext cx="10514160" cy="1324080"/>
+            <a:ext cx="10513080" cy="1323000"/>
           </a:xfrm>
           <a:prstGeom prst="rect">
             <a:avLst/>
@@ -16025,7 +15787,7 @@
         <p:spPr>
           <a:xfrm>
             <a:off x="838080" y="1825560"/>
-            <a:ext cx="10514160" cy="4349880"/>
+            <a:ext cx="10513080" cy="4348800"/>
           </a:xfrm>
           <a:prstGeom prst="rect">
             <a:avLst/>
@@ -16046,7 +15808,7 @@
             <a:normAutofit fontScale="82000"/>
           </a:bodyPr>
           <a:p>
-            <a:pPr marL="228600" indent="-227160">
+            <a:pPr marL="228600" indent="-226080">
               <a:lnSpc>
                 <a:spcPct val="90000"/>
               </a:lnSpc>
@@ -16074,7 +15836,7 @@
             </a:endParaRPr>
           </a:p>
           <a:p>
-            <a:pPr marL="228600" indent="-227160">
+            <a:pPr marL="228600" indent="-226080">
               <a:lnSpc>
                 <a:spcPct val="90000"/>
               </a:lnSpc>
@@ -16102,7 +15864,7 @@
             </a:endParaRPr>
           </a:p>
           <a:p>
-            <a:pPr lvl="1" marL="864000" indent="-322920">
+            <a:pPr lvl="1" marL="864000" indent="-321840">
               <a:lnSpc>
                 <a:spcPct val="100000"/>
               </a:lnSpc>
@@ -16131,7 +15893,7 @@
             </a:endParaRPr>
           </a:p>
           <a:p>
-            <a:pPr lvl="1" marL="685800" indent="-227160">
+            <a:pPr lvl="1" marL="685800" indent="-226080">
               <a:lnSpc>
                 <a:spcPct val="90000"/>
               </a:lnSpc>
@@ -16159,7 +15921,7 @@
             </a:endParaRPr>
           </a:p>
           <a:p>
-            <a:pPr lvl="1" marL="685800" indent="-227160">
+            <a:pPr lvl="1" marL="685800" indent="-226080">
               <a:lnSpc>
                 <a:spcPct val="90000"/>
               </a:lnSpc>
@@ -16187,7 +15949,7 @@
             </a:endParaRPr>
           </a:p>
           <a:p>
-            <a:pPr lvl="1" marL="685800" indent="-227160">
+            <a:pPr lvl="1" marL="685800" indent="-226080">
               <a:lnSpc>
                 <a:spcPct val="90000"/>
               </a:lnSpc>
@@ -16215,7 +15977,7 @@
             </a:endParaRPr>
           </a:p>
           <a:p>
-            <a:pPr marL="228600" indent="-227160">
+            <a:pPr marL="228600" indent="-226080">
               <a:lnSpc>
                 <a:spcPct val="90000"/>
               </a:lnSpc>
@@ -16243,7 +16005,7 @@
             </a:endParaRPr>
           </a:p>
           <a:p>
-            <a:pPr lvl="1" marL="685800" indent="-227160">
+            <a:pPr lvl="1" marL="685800" indent="-226080">
               <a:lnSpc>
                 <a:spcPct val="90000"/>
               </a:lnSpc>
@@ -16281,7 +16043,7 @@
             </a:endParaRPr>
           </a:p>
           <a:p>
-            <a:pPr lvl="1" marL="685800" indent="-227160">
+            <a:pPr lvl="1" marL="685800" indent="-226080">
               <a:lnSpc>
                 <a:spcPct val="90000"/>
               </a:lnSpc>
@@ -16319,7 +16081,7 @@
             </a:endParaRPr>
           </a:p>
           <a:p>
-            <a:pPr lvl="1" marL="685800" indent="-227160">
+            <a:pPr lvl="1" marL="685800" indent="-226080">
               <a:lnSpc>
                 <a:spcPct val="90000"/>
               </a:lnSpc>
@@ -16367,7 +16129,7 @@
             </a:endParaRPr>
           </a:p>
           <a:p>
-            <a:pPr lvl="1" marL="685800" indent="-227160">
+            <a:pPr lvl="1" marL="685800" indent="-226080">
               <a:lnSpc>
                 <a:spcPct val="90000"/>
               </a:lnSpc>
@@ -16465,7 +16227,7 @@
         <p:spPr>
           <a:xfrm>
             <a:off x="0" y="0"/>
-            <a:ext cx="12190680" cy="6856560"/>
+            <a:ext cx="12189600" cy="6855480"/>
           </a:xfrm>
           <a:prstGeom prst="rect">
             <a:avLst/>
@@ -16501,7 +16263,7 @@
         <p:spPr>
           <a:xfrm>
             <a:off x="0" y="0"/>
-            <a:ext cx="12190680" cy="6856560"/>
+            <a:ext cx="12189600" cy="6855480"/>
           </a:xfrm>
           <a:prstGeom prst="rect">
             <a:avLst/>
@@ -16545,7 +16307,7 @@
         <p:spPr>
           <a:xfrm>
             <a:off x="1256400" y="3655440"/>
-            <a:ext cx="9677880" cy="1461600"/>
+            <a:ext cx="9676800" cy="1460520"/>
           </a:xfrm>
           <a:prstGeom prst="rect">
             <a:avLst/>
@@ -16600,7 +16362,7 @@
         <p:spPr>
           <a:xfrm>
             <a:off x="182880" y="1310040"/>
-            <a:ext cx="11794680" cy="1614960"/>
+            <a:ext cx="11793600" cy="1613880"/>
           </a:xfrm>
           <a:prstGeom prst="rect">
             <a:avLst/>
@@ -16619,7 +16381,7 @@
         <p:spPr>
           <a:xfrm>
             <a:off x="274320" y="822960"/>
-            <a:ext cx="10514160" cy="459360"/>
+            <a:ext cx="10513080" cy="458280"/>
           </a:xfrm>
           <a:prstGeom prst="rect">
             <a:avLst/>
@@ -16640,7 +16402,7 @@
             <a:normAutofit fontScale="97000"/>
           </a:bodyPr>
           <a:p>
-            <a:pPr marL="228600" indent="-227160">
+            <a:pPr marL="228600" indent="-226080">
               <a:lnSpc>
                 <a:spcPct val="90000"/>
               </a:lnSpc>
@@ -16708,7 +16470,7 @@
         <p:spPr>
           <a:xfrm>
             <a:off x="838080" y="365040"/>
-            <a:ext cx="10514160" cy="6126120"/>
+            <a:ext cx="10513080" cy="6125040"/>
           </a:xfrm>
           <a:prstGeom prst="rect">
             <a:avLst/>
@@ -16803,7 +16565,7 @@
         <p:spPr>
           <a:xfrm>
             <a:off x="838080" y="365040"/>
-            <a:ext cx="10514160" cy="1324080"/>
+            <a:ext cx="10513080" cy="1323000"/>
           </a:xfrm>
           <a:prstGeom prst="rect">
             <a:avLst/>
@@ -16854,7 +16616,7 @@
         <p:spPr>
           <a:xfrm>
             <a:off x="838080" y="1825560"/>
-            <a:ext cx="10514160" cy="4349880"/>
+            <a:ext cx="10513080" cy="4348800"/>
           </a:xfrm>
           <a:prstGeom prst="rect">
             <a:avLst/>
@@ -16875,7 +16637,7 @@
             <a:normAutofit/>
           </a:bodyPr>
           <a:p>
-            <a:pPr marL="228600" indent="-227160">
+            <a:pPr marL="228600" indent="-226080">
               <a:lnSpc>
                 <a:spcPct val="90000"/>
               </a:lnSpc>
@@ -16903,7 +16665,7 @@
             </a:endParaRPr>
           </a:p>
           <a:p>
-            <a:pPr lvl="1" marL="864000" indent="-322920">
+            <a:pPr lvl="1" marL="864000" indent="-321840">
               <a:lnSpc>
                 <a:spcPct val="100000"/>
               </a:lnSpc>
@@ -16932,7 +16694,7 @@
             </a:endParaRPr>
           </a:p>
           <a:p>
-            <a:pPr marL="228600" indent="-227160">
+            <a:pPr marL="228600" indent="-226080">
               <a:lnSpc>
                 <a:spcPct val="90000"/>
               </a:lnSpc>
@@ -16960,7 +16722,7 @@
             </a:endParaRPr>
           </a:p>
           <a:p>
-            <a:pPr lvl="1" marL="864000" indent="-322920">
+            <a:pPr lvl="1" marL="864000" indent="-321840">
               <a:lnSpc>
                 <a:spcPct val="100000"/>
               </a:lnSpc>
@@ -16989,7 +16751,7 @@
             </a:endParaRPr>
           </a:p>
           <a:p>
-            <a:pPr marL="228600" indent="-227160">
+            <a:pPr marL="228600" indent="-226080">
               <a:lnSpc>
                 <a:spcPct val="100000"/>
               </a:lnSpc>
@@ -17017,7 +16779,7 @@
             </a:endParaRPr>
           </a:p>
           <a:p>
-            <a:pPr lvl="1" marL="864000" indent="-322920">
+            <a:pPr lvl="1" marL="864000" indent="-321840">
               <a:lnSpc>
                 <a:spcPct val="100000"/>
               </a:lnSpc>
@@ -17086,7 +16848,7 @@
         <p:spPr>
           <a:xfrm>
             <a:off x="838080" y="365040"/>
-            <a:ext cx="10514160" cy="1324080"/>
+            <a:ext cx="10513080" cy="1323000"/>
           </a:xfrm>
           <a:prstGeom prst="rect">
             <a:avLst/>
@@ -17137,7 +16899,7 @@
         <p:spPr>
           <a:xfrm>
             <a:off x="838080" y="1825560"/>
-            <a:ext cx="10514160" cy="4349880"/>
+            <a:ext cx="10513080" cy="4348800"/>
           </a:xfrm>
           <a:prstGeom prst="rect">
             <a:avLst/>
@@ -17158,7 +16920,7 @@
             <a:normAutofit/>
           </a:bodyPr>
           <a:p>
-            <a:pPr marL="228600" indent="-227160">
+            <a:pPr marL="228600" indent="-226080">
               <a:lnSpc>
                 <a:spcPct val="90000"/>
               </a:lnSpc>
@@ -17186,7 +16948,7 @@
             </a:endParaRPr>
           </a:p>
           <a:p>
-            <a:pPr lvl="1" marL="864000" indent="-322920">
+            <a:pPr lvl="1" marL="864000" indent="-321840">
               <a:lnSpc>
                 <a:spcPct val="100000"/>
               </a:lnSpc>
@@ -17215,7 +16977,7 @@
             </a:endParaRPr>
           </a:p>
           <a:p>
-            <a:pPr marL="228600" indent="-227160">
+            <a:pPr marL="228600" indent="-226080">
               <a:lnSpc>
                 <a:spcPct val="90000"/>
               </a:lnSpc>
@@ -17243,7 +17005,7 @@
             </a:endParaRPr>
           </a:p>
           <a:p>
-            <a:pPr lvl="1" marL="864000" indent="-322920">
+            <a:pPr lvl="1" marL="864000" indent="-321840">
               <a:lnSpc>
                 <a:spcPct val="100000"/>
               </a:lnSpc>
@@ -17272,7 +17034,7 @@
             </a:endParaRPr>
           </a:p>
           <a:p>
-            <a:pPr marL="228600" indent="-227160">
+            <a:pPr marL="228600" indent="-226080">
               <a:lnSpc>
                 <a:spcPct val="100000"/>
               </a:lnSpc>
@@ -17300,7 +17062,7 @@
             </a:endParaRPr>
           </a:p>
           <a:p>
-            <a:pPr lvl="1" marL="864000" indent="-322920">
+            <a:pPr lvl="1" marL="864000" indent="-321840">
               <a:lnSpc>
                 <a:spcPct val="100000"/>
               </a:lnSpc>
@@ -17376,7 +17138,7 @@
         <p:spPr>
           <a:xfrm>
             <a:off x="0" y="0"/>
-            <a:ext cx="12190680" cy="6856560"/>
+            <a:ext cx="12189600" cy="6855480"/>
           </a:xfrm>
           <a:prstGeom prst="rect">
             <a:avLst/>
@@ -17412,7 +17174,7 @@
         <p:spPr>
           <a:xfrm>
             <a:off x="0" y="0"/>
-            <a:ext cx="12190680" cy="6856560"/>
+            <a:ext cx="12189600" cy="6855480"/>
           </a:xfrm>
           <a:prstGeom prst="rect">
             <a:avLst/>
@@ -17456,7 +17218,7 @@
         <p:spPr>
           <a:xfrm>
             <a:off x="1256400" y="3655440"/>
-            <a:ext cx="9677880" cy="1461600"/>
+            <a:ext cx="9676800" cy="1460520"/>
           </a:xfrm>
           <a:prstGeom prst="rect">
             <a:avLst/>
@@ -17511,7 +17273,7 @@
         <p:spPr>
           <a:xfrm>
             <a:off x="410400" y="1074600"/>
-            <a:ext cx="11109960" cy="1850400"/>
+            <a:ext cx="11108880" cy="1849320"/>
           </a:xfrm>
           <a:prstGeom prst="rect">
             <a:avLst/>
@@ -17560,7 +17322,102 @@
         <p:spPr>
           <a:xfrm>
             <a:off x="838080" y="365040"/>
-            <a:ext cx="10514160" cy="1324080"/>
+            <a:ext cx="10513080" cy="6125040"/>
+          </a:xfrm>
+          <a:prstGeom prst="rect">
+            <a:avLst/>
+          </a:prstGeom>
+          <a:noFill/>
+          <a:ln>
+            <a:noFill/>
+          </a:ln>
+        </p:spPr>
+        <p:style>
+          <a:lnRef idx="0"/>
+          <a:fillRef idx="0"/>
+          <a:effectRef idx="0"/>
+          <a:fontRef idx="minor"/>
+        </p:style>
+        <p:txBody>
+          <a:bodyPr lIns="0" rIns="0" tIns="0" bIns="0" anchor="ctr">
+            <a:noAutofit/>
+          </a:bodyPr>
+          <a:p>
+            <a:pPr algn="ctr">
+              <a:lnSpc>
+                <a:spcPct val="100000"/>
+              </a:lnSpc>
+              <a:tabLst>
+                <a:tab algn="l" pos="408240"/>
+              </a:tabLst>
+            </a:pPr>
+            <a:r>
+              <a:rPr b="1" lang="en-US" sz="4400" spc="-1" strike="noStrike">
+                <a:solidFill>
+                  <a:srgbClr val="ffffff"/>
+                </a:solidFill>
+                <a:latin typeface="Calibri"/>
+                <a:ea typeface="DejaVu Sans"/>
+              </a:rPr>
+              <a:t>Data Augmentation</a:t>
+            </a:r>
+            <a:br/>
+            <a:r>
+              <a:rPr b="0" lang="en-US" sz="4400" spc="-1" strike="noStrike">
+                <a:solidFill>
+                  <a:srgbClr val="ffffff"/>
+                </a:solidFill>
+                <a:latin typeface="Calibri"/>
+                <a:ea typeface="DejaVu Sans"/>
+              </a:rPr>
+              <a:t>Multi Targets</a:t>
+            </a:r>
+            <a:endParaRPr b="0" lang="en-US" sz="4400" spc="-1" strike="noStrike">
+              <a:latin typeface="Arial"/>
+            </a:endParaRPr>
+          </a:p>
+        </p:txBody>
+      </p:sp>
+    </p:spTree>
+  </p:cSld>
+  <mc:AlternateContent>
+    <mc:Choice Requires="p14">
+      <p:transition spd="slow" p14:dur="2000"/>
+    </mc:Choice>
+    <mc:Fallback>
+      <p:transition spd="slow"/>
+    </mc:Fallback>
+  </mc:AlternateContent>
+</p:sld>
+</file>
+
+<file path=ppt/slides/slide27.xml><?xml version="1.0" encoding="utf-8"?>
+<p:sld xmlns:a="http://schemas.openxmlformats.org/drawingml/2006/main" xmlns:p="http://schemas.openxmlformats.org/presentationml/2006/main" xmlns:r="http://schemas.openxmlformats.org/officeDocument/2006/relationships" xmlns:p14="http://schemas.microsoft.com/office/powerpoint/2010/main" xmlns:p15="http://schemas.microsoft.com/office/powerpoint/2012/main" xmlns:mc="http://schemas.openxmlformats.org/markup-compatibility/2006">
+  <p:cSld>
+    <p:spTree>
+      <p:nvGrpSpPr>
+        <p:cNvPr id="1" name=""/>
+        <p:cNvGrpSpPr/>
+        <p:nvPr/>
+      </p:nvGrpSpPr>
+      <p:grpSpPr>
+        <a:xfrm>
+          <a:off x="0" y="0"/>
+          <a:ext cx="0" cy="0"/>
+          <a:chOff x="0" y="0"/>
+          <a:chExt cx="0" cy="0"/>
+        </a:xfrm>
+      </p:grpSpPr>
+      <p:sp>
+        <p:nvSpPr>
+          <p:cNvPr id="144" name="CustomShape 1"/>
+          <p:cNvSpPr/>
+          <p:nvPr/>
+        </p:nvSpPr>
+        <p:spPr>
+          <a:xfrm>
+            <a:off x="838080" y="365040"/>
+            <a:ext cx="10513080" cy="1323000"/>
           </a:xfrm>
           <a:prstGeom prst="rect">
             <a:avLst/>
@@ -17594,7 +17451,7 @@
                 <a:latin typeface="Calibri Light"/>
                 <a:ea typeface="DejaVu Sans"/>
               </a:rPr>
-              <a:t>Glucose prediction (Binary)</a:t>
+              <a:t>BloodPressure prediction</a:t>
             </a:r>
             <a:endParaRPr b="0" lang="en-US" sz="4400" spc="-1" strike="noStrike">
               <a:latin typeface="Arial"/>
@@ -17604,14 +17461,14 @@
       </p:sp>
       <p:sp>
         <p:nvSpPr>
-          <p:cNvPr id="144" name="CustomShape 2"/>
+          <p:cNvPr id="145" name="CustomShape 2"/>
           <p:cNvSpPr/>
           <p:nvPr/>
         </p:nvSpPr>
         <p:spPr>
           <a:xfrm>
             <a:off x="838080" y="1825560"/>
-            <a:ext cx="10514160" cy="4349880"/>
+            <a:ext cx="10513080" cy="4348800"/>
           </a:xfrm>
           <a:prstGeom prst="rect">
             <a:avLst/>
@@ -17629,10 +17486,10 @@
         </p:style>
         <p:txBody>
           <a:bodyPr lIns="90000" rIns="90000" tIns="45000" bIns="45000">
-            <a:normAutofit/>
+            <a:normAutofit fontScale="73000"/>
           </a:bodyPr>
           <a:p>
-            <a:pPr marL="228600" indent="-227160">
+            <a:pPr marL="228600" indent="-225720">
               <a:lnSpc>
                 <a:spcPct val="90000"/>
               </a:lnSpc>
@@ -17651,21 +17508,50 @@
                   <a:srgbClr val="ffffff"/>
                 </a:solidFill>
                 <a:latin typeface="Calibri"/>
-                <a:ea typeface="DejaVu Sans"/>
+                <a:ea typeface="Calibri"/>
               </a:rPr>
-              <a:t>Swap Glucose with the target label</a:t>
+              <a:t>Technique</a:t>
             </a:r>
             <a:endParaRPr b="0" lang="en-US" sz="2800" spc="-1" strike="noStrike">
               <a:latin typeface="Arial"/>
             </a:endParaRPr>
           </a:p>
           <a:p>
-            <a:pPr marL="228600" indent="-227160">
+            <a:pPr lvl="1" marL="863640" indent="-321840">
               <a:lnSpc>
-                <a:spcPct val="90000"/>
+                <a:spcPct val="100000"/>
               </a:lnSpc>
               <a:spcBef>
-                <a:spcPts val="1001"/>
+                <a:spcPts val="1134"/>
+              </a:spcBef>
+              <a:buClr>
+                <a:srgbClr val="ffffff"/>
+              </a:buClr>
+              <a:buSzPct val="75000"/>
+              <a:buFont typeface="Symbol"/>
+              <a:buChar char=""/>
+            </a:pPr>
+            <a:r>
+              <a:rPr b="0" lang="en-US" sz="2800" spc="-1" strike="noStrike">
+                <a:solidFill>
+                  <a:srgbClr val="ffffff"/>
+                </a:solidFill>
+                <a:latin typeface="Calibri"/>
+                <a:ea typeface="Calibri"/>
+              </a:rPr>
+              <a:t>SMOTE</a:t>
+            </a:r>
+            <a:endParaRPr b="0" lang="en-US" sz="2800" spc="-1" strike="noStrike">
+              <a:latin typeface="Arial"/>
+            </a:endParaRPr>
+          </a:p>
+          <a:p>
+            <a:pPr marL="228600" indent="-225720">
+              <a:lnSpc>
+                <a:spcPct val="100000"/>
+              </a:lnSpc>
+              <a:spcBef>
+                <a:spcPts val="1414"/>
               </a:spcBef>
               <a:buClr>
                 <a:srgbClr val="ffffff"/>
@@ -17679,16 +17565,186 @@
                   <a:srgbClr val="ffffff"/>
                 </a:solidFill>
                 <a:latin typeface="Calibri"/>
-                <a:ea typeface="DejaVu Sans"/>
+                <a:ea typeface="Calibri"/>
               </a:rPr>
-              <a:t>Categorize the Glucose</a:t>
+              <a:t>Value counts (before)</a:t>
             </a:r>
             <a:endParaRPr b="0" lang="en-US" sz="2800" spc="-1" strike="noStrike">
               <a:latin typeface="Arial"/>
             </a:endParaRPr>
           </a:p>
           <a:p>
-            <a:pPr lvl="1" marL="864000" indent="-322920">
+            <a:pPr lvl="1" marL="685800" indent="-225720">
+              <a:lnSpc>
+                <a:spcPct val="100000"/>
+              </a:lnSpc>
+              <a:spcBef>
+                <a:spcPts val="1414"/>
+              </a:spcBef>
+              <a:buClr>
+                <a:srgbClr val="ffffff"/>
+              </a:buClr>
+              <a:buFont typeface="Arial"/>
+              <a:buChar char="•"/>
+            </a:pPr>
+            <a:r>
+              <a:rPr b="0" lang="en-US" sz="2800" spc="-1" strike="noStrike">
+                <a:solidFill>
+                  <a:srgbClr val="ffffff"/>
+                </a:solidFill>
+                <a:latin typeface="Arial"/>
+                <a:ea typeface="Arial"/>
+              </a:rPr>
+              <a:t>0 (107) </a:t>
+            </a:r>
+            <a:endParaRPr b="0" lang="en-US" sz="2800" spc="-1" strike="noStrike">
+              <a:latin typeface="Arial"/>
+            </a:endParaRPr>
+          </a:p>
+          <a:p>
+            <a:pPr lvl="1" marL="685800" indent="-225720">
+              <a:lnSpc>
+                <a:spcPct val="90000"/>
+              </a:lnSpc>
+              <a:spcBef>
+                <a:spcPts val="499"/>
+              </a:spcBef>
+              <a:buClr>
+                <a:srgbClr val="ffffff"/>
+              </a:buClr>
+              <a:buFont typeface="Arial,Sans-Serif"/>
+              <a:buChar char="•"/>
+            </a:pPr>
+            <a:r>
+              <a:rPr b="0" lang="en-US" sz="2800" spc="-1" strike="noStrike">
+                <a:solidFill>
+                  <a:srgbClr val="ffffff"/>
+                </a:solidFill>
+                <a:latin typeface="Arial"/>
+                <a:ea typeface="Arial"/>
+              </a:rPr>
+              <a:t>1 (362)</a:t>
+            </a:r>
+            <a:endParaRPr b="0" lang="en-US" sz="2800" spc="-1" strike="noStrike">
+              <a:latin typeface="Arial"/>
+            </a:endParaRPr>
+          </a:p>
+          <a:p>
+            <a:pPr lvl="1" marL="685800" indent="-225720">
+              <a:lnSpc>
+                <a:spcPct val="90000"/>
+              </a:lnSpc>
+              <a:spcBef>
+                <a:spcPts val="499"/>
+              </a:spcBef>
+              <a:buClr>
+                <a:srgbClr val="ffffff"/>
+              </a:buClr>
+              <a:buFont typeface="Arial,Sans-Serif"/>
+              <a:buChar char="•"/>
+            </a:pPr>
+            <a:r>
+              <a:rPr b="0" lang="en-US" sz="2800" spc="-1" strike="noStrike">
+                <a:solidFill>
+                  <a:srgbClr val="ffffff"/>
+                </a:solidFill>
+                <a:latin typeface="Arial"/>
+                <a:ea typeface="Arial"/>
+              </a:rPr>
+              <a:t>2 (167)</a:t>
+            </a:r>
+            <a:endParaRPr b="0" lang="en-US" sz="2800" spc="-1" strike="noStrike">
+              <a:latin typeface="Arial"/>
+            </a:endParaRPr>
+          </a:p>
+          <a:p>
+            <a:pPr marL="228600" indent="-225720">
+              <a:lnSpc>
+                <a:spcPct val="100000"/>
+              </a:lnSpc>
+              <a:spcBef>
+                <a:spcPts val="1414"/>
+              </a:spcBef>
+              <a:buClr>
+                <a:srgbClr val="ffffff"/>
+              </a:buClr>
+              <a:buFont typeface="Arial"/>
+              <a:buChar char="•"/>
+            </a:pPr>
+            <a:r>
+              <a:rPr b="0" lang="en-US" sz="2800" spc="-1" strike="noStrike">
+                <a:solidFill>
+                  <a:srgbClr val="ffffff"/>
+                </a:solidFill>
+                <a:latin typeface="Calibri"/>
+                <a:ea typeface="Calibri"/>
+              </a:rPr>
+              <a:t>Value counts (after)</a:t>
+            </a:r>
+            <a:endParaRPr b="0" lang="en-US" sz="2800" spc="-1" strike="noStrike">
+              <a:latin typeface="Arial"/>
+            </a:endParaRPr>
+          </a:p>
+          <a:p>
+            <a:pPr lvl="1" marL="863640" indent="-321840">
+              <a:lnSpc>
+                <a:spcPct val="100000"/>
+              </a:lnSpc>
+              <a:spcBef>
+                <a:spcPts val="1134"/>
+              </a:spcBef>
+              <a:buClr>
+                <a:srgbClr val="ffffff"/>
+              </a:buClr>
+              <a:buSzPct val="75000"/>
+              <a:buFont typeface="Symbol"/>
+              <a:buChar char=""/>
+            </a:pPr>
+            <a:r>
+              <a:rPr b="0" lang="en-US" sz="2800" spc="-1" strike="noStrike">
+                <a:solidFill>
+                  <a:srgbClr val="ffffff"/>
+                </a:solidFill>
+                <a:latin typeface="Calibri"/>
+                <a:ea typeface="Calibri"/>
+              </a:rPr>
+              <a:t>0 (362)</a:t>
+            </a:r>
+            <a:endParaRPr b="0" lang="en-US" sz="2800" spc="-1" strike="noStrike">
+              <a:latin typeface="Arial"/>
+            </a:endParaRPr>
+          </a:p>
+          <a:p>
+            <a:pPr lvl="1" marL="863640" indent="-321840">
+              <a:lnSpc>
+                <a:spcPct val="100000"/>
+              </a:lnSpc>
+              <a:spcBef>
+                <a:spcPts val="1134"/>
+              </a:spcBef>
+              <a:buClr>
+                <a:srgbClr val="ffffff"/>
+              </a:buClr>
+              <a:buSzPct val="75000"/>
+              <a:buFont typeface="Symbol"/>
+              <a:buChar char=""/>
+            </a:pPr>
+            <a:r>
+              <a:rPr b="0" lang="en-US" sz="2800" spc="-1" strike="noStrike">
+                <a:solidFill>
+                  <a:srgbClr val="ffffff"/>
+                </a:solidFill>
+                <a:latin typeface="Calibri"/>
+                <a:ea typeface="Calibri"/>
+              </a:rPr>
+              <a:t>1 (362)</a:t>
+            </a:r>
+            <a:endParaRPr b="0" lang="en-US" sz="2800" spc="-1" strike="noStrike">
+              <a:latin typeface="Arial"/>
+            </a:endParaRPr>
+          </a:p>
+          <a:p>
+            <a:pPr lvl="1" marL="863640" indent="-321840">
               <a:lnSpc>
                 <a:spcPct val="100000"/>
               </a:lnSpc>
@@ -17710,70 +17766,126 @@
                 <a:latin typeface="Calibri"/>
                 <a:ea typeface="DejaVu Sans"/>
               </a:rPr>
-              <a:t>oral glucose tolerance test</a:t>
+              <a:t>2 (362)</a:t>
             </a:r>
             <a:endParaRPr b="0" lang="en-US" sz="2800" spc="-1" strike="noStrike">
               <a:latin typeface="Arial"/>
             </a:endParaRPr>
           </a:p>
-          <a:p>
-            <a:pPr lvl="1" marL="685800" indent="-227160">
+        </p:txBody>
+      </p:sp>
+    </p:spTree>
+  </p:cSld>
+  <mc:AlternateContent>
+    <mc:Choice Requires="p14">
+      <p:transition spd="slow" p14:dur="2000"/>
+    </mc:Choice>
+    <mc:Fallback>
+      <p:transition spd="slow"/>
+    </mc:Fallback>
+  </mc:AlternateContent>
+</p:sld>
+</file>
+
+<file path=ppt/slides/slide28.xml><?xml version="1.0" encoding="utf-8"?>
+<p:sld xmlns:a="http://schemas.openxmlformats.org/drawingml/2006/main" xmlns:p="http://schemas.openxmlformats.org/presentationml/2006/main" xmlns:r="http://schemas.openxmlformats.org/officeDocument/2006/relationships" xmlns:p14="http://schemas.microsoft.com/office/powerpoint/2010/main" xmlns:p15="http://schemas.microsoft.com/office/powerpoint/2012/main" xmlns:mc="http://schemas.openxmlformats.org/markup-compatibility/2006">
+  <p:cSld>
+    <p:spTree>
+      <p:nvGrpSpPr>
+        <p:cNvPr id="1" name=""/>
+        <p:cNvGrpSpPr/>
+        <p:nvPr/>
+      </p:nvGrpSpPr>
+      <p:grpSpPr>
+        <a:xfrm>
+          <a:off x="0" y="0"/>
+          <a:ext cx="0" cy="0"/>
+          <a:chOff x="0" y="0"/>
+          <a:chExt cx="0" cy="0"/>
+        </a:xfrm>
+      </p:grpSpPr>
+      <p:sp>
+        <p:nvSpPr>
+          <p:cNvPr id="146" name="CustomShape 1"/>
+          <p:cNvSpPr/>
+          <p:nvPr/>
+        </p:nvSpPr>
+        <p:spPr>
+          <a:xfrm>
+            <a:off x="838080" y="365040"/>
+            <a:ext cx="10513080" cy="1323000"/>
+          </a:xfrm>
+          <a:prstGeom prst="rect">
+            <a:avLst/>
+          </a:prstGeom>
+          <a:noFill/>
+          <a:ln>
+            <a:noFill/>
+          </a:ln>
+        </p:spPr>
+        <p:style>
+          <a:lnRef idx="0"/>
+          <a:fillRef idx="0"/>
+          <a:effectRef idx="0"/>
+          <a:fontRef idx="minor"/>
+        </p:style>
+        <p:txBody>
+          <a:bodyPr lIns="90000" rIns="90000" tIns="45000" bIns="45000" anchor="ctr">
+            <a:noAutofit/>
+          </a:bodyPr>
+          <a:p>
+            <a:pPr>
               <a:lnSpc>
                 <a:spcPct val="90000"/>
               </a:lnSpc>
-              <a:spcBef>
-                <a:spcPts val="499"/>
-              </a:spcBef>
-              <a:buClr>
-                <a:srgbClr val="ffffff"/>
-              </a:buClr>
-              <a:buFont typeface="Arial"/>
-              <a:buChar char="•"/>
             </a:pPr>
             <a:r>
-              <a:rPr b="0" lang="en-US" sz="2400" spc="-1" strike="noStrike">
+              <a:rPr b="0" lang="en-US" sz="4400" spc="-1" strike="noStrike">
                 <a:solidFill>
                   <a:srgbClr val="ffffff"/>
                 </a:solidFill>
-                <a:latin typeface="Calibri"/>
+                <a:latin typeface="Calibri Light"/>
                 <a:ea typeface="DejaVu Sans"/>
               </a:rPr>
-              <a:t>0 for normal (Glucose &lt; 125)</a:t>
+              <a:t>Glucose prediction</a:t>
             </a:r>
-            <a:endParaRPr b="0" lang="en-US" sz="2400" spc="-1" strike="noStrike">
-              <a:latin typeface="Arial"/>
-            </a:endParaRPr>
-          </a:p>
-          <a:p>
-            <a:pPr lvl="1" marL="685800" indent="-227160">
-              <a:lnSpc>
-                <a:spcPct val="90000"/>
-              </a:lnSpc>
-              <a:spcBef>
-                <a:spcPts val="499"/>
-              </a:spcBef>
-              <a:buClr>
-                <a:srgbClr val="ffffff"/>
-              </a:buClr>
-              <a:buFont typeface="Arial"/>
-              <a:buChar char="•"/>
-            </a:pPr>
-            <a:r>
-              <a:rPr b="0" lang="en-US" sz="2400" spc="-1" strike="noStrike">
-                <a:solidFill>
-                  <a:srgbClr val="ffffff"/>
-                </a:solidFill>
-                <a:latin typeface="Calibri"/>
-                <a:ea typeface="DejaVu Sans"/>
-              </a:rPr>
-              <a:t>1 for prediabetes (Glucose &gt;= 125)</a:t>
-            </a:r>
-            <a:endParaRPr b="0" lang="en-US" sz="2400" spc="-1" strike="noStrike">
-              <a:latin typeface="Arial"/>
-            </a:endParaRPr>
-          </a:p>
-          <a:p>
-            <a:pPr marL="228600" indent="-227160">
+            <a:endParaRPr b="0" lang="en-US" sz="4400" spc="-1" strike="noStrike">
+              <a:latin typeface="Arial"/>
+            </a:endParaRPr>
+          </a:p>
+        </p:txBody>
+      </p:sp>
+      <p:sp>
+        <p:nvSpPr>
+          <p:cNvPr id="147" name="CustomShape 2"/>
+          <p:cNvSpPr/>
+          <p:nvPr/>
+        </p:nvSpPr>
+        <p:spPr>
+          <a:xfrm>
+            <a:off x="838080" y="1825560"/>
+            <a:ext cx="10513080" cy="4348800"/>
+          </a:xfrm>
+          <a:prstGeom prst="rect">
+            <a:avLst/>
+          </a:prstGeom>
+          <a:noFill/>
+          <a:ln>
+            <a:noFill/>
+          </a:ln>
+        </p:spPr>
+        <p:style>
+          <a:lnRef idx="0"/>
+          <a:fillRef idx="0"/>
+          <a:effectRef idx="0"/>
+          <a:fontRef idx="minor"/>
+        </p:style>
+        <p:txBody>
+          <a:bodyPr lIns="90000" rIns="90000" tIns="45000" bIns="45000">
+            <a:normAutofit fontScale="78000"/>
+          </a:bodyPr>
+          <a:p>
+            <a:pPr marL="228600" indent="-225720">
               <a:lnSpc>
                 <a:spcPct val="90000"/>
               </a:lnSpc>
@@ -17794,19 +17906,48 @@
                 <a:latin typeface="Calibri"/>
                 <a:ea typeface="Calibri"/>
               </a:rPr>
-              <a:t>Data</a:t>
+              <a:t>Technique</a:t>
             </a:r>
             <a:endParaRPr b="0" lang="en-US" sz="2800" spc="-1" strike="noStrike">
               <a:latin typeface="Arial"/>
             </a:endParaRPr>
           </a:p>
           <a:p>
-            <a:pPr lvl="1" marL="685800" indent="-227160">
+            <a:pPr lvl="1" marL="863640" indent="-321840">
               <a:lnSpc>
-                <a:spcPct val="90000"/>
+                <a:spcPct val="100000"/>
               </a:lnSpc>
               <a:spcBef>
-                <a:spcPts val="499"/>
+                <a:spcPts val="1134"/>
+              </a:spcBef>
+              <a:buClr>
+                <a:srgbClr val="ffffff"/>
+              </a:buClr>
+              <a:buSzPct val="75000"/>
+              <a:buFont typeface="Symbol"/>
+              <a:buChar char=""/>
+            </a:pPr>
+            <a:r>
+              <a:rPr b="0" lang="en-US" sz="2800" spc="-1" strike="noStrike">
+                <a:solidFill>
+                  <a:srgbClr val="ffffff"/>
+                </a:solidFill>
+                <a:latin typeface="Calibri"/>
+                <a:ea typeface="Calibri"/>
+              </a:rPr>
+              <a:t>SMOTE</a:t>
+            </a:r>
+            <a:endParaRPr b="0" lang="en-US" sz="2800" spc="-1" strike="noStrike">
+              <a:latin typeface="Arial"/>
+            </a:endParaRPr>
+          </a:p>
+          <a:p>
+            <a:pPr marL="228600" indent="-225720">
+              <a:lnSpc>
+                <a:spcPct val="100000"/>
+              </a:lnSpc>
+              <a:spcBef>
+                <a:spcPts val="1414"/>
               </a:spcBef>
               <a:buClr>
                 <a:srgbClr val="ffffff"/>
@@ -17822,29 +17963,103 @@
                 <a:latin typeface="Calibri"/>
                 <a:ea typeface="Calibri"/>
               </a:rPr>
-              <a:t>Total records - </a:t>
+              <a:t>Value counts (before)</a:t>
             </a:r>
+            <a:endParaRPr b="0" lang="en-US" sz="2800" spc="-1" strike="noStrike">
+              <a:latin typeface="Arial"/>
+            </a:endParaRPr>
+          </a:p>
+          <a:p>
+            <a:pPr lvl="1" marL="685800" indent="-225720">
+              <a:lnSpc>
+                <a:spcPct val="100000"/>
+              </a:lnSpc>
+              <a:spcBef>
+                <a:spcPts val="1414"/>
+              </a:spcBef>
+              <a:buClr>
+                <a:srgbClr val="ffffff"/>
+              </a:buClr>
+              <a:buFont typeface="Arial"/>
+              <a:buChar char="•"/>
+            </a:pPr>
             <a:r>
-              <a:rPr b="1" lang="en-US" sz="2800" spc="-1" strike="noStrike">
+              <a:rPr b="0" lang="en-US" sz="2800" spc="-1" strike="noStrike">
                 <a:solidFill>
                   <a:srgbClr val="ffffff"/>
                 </a:solidFill>
-                <a:latin typeface="Calibri"/>
-                <a:ea typeface="Calibri"/>
+                <a:latin typeface="Arial"/>
+                <a:ea typeface="Arial"/>
               </a:rPr>
-              <a:t>636</a:t>
+              <a:t>0 (10)</a:t>
             </a:r>
             <a:endParaRPr b="0" lang="en-US" sz="2800" spc="-1" strike="noStrike">
               <a:latin typeface="Arial"/>
             </a:endParaRPr>
           </a:p>
           <a:p>
-            <a:pPr lvl="1" marL="685800" indent="-227160">
+            <a:pPr lvl="1" marL="685800" indent="-225720">
               <a:lnSpc>
                 <a:spcPct val="90000"/>
               </a:lnSpc>
               <a:spcBef>
                 <a:spcPts val="499"/>
+              </a:spcBef>
+              <a:buClr>
+                <a:srgbClr val="ffffff"/>
+              </a:buClr>
+              <a:buFont typeface="Arial,Sans-Serif"/>
+              <a:buChar char="•"/>
+            </a:pPr>
+            <a:r>
+              <a:rPr b="0" lang="en-US" sz="2800" spc="-1" strike="noStrike">
+                <a:solidFill>
+                  <a:srgbClr val="ffffff"/>
+                </a:solidFill>
+                <a:latin typeface="Arial"/>
+                <a:ea typeface="Arial"/>
+              </a:rPr>
+              <a:t>1 (232) </a:t>
+            </a:r>
+            <a:endParaRPr b="0" lang="en-US" sz="2800" spc="-1" strike="noStrike">
+              <a:latin typeface="Arial"/>
+            </a:endParaRPr>
+          </a:p>
+          <a:p>
+            <a:pPr lvl="1" marL="685800" indent="-225720">
+              <a:lnSpc>
+                <a:spcPct val="90000"/>
+              </a:lnSpc>
+              <a:spcBef>
+                <a:spcPts val="499"/>
+              </a:spcBef>
+              <a:buClr>
+                <a:srgbClr val="ffffff"/>
+              </a:buClr>
+              <a:buFont typeface="Arial,Sans-Serif"/>
+              <a:buChar char="•"/>
+            </a:pPr>
+            <a:r>
+              <a:rPr b="0" lang="en-US" sz="2800" spc="-1" strike="noStrike">
+                <a:solidFill>
+                  <a:srgbClr val="ffffff"/>
+                </a:solidFill>
+                <a:latin typeface="Arial"/>
+                <a:ea typeface="Arial"/>
+              </a:rPr>
+              <a:t>2 (394)</a:t>
+            </a:r>
+            <a:endParaRPr b="0" lang="en-US" sz="2800" spc="-1" strike="noStrike">
+              <a:latin typeface="Arial"/>
+            </a:endParaRPr>
+          </a:p>
+          <a:p>
+            <a:pPr marL="228600" indent="-225720">
+              <a:lnSpc>
+                <a:spcPct val="100000"/>
+              </a:lnSpc>
+              <a:spcBef>
+                <a:spcPts val="1414"/>
               </a:spcBef>
               <a:buClr>
                 <a:srgbClr val="ffffff"/>
@@ -17860,24 +18075,42 @@
                 <a:latin typeface="Calibri"/>
                 <a:ea typeface="Calibri"/>
               </a:rPr>
-              <a:t>Normal - </a:t>
+              <a:t>Value counts (after)</a:t>
             </a:r>
+            <a:endParaRPr b="0" lang="en-US" sz="2800" spc="-1" strike="noStrike">
+              <a:latin typeface="Arial"/>
+            </a:endParaRPr>
+          </a:p>
+          <a:p>
+            <a:pPr lvl="1" marL="685800" indent="-225720">
+              <a:lnSpc>
+                <a:spcPct val="100000"/>
+              </a:lnSpc>
+              <a:spcBef>
+                <a:spcPts val="1414"/>
+              </a:spcBef>
+              <a:buClr>
+                <a:srgbClr val="ffffff"/>
+              </a:buClr>
+              <a:buFont typeface="Arial,Sans-Serif"/>
+              <a:buChar char="•"/>
+            </a:pPr>
             <a:r>
-              <a:rPr b="1" lang="en-US" sz="2800" spc="-1" strike="noStrike">
+              <a:rPr b="0" lang="en-US" sz="2800" spc="-1" strike="noStrike">
                 <a:solidFill>
                   <a:srgbClr val="ffffff"/>
                 </a:solidFill>
-                <a:latin typeface="Calibri"/>
-                <a:ea typeface="Calibri"/>
+                <a:latin typeface="Arial"/>
+                <a:ea typeface="DejaVu Sans"/>
               </a:rPr>
-              <a:t>417</a:t>
+              <a:t>0 (394)</a:t>
             </a:r>
             <a:endParaRPr b="0" lang="en-US" sz="2800" spc="-1" strike="noStrike">
               <a:latin typeface="Arial"/>
             </a:endParaRPr>
           </a:p>
           <a:p>
-            <a:pPr lvl="1" marL="685800" indent="-227160">
+            <a:pPr lvl="1" marL="685800" indent="-225720">
               <a:lnSpc>
                 <a:spcPct val="90000"/>
               </a:lnSpc>
@@ -17887,7 +18120,7 @@
               <a:buClr>
                 <a:srgbClr val="ffffff"/>
               </a:buClr>
-              <a:buFont typeface="Arial"/>
+              <a:buFont typeface="Arial,Sans-Serif"/>
               <a:buChar char="•"/>
             </a:pPr>
             <a:r>
@@ -17895,34 +18128,39 @@
                 <a:solidFill>
                   <a:srgbClr val="ffffff"/>
                 </a:solidFill>
-                <a:latin typeface="Calibri"/>
-                <a:ea typeface="Calibri"/>
+                <a:latin typeface="Arial"/>
+                <a:ea typeface="DejaVu Sans"/>
               </a:rPr>
-              <a:t>Prediabetes - </a:t>
-            </a:r>
-            <a:r>
-              <a:rPr b="1" lang="en-US" sz="2800" spc="-1" strike="noStrike">
-                <a:solidFill>
-                  <a:srgbClr val="ffffff"/>
-                </a:solidFill>
-                <a:latin typeface="Calibri"/>
-                <a:ea typeface="Calibri"/>
-              </a:rPr>
-              <a:t>219</a:t>
+              <a:t>1 (394) </a:t>
             </a:r>
             <a:endParaRPr b="0" lang="en-US" sz="2800" spc="-1" strike="noStrike">
               <a:latin typeface="Arial"/>
             </a:endParaRPr>
           </a:p>
           <a:p>
-            <a:pPr>
+            <a:pPr lvl="1" marL="685800" indent="-225720">
               <a:lnSpc>
                 <a:spcPct val="90000"/>
               </a:lnSpc>
               <a:spcBef>
-                <a:spcPts val="1001"/>
+                <a:spcPts val="499"/>
               </a:spcBef>
+              <a:buClr>
+                <a:srgbClr val="ffffff"/>
+              </a:buClr>
+              <a:buFont typeface="Arial,Sans-Serif"/>
+              <a:buChar char="•"/>
             </a:pPr>
+            <a:r>
+              <a:rPr b="0" lang="en-US" sz="2800" spc="-1" strike="noStrike">
+                <a:solidFill>
+                  <a:srgbClr val="ffffff"/>
+                </a:solidFill>
+                <a:latin typeface="Arial"/>
+                <a:ea typeface="DejaVu Sans"/>
+              </a:rPr>
+              <a:t>2 (394)</a:t>
+            </a:r>
             <a:endParaRPr b="0" lang="en-US" sz="2800" spc="-1" strike="noStrike">
               <a:latin typeface="Arial"/>
             </a:endParaRPr>
@@ -17942,7 +18180,7 @@
 </p:sld>
 </file>
 
-<file path=ppt/slides/slide27.xml><?xml version="1.0" encoding="utf-8"?>
+<file path=ppt/slides/slide29.xml><?xml version="1.0" encoding="utf-8"?>
 <p:sld xmlns:a="http://schemas.openxmlformats.org/drawingml/2006/main" xmlns:p="http://schemas.openxmlformats.org/presentationml/2006/main" xmlns:r="http://schemas.openxmlformats.org/officeDocument/2006/relationships" xmlns:p14="http://schemas.microsoft.com/office/powerpoint/2010/main" xmlns:p15="http://schemas.microsoft.com/office/powerpoint/2012/main" xmlns:mc="http://schemas.openxmlformats.org/markup-compatibility/2006">
   <p:cSld>
     <p:bg>
@@ -17968,14 +18206,14 @@
       </p:grpSpPr>
       <p:sp>
         <p:nvSpPr>
-          <p:cNvPr id="145" name="CustomShape 1"/>
+          <p:cNvPr id="148" name="CustomShape 1"/>
           <p:cNvSpPr/>
           <p:nvPr/>
         </p:nvSpPr>
         <p:spPr>
           <a:xfrm>
             <a:off x="0" y="0"/>
-            <a:ext cx="12190680" cy="6856560"/>
+            <a:ext cx="12189600" cy="6855480"/>
           </a:xfrm>
           <a:prstGeom prst="rect">
             <a:avLst/>
@@ -18004,14 +18242,14 @@
       </p:sp>
       <p:sp>
         <p:nvSpPr>
-          <p:cNvPr id="146" name="CustomShape 2"/>
+          <p:cNvPr id="149" name="CustomShape 2"/>
           <p:cNvSpPr/>
           <p:nvPr/>
         </p:nvSpPr>
         <p:spPr>
           <a:xfrm>
             <a:off x="0" y="0"/>
-            <a:ext cx="12190680" cy="6856560"/>
+            <a:ext cx="12189600" cy="6855480"/>
           </a:xfrm>
           <a:prstGeom prst="rect">
             <a:avLst/>
@@ -18048,14 +18286,14 @@
       </p:sp>
       <p:sp>
         <p:nvSpPr>
-          <p:cNvPr id="147" name="CustomShape 3"/>
+          <p:cNvPr id="150" name="CustomShape 3"/>
           <p:cNvSpPr/>
           <p:nvPr/>
         </p:nvSpPr>
         <p:spPr>
           <a:xfrm>
             <a:off x="1256400" y="3655440"/>
-            <a:ext cx="9677880" cy="1461600"/>
+            <a:ext cx="9676800" cy="1460520"/>
           </a:xfrm>
           <a:prstGeom prst="rect">
             <a:avLst/>
@@ -18099,7 +18337,7 @@
       </p:sp>
       <p:pic>
         <p:nvPicPr>
-          <p:cNvPr id="148" name="Picture 155" descr=""/>
+          <p:cNvPr id="151" name="Picture 2" descr="Graphical user interface, text, application&#10;&#10;Description automatically generated"/>
           <p:cNvPicPr/>
           <p:nvPr/>
         </p:nvPicPr>
@@ -18109,8 +18347,8 @@
         </p:blipFill>
         <p:spPr>
           <a:xfrm>
-            <a:off x="206640" y="1097280"/>
-            <a:ext cx="11588400" cy="1828080"/>
+            <a:off x="568080" y="1495800"/>
+            <a:ext cx="10957680" cy="1731240"/>
           </a:xfrm>
           <a:prstGeom prst="rect">
             <a:avLst/>
@@ -18120,497 +18358,6 @@
           </a:ln>
         </p:spPr>
       </p:pic>
-    </p:spTree>
-  </p:cSld>
-  <mc:AlternateContent>
-    <mc:Choice Requires="p14">
-      <p:transition spd="slow" p14:dur="2000"/>
-    </mc:Choice>
-    <mc:Fallback>
-      <p:transition spd="slow"/>
-    </mc:Fallback>
-  </mc:AlternateContent>
-</p:sld>
-</file>
-
-<file path=ppt/slides/slide28.xml><?xml version="1.0" encoding="utf-8"?>
-<p:sld xmlns:a="http://schemas.openxmlformats.org/drawingml/2006/main" xmlns:p="http://schemas.openxmlformats.org/presentationml/2006/main" xmlns:r="http://schemas.openxmlformats.org/officeDocument/2006/relationships" xmlns:p14="http://schemas.microsoft.com/office/powerpoint/2010/main" xmlns:p15="http://schemas.microsoft.com/office/powerpoint/2012/main" xmlns:mc="http://schemas.openxmlformats.org/markup-compatibility/2006">
-  <p:cSld>
-    <p:spTree>
-      <p:nvGrpSpPr>
-        <p:cNvPr id="1" name=""/>
-        <p:cNvGrpSpPr/>
-        <p:nvPr/>
-      </p:nvGrpSpPr>
-      <p:grpSpPr>
-        <a:xfrm>
-          <a:off x="0" y="0"/>
-          <a:ext cx="0" cy="0"/>
-          <a:chOff x="0" y="0"/>
-          <a:chExt cx="0" cy="0"/>
-        </a:xfrm>
-      </p:grpSpPr>
-      <p:sp>
-        <p:nvSpPr>
-          <p:cNvPr id="149" name="CustomShape 1"/>
-          <p:cNvSpPr/>
-          <p:nvPr/>
-        </p:nvSpPr>
-        <p:spPr>
-          <a:xfrm>
-            <a:off x="838080" y="365040"/>
-            <a:ext cx="10514160" cy="6126120"/>
-          </a:xfrm>
-          <a:prstGeom prst="rect">
-            <a:avLst/>
-          </a:prstGeom>
-          <a:noFill/>
-          <a:ln>
-            <a:noFill/>
-          </a:ln>
-        </p:spPr>
-        <p:style>
-          <a:lnRef idx="0"/>
-          <a:fillRef idx="0"/>
-          <a:effectRef idx="0"/>
-          <a:fontRef idx="minor"/>
-        </p:style>
-        <p:txBody>
-          <a:bodyPr lIns="0" rIns="0" tIns="0" bIns="0" anchor="ctr">
-            <a:noAutofit/>
-          </a:bodyPr>
-          <a:p>
-            <a:pPr algn="ctr">
-              <a:lnSpc>
-                <a:spcPct val="100000"/>
-              </a:lnSpc>
-              <a:tabLst>
-                <a:tab algn="l" pos="408240"/>
-              </a:tabLst>
-            </a:pPr>
-            <a:r>
-              <a:rPr b="1" lang="en-US" sz="4400" spc="-1" strike="noStrike">
-                <a:solidFill>
-                  <a:srgbClr val="ffffff"/>
-                </a:solidFill>
-                <a:latin typeface="Calibri"/>
-                <a:ea typeface="DejaVu Sans"/>
-              </a:rPr>
-              <a:t>Data Augmentation</a:t>
-            </a:r>
-            <a:br/>
-            <a:r>
-              <a:rPr b="0" lang="en-US" sz="4400" spc="-1" strike="noStrike">
-                <a:solidFill>
-                  <a:srgbClr val="ffffff"/>
-                </a:solidFill>
-                <a:latin typeface="Calibri"/>
-                <a:ea typeface="DejaVu Sans"/>
-              </a:rPr>
-              <a:t>Multi Targets</a:t>
-            </a:r>
-            <a:endParaRPr b="0" lang="en-US" sz="4400" spc="-1" strike="noStrike">
-              <a:latin typeface="Arial"/>
-            </a:endParaRPr>
-          </a:p>
-        </p:txBody>
-      </p:sp>
-    </p:spTree>
-  </p:cSld>
-  <mc:AlternateContent>
-    <mc:Choice Requires="p14">
-      <p:transition spd="slow" p14:dur="2000"/>
-    </mc:Choice>
-    <mc:Fallback>
-      <p:transition spd="slow"/>
-    </mc:Fallback>
-  </mc:AlternateContent>
-</p:sld>
-</file>
-
-<file path=ppt/slides/slide29.xml><?xml version="1.0" encoding="utf-8"?>
-<p:sld xmlns:a="http://schemas.openxmlformats.org/drawingml/2006/main" xmlns:p="http://schemas.openxmlformats.org/presentationml/2006/main" xmlns:r="http://schemas.openxmlformats.org/officeDocument/2006/relationships" xmlns:p14="http://schemas.microsoft.com/office/powerpoint/2010/main" xmlns:p15="http://schemas.microsoft.com/office/powerpoint/2012/main" xmlns:mc="http://schemas.openxmlformats.org/markup-compatibility/2006">
-  <p:cSld>
-    <p:spTree>
-      <p:nvGrpSpPr>
-        <p:cNvPr id="1" name=""/>
-        <p:cNvGrpSpPr/>
-        <p:nvPr/>
-      </p:nvGrpSpPr>
-      <p:grpSpPr>
-        <a:xfrm>
-          <a:off x="0" y="0"/>
-          <a:ext cx="0" cy="0"/>
-          <a:chOff x="0" y="0"/>
-          <a:chExt cx="0" cy="0"/>
-        </a:xfrm>
-      </p:grpSpPr>
-      <p:sp>
-        <p:nvSpPr>
-          <p:cNvPr id="150" name="CustomShape 1"/>
-          <p:cNvSpPr/>
-          <p:nvPr/>
-        </p:nvSpPr>
-        <p:spPr>
-          <a:xfrm>
-            <a:off x="838080" y="365040"/>
-            <a:ext cx="10514160" cy="1324080"/>
-          </a:xfrm>
-          <a:prstGeom prst="rect">
-            <a:avLst/>
-          </a:prstGeom>
-          <a:noFill/>
-          <a:ln>
-            <a:noFill/>
-          </a:ln>
-        </p:spPr>
-        <p:style>
-          <a:lnRef idx="0"/>
-          <a:fillRef idx="0"/>
-          <a:effectRef idx="0"/>
-          <a:fontRef idx="minor"/>
-        </p:style>
-        <p:txBody>
-          <a:bodyPr lIns="90000" rIns="90000" tIns="45000" bIns="45000" anchor="ctr">
-            <a:noAutofit/>
-          </a:bodyPr>
-          <a:p>
-            <a:pPr>
-              <a:lnSpc>
-                <a:spcPct val="90000"/>
-              </a:lnSpc>
-            </a:pPr>
-            <a:r>
-              <a:rPr b="0" lang="en-US" sz="4400" spc="-1" strike="noStrike">
-                <a:solidFill>
-                  <a:srgbClr val="ffffff"/>
-                </a:solidFill>
-                <a:latin typeface="Calibri Light"/>
-                <a:ea typeface="DejaVu Sans"/>
-              </a:rPr>
-              <a:t>BloodPressure prediction</a:t>
-            </a:r>
-            <a:endParaRPr b="0" lang="en-US" sz="4400" spc="-1" strike="noStrike">
-              <a:latin typeface="Arial"/>
-            </a:endParaRPr>
-          </a:p>
-        </p:txBody>
-      </p:sp>
-      <p:sp>
-        <p:nvSpPr>
-          <p:cNvPr id="151" name="CustomShape 2"/>
-          <p:cNvSpPr/>
-          <p:nvPr/>
-        </p:nvSpPr>
-        <p:spPr>
-          <a:xfrm>
-            <a:off x="838080" y="1825560"/>
-            <a:ext cx="10514160" cy="4349880"/>
-          </a:xfrm>
-          <a:prstGeom prst="rect">
-            <a:avLst/>
-          </a:prstGeom>
-          <a:noFill/>
-          <a:ln>
-            <a:noFill/>
-          </a:ln>
-        </p:spPr>
-        <p:style>
-          <a:lnRef idx="0"/>
-          <a:fillRef idx="0"/>
-          <a:effectRef idx="0"/>
-          <a:fontRef idx="minor"/>
-        </p:style>
-        <p:txBody>
-          <a:bodyPr lIns="90000" rIns="90000" tIns="45000" bIns="45000">
-            <a:normAutofit fontScale="73000"/>
-          </a:bodyPr>
-          <a:p>
-            <a:pPr marL="228600" indent="-226800">
-              <a:lnSpc>
-                <a:spcPct val="90000"/>
-              </a:lnSpc>
-              <a:spcBef>
-                <a:spcPts val="1001"/>
-              </a:spcBef>
-              <a:buClr>
-                <a:srgbClr val="ffffff"/>
-              </a:buClr>
-              <a:buFont typeface="Arial"/>
-              <a:buChar char="•"/>
-            </a:pPr>
-            <a:r>
-              <a:rPr b="0" lang="en-US" sz="2800" spc="-1" strike="noStrike">
-                <a:solidFill>
-                  <a:srgbClr val="ffffff"/>
-                </a:solidFill>
-                <a:latin typeface="Calibri"/>
-                <a:ea typeface="Calibri"/>
-              </a:rPr>
-              <a:t>Technique</a:t>
-            </a:r>
-            <a:endParaRPr b="0" lang="en-US" sz="2800" spc="-1" strike="noStrike">
-              <a:latin typeface="Arial"/>
-            </a:endParaRPr>
-          </a:p>
-          <a:p>
-            <a:pPr lvl="1" marL="863640" indent="-322920">
-              <a:lnSpc>
-                <a:spcPct val="100000"/>
-              </a:lnSpc>
-              <a:spcBef>
-                <a:spcPts val="1134"/>
-              </a:spcBef>
-              <a:buClr>
-                <a:srgbClr val="ffffff"/>
-              </a:buClr>
-              <a:buSzPct val="75000"/>
-              <a:buFont typeface="Symbol"/>
-              <a:buChar char=""/>
-            </a:pPr>
-            <a:r>
-              <a:rPr b="0" lang="en-US" sz="2800" spc="-1" strike="noStrike">
-                <a:solidFill>
-                  <a:srgbClr val="ffffff"/>
-                </a:solidFill>
-                <a:latin typeface="Calibri"/>
-                <a:ea typeface="Calibri"/>
-              </a:rPr>
-              <a:t>SMOTE</a:t>
-            </a:r>
-            <a:endParaRPr b="0" lang="en-US" sz="2800" spc="-1" strike="noStrike">
-              <a:latin typeface="Arial"/>
-            </a:endParaRPr>
-          </a:p>
-          <a:p>
-            <a:pPr marL="228600" indent="-226800">
-              <a:lnSpc>
-                <a:spcPct val="100000"/>
-              </a:lnSpc>
-              <a:spcBef>
-                <a:spcPts val="1414"/>
-              </a:spcBef>
-              <a:buClr>
-                <a:srgbClr val="ffffff"/>
-              </a:buClr>
-              <a:buFont typeface="Arial"/>
-              <a:buChar char="•"/>
-            </a:pPr>
-            <a:r>
-              <a:rPr b="0" lang="en-US" sz="2800" spc="-1" strike="noStrike">
-                <a:solidFill>
-                  <a:srgbClr val="ffffff"/>
-                </a:solidFill>
-                <a:latin typeface="Calibri"/>
-                <a:ea typeface="Calibri"/>
-              </a:rPr>
-              <a:t>Value counts (before)</a:t>
-            </a:r>
-            <a:endParaRPr b="0" lang="en-US" sz="2800" spc="-1" strike="noStrike">
-              <a:latin typeface="Arial"/>
-            </a:endParaRPr>
-          </a:p>
-          <a:p>
-            <a:pPr lvl="1" marL="685800" indent="-226800">
-              <a:lnSpc>
-                <a:spcPct val="100000"/>
-              </a:lnSpc>
-              <a:spcBef>
-                <a:spcPts val="1414"/>
-              </a:spcBef>
-              <a:buClr>
-                <a:srgbClr val="ffffff"/>
-              </a:buClr>
-              <a:buFont typeface="Arial"/>
-              <a:buChar char="•"/>
-            </a:pPr>
-            <a:r>
-              <a:rPr b="0" lang="en-US" sz="2800" spc="-1" strike="noStrike">
-                <a:solidFill>
-                  <a:srgbClr val="ffffff"/>
-                </a:solidFill>
-                <a:latin typeface="Arial"/>
-                <a:ea typeface="Arial"/>
-              </a:rPr>
-              <a:t>0 (107) </a:t>
-            </a:r>
-            <a:endParaRPr b="0" lang="en-US" sz="2800" spc="-1" strike="noStrike">
-              <a:latin typeface="Arial"/>
-            </a:endParaRPr>
-          </a:p>
-          <a:p>
-            <a:pPr lvl="1" marL="685800" indent="-226800">
-              <a:lnSpc>
-                <a:spcPct val="90000"/>
-              </a:lnSpc>
-              <a:spcBef>
-                <a:spcPts val="499"/>
-              </a:spcBef>
-              <a:buClr>
-                <a:srgbClr val="ffffff"/>
-              </a:buClr>
-              <a:buFont typeface="Arial,Sans-Serif"/>
-              <a:buChar char="•"/>
-            </a:pPr>
-            <a:r>
-              <a:rPr b="0" lang="en-US" sz="2800" spc="-1" strike="noStrike">
-                <a:solidFill>
-                  <a:srgbClr val="ffffff"/>
-                </a:solidFill>
-                <a:latin typeface="Arial"/>
-                <a:ea typeface="Arial"/>
-              </a:rPr>
-              <a:t>1 (362)</a:t>
-            </a:r>
-            <a:endParaRPr b="0" lang="en-US" sz="2800" spc="-1" strike="noStrike">
-              <a:latin typeface="Arial"/>
-            </a:endParaRPr>
-          </a:p>
-          <a:p>
-            <a:pPr lvl="1" marL="685800" indent="-226800">
-              <a:lnSpc>
-                <a:spcPct val="90000"/>
-              </a:lnSpc>
-              <a:spcBef>
-                <a:spcPts val="499"/>
-              </a:spcBef>
-              <a:buClr>
-                <a:srgbClr val="ffffff"/>
-              </a:buClr>
-              <a:buFont typeface="Arial,Sans-Serif"/>
-              <a:buChar char="•"/>
-            </a:pPr>
-            <a:r>
-              <a:rPr b="0" lang="en-US" sz="2800" spc="-1" strike="noStrike">
-                <a:solidFill>
-                  <a:srgbClr val="ffffff"/>
-                </a:solidFill>
-                <a:latin typeface="Arial"/>
-                <a:ea typeface="Arial"/>
-              </a:rPr>
-              <a:t>2 (167)</a:t>
-            </a:r>
-            <a:endParaRPr b="0" lang="en-US" sz="2800" spc="-1" strike="noStrike">
-              <a:latin typeface="Arial"/>
-            </a:endParaRPr>
-          </a:p>
-          <a:p>
-            <a:pPr marL="228600" indent="-226800">
-              <a:lnSpc>
-                <a:spcPct val="100000"/>
-              </a:lnSpc>
-              <a:spcBef>
-                <a:spcPts val="1414"/>
-              </a:spcBef>
-              <a:buClr>
-                <a:srgbClr val="ffffff"/>
-              </a:buClr>
-              <a:buFont typeface="Arial"/>
-              <a:buChar char="•"/>
-            </a:pPr>
-            <a:r>
-              <a:rPr b="0" lang="en-US" sz="2800" spc="-1" strike="noStrike">
-                <a:solidFill>
-                  <a:srgbClr val="ffffff"/>
-                </a:solidFill>
-                <a:latin typeface="Calibri"/>
-                <a:ea typeface="Calibri"/>
-              </a:rPr>
-              <a:t>Value counts (after)</a:t>
-            </a:r>
-            <a:endParaRPr b="0" lang="en-US" sz="2800" spc="-1" strike="noStrike">
-              <a:latin typeface="Arial"/>
-            </a:endParaRPr>
-          </a:p>
-          <a:p>
-            <a:pPr lvl="1" marL="863640" indent="-322920">
-              <a:lnSpc>
-                <a:spcPct val="100000"/>
-              </a:lnSpc>
-              <a:spcBef>
-                <a:spcPts val="1134"/>
-              </a:spcBef>
-              <a:buClr>
-                <a:srgbClr val="ffffff"/>
-              </a:buClr>
-              <a:buSzPct val="75000"/>
-              <a:buFont typeface="Symbol"/>
-              <a:buChar char=""/>
-            </a:pPr>
-            <a:r>
-              <a:rPr b="0" lang="en-US" sz="2800" spc="-1" strike="noStrike">
-                <a:solidFill>
-                  <a:srgbClr val="ffffff"/>
-                </a:solidFill>
-                <a:latin typeface="Calibri"/>
-                <a:ea typeface="Calibri"/>
-              </a:rPr>
-              <a:t>0 (362)</a:t>
-            </a:r>
-            <a:endParaRPr b="0" lang="en-US" sz="2800" spc="-1" strike="noStrike">
-              <a:latin typeface="Arial"/>
-            </a:endParaRPr>
-          </a:p>
-          <a:p>
-            <a:pPr lvl="1" marL="863640" indent="-322920">
-              <a:lnSpc>
-                <a:spcPct val="100000"/>
-              </a:lnSpc>
-              <a:spcBef>
-                <a:spcPts val="1134"/>
-              </a:spcBef>
-              <a:buClr>
-                <a:srgbClr val="ffffff"/>
-              </a:buClr>
-              <a:buSzPct val="75000"/>
-              <a:buFont typeface="Symbol"/>
-              <a:buChar char=""/>
-            </a:pPr>
-            <a:r>
-              <a:rPr b="0" lang="en-US" sz="2800" spc="-1" strike="noStrike">
-                <a:solidFill>
-                  <a:srgbClr val="ffffff"/>
-                </a:solidFill>
-                <a:latin typeface="Calibri"/>
-                <a:ea typeface="Calibri"/>
-              </a:rPr>
-              <a:t>1 (362)</a:t>
-            </a:r>
-            <a:endParaRPr b="0" lang="en-US" sz="2800" spc="-1" strike="noStrike">
-              <a:latin typeface="Arial"/>
-            </a:endParaRPr>
-          </a:p>
-          <a:p>
-            <a:pPr lvl="1" marL="863640" indent="-322920">
-              <a:lnSpc>
-                <a:spcPct val="100000"/>
-              </a:lnSpc>
-              <a:spcBef>
-                <a:spcPts val="1134"/>
-              </a:spcBef>
-              <a:buClr>
-                <a:srgbClr val="ffffff"/>
-              </a:buClr>
-              <a:buSzPct val="75000"/>
-              <a:buFont typeface="Symbol"/>
-              <a:buChar char=""/>
-            </a:pPr>
-            <a:r>
-              <a:rPr b="0" lang="en-US" sz="2800" spc="-1" strike="noStrike">
-                <a:solidFill>
-                  <a:srgbClr val="ffffff"/>
-                </a:solidFill>
-                <a:latin typeface="Calibri"/>
-                <a:ea typeface="DejaVu Sans"/>
-              </a:rPr>
-              <a:t>2 (362)</a:t>
-            </a:r>
-            <a:endParaRPr b="0" lang="en-US" sz="2800" spc="-1" strike="noStrike">
-              <a:latin typeface="Arial"/>
-            </a:endParaRPr>
-          </a:p>
-        </p:txBody>
-      </p:sp>
     </p:spTree>
   </p:cSld>
   <mc:AlternateContent>
@@ -18657,7 +18404,7 @@
         <p:spPr>
           <a:xfrm>
             <a:off x="0" y="0"/>
-            <a:ext cx="12190680" cy="6856560"/>
+            <a:ext cx="12189600" cy="6855480"/>
           </a:xfrm>
           <a:prstGeom prst="rect">
             <a:avLst/>
@@ -18693,7 +18440,7 @@
         <p:spPr>
           <a:xfrm>
             <a:off x="643320" y="321840"/>
-            <a:ext cx="10903680" cy="1134360"/>
+            <a:ext cx="10902600" cy="1133280"/>
           </a:xfrm>
           <a:prstGeom prst="rect">
             <a:avLst/>
@@ -18744,7 +18491,7 @@
         <p:spPr>
           <a:xfrm>
             <a:off x="643320" y="1783080"/>
-            <a:ext cx="10903680" cy="4392720"/>
+            <a:ext cx="10902600" cy="4391640"/>
           </a:xfrm>
           <a:prstGeom prst="rect">
             <a:avLst/>
@@ -18765,7 +18512,7 @@
             <a:noAutofit/>
           </a:bodyPr>
           <a:p>
-            <a:pPr marL="228600" indent="-227160">
+            <a:pPr marL="228600" indent="-226080">
               <a:lnSpc>
                 <a:spcPct val="90000"/>
               </a:lnSpc>
@@ -18793,7 +18540,7 @@
             </a:endParaRPr>
           </a:p>
           <a:p>
-            <a:pPr lvl="1" marL="685800" indent="-227160">
+            <a:pPr lvl="1" marL="685800" indent="-226080">
               <a:lnSpc>
                 <a:spcPct val="90000"/>
               </a:lnSpc>
@@ -18821,7 +18568,7 @@
             </a:endParaRPr>
           </a:p>
           <a:p>
-            <a:pPr lvl="1" marL="685800" indent="-227160">
+            <a:pPr lvl="1" marL="685800" indent="-226080">
               <a:lnSpc>
                 <a:spcPct val="90000"/>
               </a:lnSpc>
@@ -18849,7 +18596,7 @@
             </a:endParaRPr>
           </a:p>
           <a:p>
-            <a:pPr lvl="1" marL="685800" indent="-227160">
+            <a:pPr lvl="1" marL="685800" indent="-226080">
               <a:lnSpc>
                 <a:spcPct val="90000"/>
               </a:lnSpc>
@@ -18877,7 +18624,7 @@
             </a:endParaRPr>
           </a:p>
           <a:p>
-            <a:pPr lvl="1" marL="685800" indent="-227160">
+            <a:pPr lvl="1" marL="685800" indent="-226080">
               <a:lnSpc>
                 <a:spcPct val="90000"/>
               </a:lnSpc>
@@ -18905,7 +18652,7 @@
             </a:endParaRPr>
           </a:p>
           <a:p>
-            <a:pPr marL="228600" indent="-227160">
+            <a:pPr marL="228600" indent="-226080">
               <a:lnSpc>
                 <a:spcPct val="90000"/>
               </a:lnSpc>
@@ -18942,8 +18689,8 @@
         </p:nvSpPr>
         <p:spPr>
           <a:xfrm rot="2700000">
-            <a:off x="11053080" y="2118960"/>
-            <a:ext cx="644040" cy="644040"/>
+            <a:off x="11053800" y="2118240"/>
+            <a:ext cx="642960" cy="642960"/>
           </a:xfrm>
           <a:prstGeom prst="rect">
             <a:avLst/>
@@ -18980,8 +18727,8 @@
         </p:nvSpPr>
         <p:spPr>
           <a:xfrm rot="16200000">
-            <a:off x="10288800" y="1344600"/>
-            <a:ext cx="2531520" cy="1271520"/>
+            <a:off x="10288800" y="1345680"/>
+            <a:ext cx="2530440" cy="1270440"/>
           </a:xfrm>
           <a:prstGeom prst="triangle">
             <a:avLst>
@@ -19020,8 +18767,8 @@
         </p:nvSpPr>
         <p:spPr>
           <a:xfrm rot="5400000">
-            <a:off x="-498960" y="5103000"/>
-            <a:ext cx="2016000" cy="1012680"/>
+            <a:off x="-496800" y="5103000"/>
+            <a:ext cx="2014920" cy="1011600"/>
           </a:xfrm>
           <a:prstGeom prst="triangle">
             <a:avLst>
@@ -19060,8 +18807,8 @@
         </p:nvSpPr>
         <p:spPr>
           <a:xfrm rot="2700000">
-            <a:off x="427680" y="5727600"/>
-            <a:ext cx="484200" cy="484200"/>
+            <a:off x="427680" y="5726880"/>
+            <a:ext cx="483120" cy="483120"/>
           </a:xfrm>
           <a:prstGeom prst="rect">
             <a:avLst/>
@@ -19129,7 +18876,102 @@
         <p:spPr>
           <a:xfrm>
             <a:off x="838080" y="365040"/>
-            <a:ext cx="10514160" cy="1324080"/>
+            <a:ext cx="10513080" cy="6125040"/>
+          </a:xfrm>
+          <a:prstGeom prst="rect">
+            <a:avLst/>
+          </a:prstGeom>
+          <a:noFill/>
+          <a:ln>
+            <a:noFill/>
+          </a:ln>
+        </p:spPr>
+        <p:style>
+          <a:lnRef idx="0"/>
+          <a:fillRef idx="0"/>
+          <a:effectRef idx="0"/>
+          <a:fontRef idx="minor"/>
+        </p:style>
+        <p:txBody>
+          <a:bodyPr lIns="0" rIns="0" tIns="0" bIns="0" anchor="ctr">
+            <a:noAutofit/>
+          </a:bodyPr>
+          <a:p>
+            <a:pPr algn="ctr">
+              <a:lnSpc>
+                <a:spcPct val="100000"/>
+              </a:lnSpc>
+              <a:tabLst>
+                <a:tab algn="l" pos="408240"/>
+              </a:tabLst>
+            </a:pPr>
+            <a:r>
+              <a:rPr b="1" lang="en-US" sz="4400" spc="-1" strike="noStrike">
+                <a:solidFill>
+                  <a:srgbClr val="ffffff"/>
+                </a:solidFill>
+                <a:latin typeface="Calibri"/>
+                <a:ea typeface="DejaVu Sans"/>
+              </a:rPr>
+              <a:t>Data Augmentation</a:t>
+            </a:r>
+            <a:br/>
+            <a:r>
+              <a:rPr b="0" lang="en-US" sz="4400" spc="-1" strike="noStrike">
+                <a:solidFill>
+                  <a:srgbClr val="ffffff"/>
+                </a:solidFill>
+                <a:latin typeface="Calibri"/>
+                <a:ea typeface="DejaVu Sans"/>
+              </a:rPr>
+              <a:t>Binary Targets</a:t>
+            </a:r>
+            <a:endParaRPr b="0" lang="en-US" sz="4400" spc="-1" strike="noStrike">
+              <a:latin typeface="Arial"/>
+            </a:endParaRPr>
+          </a:p>
+        </p:txBody>
+      </p:sp>
+    </p:spTree>
+  </p:cSld>
+  <mc:AlternateContent>
+    <mc:Choice Requires="p14">
+      <p:transition spd="slow" p14:dur="2000"/>
+    </mc:Choice>
+    <mc:Fallback>
+      <p:transition spd="slow"/>
+    </mc:Fallback>
+  </mc:AlternateContent>
+</p:sld>
+</file>
+
+<file path=ppt/slides/slide31.xml><?xml version="1.0" encoding="utf-8"?>
+<p:sld xmlns:a="http://schemas.openxmlformats.org/drawingml/2006/main" xmlns:p="http://schemas.openxmlformats.org/presentationml/2006/main" xmlns:r="http://schemas.openxmlformats.org/officeDocument/2006/relationships" xmlns:p14="http://schemas.microsoft.com/office/powerpoint/2010/main" xmlns:p15="http://schemas.microsoft.com/office/powerpoint/2012/main" xmlns:mc="http://schemas.openxmlformats.org/markup-compatibility/2006">
+  <p:cSld>
+    <p:spTree>
+      <p:nvGrpSpPr>
+        <p:cNvPr id="1" name=""/>
+        <p:cNvGrpSpPr/>
+        <p:nvPr/>
+      </p:nvGrpSpPr>
+      <p:grpSpPr>
+        <a:xfrm>
+          <a:off x="0" y="0"/>
+          <a:ext cx="0" cy="0"/>
+          <a:chOff x="0" y="0"/>
+          <a:chExt cx="0" cy="0"/>
+        </a:xfrm>
+      </p:grpSpPr>
+      <p:sp>
+        <p:nvSpPr>
+          <p:cNvPr id="153" name="CustomShape 1"/>
+          <p:cNvSpPr/>
+          <p:nvPr/>
+        </p:nvSpPr>
+        <p:spPr>
+          <a:xfrm>
+            <a:off x="838080" y="365040"/>
+            <a:ext cx="10513080" cy="1323000"/>
           </a:xfrm>
           <a:prstGeom prst="rect">
             <a:avLst/>
@@ -19163,7 +19005,7 @@
                 <a:latin typeface="Calibri Light"/>
                 <a:ea typeface="DejaVu Sans"/>
               </a:rPr>
-              <a:t>Glucose prediction</a:t>
+              <a:t>BloodPressure prediction</a:t>
             </a:r>
             <a:endParaRPr b="0" lang="en-US" sz="4400" spc="-1" strike="noStrike">
               <a:latin typeface="Arial"/>
@@ -19173,14 +19015,14 @@
       </p:sp>
       <p:sp>
         <p:nvSpPr>
-          <p:cNvPr id="153" name="CustomShape 2"/>
+          <p:cNvPr id="154" name="CustomShape 2"/>
           <p:cNvSpPr/>
           <p:nvPr/>
         </p:nvSpPr>
         <p:spPr>
           <a:xfrm>
             <a:off x="838080" y="1825560"/>
-            <a:ext cx="10514160" cy="4349880"/>
+            <a:ext cx="10513080" cy="4348800"/>
           </a:xfrm>
           <a:prstGeom prst="rect">
             <a:avLst/>
@@ -19198,10 +19040,10 @@
         </p:style>
         <p:txBody>
           <a:bodyPr lIns="90000" rIns="90000" tIns="45000" bIns="45000">
-            <a:normAutofit fontScale="78000"/>
+            <a:normAutofit fontScale="97000"/>
           </a:bodyPr>
           <a:p>
-            <a:pPr marL="228600" indent="-226800">
+            <a:pPr marL="228600" indent="-226080">
               <a:lnSpc>
                 <a:spcPct val="90000"/>
               </a:lnSpc>
@@ -19229,7 +19071,7 @@
             </a:endParaRPr>
           </a:p>
           <a:p>
-            <a:pPr lvl="1" marL="863640" indent="-322920">
+            <a:pPr lvl="1" marL="864000" indent="-321840">
               <a:lnSpc>
                 <a:spcPct val="100000"/>
               </a:lnSpc>
@@ -19258,7 +19100,7 @@
             </a:endParaRPr>
           </a:p>
           <a:p>
-            <a:pPr marL="228600" indent="-226800">
+            <a:pPr marL="228600" indent="-226080">
               <a:lnSpc>
                 <a:spcPct val="100000"/>
               </a:lnSpc>
@@ -19286,91 +19128,65 @@
             </a:endParaRPr>
           </a:p>
           <a:p>
-            <a:pPr lvl="1" marL="685800" indent="-226800">
+            <a:pPr lvl="1" marL="864000" indent="-321840">
               <a:lnSpc>
                 <a:spcPct val="100000"/>
               </a:lnSpc>
               <a:spcBef>
-                <a:spcPts val="1414"/>
+                <a:spcPts val="1134"/>
               </a:spcBef>
               <a:buClr>
                 <a:srgbClr val="ffffff"/>
               </a:buClr>
-              <a:buFont typeface="Arial"/>
-              <a:buChar char="•"/>
+              <a:buSzPct val="75000"/>
+              <a:buFont typeface="Symbol"/>
+              <a:buChar char=""/>
             </a:pPr>
             <a:r>
               <a:rPr b="0" lang="en-US" sz="2800" spc="-1" strike="noStrike">
                 <a:solidFill>
                   <a:srgbClr val="ffffff"/>
                 </a:solidFill>
-                <a:latin typeface="Arial"/>
-                <a:ea typeface="Arial"/>
+                <a:latin typeface="Calibri"/>
+                <a:ea typeface="Calibri"/>
               </a:rPr>
-              <a:t>0 (10)</a:t>
+              <a:t>0 (504)</a:t>
             </a:r>
             <a:endParaRPr b="0" lang="en-US" sz="2800" spc="-1" strike="noStrike">
               <a:latin typeface="Arial"/>
             </a:endParaRPr>
           </a:p>
           <a:p>
-            <a:pPr lvl="1" marL="685800" indent="-226800">
+            <a:pPr lvl="1" marL="864000" indent="-321840">
               <a:lnSpc>
-                <a:spcPct val="90000"/>
+                <a:spcPct val="100000"/>
               </a:lnSpc>
               <a:spcBef>
-                <a:spcPts val="499"/>
+                <a:spcPts val="1134"/>
               </a:spcBef>
               <a:buClr>
                 <a:srgbClr val="ffffff"/>
               </a:buClr>
-              <a:buFont typeface="Arial,Sans-Serif"/>
-              <a:buChar char="•"/>
+              <a:buSzPct val="75000"/>
+              <a:buFont typeface="Symbol"/>
+              <a:buChar char=""/>
             </a:pPr>
             <a:r>
               <a:rPr b="0" lang="en-US" sz="2800" spc="-1" strike="noStrike">
                 <a:solidFill>
                   <a:srgbClr val="ffffff"/>
                 </a:solidFill>
-                <a:latin typeface="Arial"/>
-                <a:ea typeface="Arial"/>
+                <a:latin typeface="Calibri"/>
+                <a:ea typeface="Calibri"/>
               </a:rPr>
-              <a:t>1 (232) </a:t>
+              <a:t>1 (132)</a:t>
             </a:r>
             <a:endParaRPr b="0" lang="en-US" sz="2800" spc="-1" strike="noStrike">
               <a:latin typeface="Arial"/>
             </a:endParaRPr>
           </a:p>
           <a:p>
-            <a:pPr lvl="1" marL="685800" indent="-226800">
-              <a:lnSpc>
-                <a:spcPct val="90000"/>
-              </a:lnSpc>
-              <a:spcBef>
-                <a:spcPts val="499"/>
-              </a:spcBef>
-              <a:buClr>
-                <a:srgbClr val="ffffff"/>
-              </a:buClr>
-              <a:buFont typeface="Arial,Sans-Serif"/>
-              <a:buChar char="•"/>
-            </a:pPr>
-            <a:r>
-              <a:rPr b="0" lang="en-US" sz="2800" spc="-1" strike="noStrike">
-                <a:solidFill>
-                  <a:srgbClr val="ffffff"/>
-                </a:solidFill>
-                <a:latin typeface="Arial"/>
-                <a:ea typeface="Arial"/>
-              </a:rPr>
-              <a:t>2 (394)</a:t>
-            </a:r>
-            <a:endParaRPr b="0" lang="en-US" sz="2800" spc="-1" strike="noStrike">
-              <a:latin typeface="Arial"/>
-            </a:endParaRPr>
-          </a:p>
-          <a:p>
-            <a:pPr marL="228600" indent="-226800">
+            <a:pPr marL="228600" indent="-226080">
               <a:lnSpc>
                 <a:spcPct val="100000"/>
               </a:lnSpc>
@@ -19398,84 +19214,58 @@
             </a:endParaRPr>
           </a:p>
           <a:p>
-            <a:pPr lvl="1" marL="685800" indent="-226800">
+            <a:pPr lvl="1" marL="864000" indent="-321840">
               <a:lnSpc>
                 <a:spcPct val="100000"/>
               </a:lnSpc>
               <a:spcBef>
-                <a:spcPts val="1414"/>
+                <a:spcPts val="1134"/>
               </a:spcBef>
               <a:buClr>
                 <a:srgbClr val="ffffff"/>
               </a:buClr>
-              <a:buFont typeface="Arial,Sans-Serif"/>
-              <a:buChar char="•"/>
+              <a:buSzPct val="75000"/>
+              <a:buFont typeface="Symbol"/>
+              <a:buChar char=""/>
             </a:pPr>
             <a:r>
               <a:rPr b="0" lang="en-US" sz="2800" spc="-1" strike="noStrike">
                 <a:solidFill>
                   <a:srgbClr val="ffffff"/>
                 </a:solidFill>
-                <a:latin typeface="Arial"/>
-                <a:ea typeface="DejaVu Sans"/>
+                <a:latin typeface="Calibri"/>
+                <a:ea typeface="Calibri"/>
               </a:rPr>
-              <a:t>0 (394)</a:t>
+              <a:t>0 (504)</a:t>
             </a:r>
             <a:endParaRPr b="0" lang="en-US" sz="2800" spc="-1" strike="noStrike">
               <a:latin typeface="Arial"/>
             </a:endParaRPr>
           </a:p>
           <a:p>
-            <a:pPr lvl="1" marL="685800" indent="-226800">
+            <a:pPr lvl="1" marL="864000" indent="-321840">
               <a:lnSpc>
-                <a:spcPct val="90000"/>
+                <a:spcPct val="100000"/>
               </a:lnSpc>
               <a:spcBef>
-                <a:spcPts val="499"/>
+                <a:spcPts val="1134"/>
               </a:spcBef>
               <a:buClr>
                 <a:srgbClr val="ffffff"/>
               </a:buClr>
-              <a:buFont typeface="Arial,Sans-Serif"/>
-              <a:buChar char="•"/>
+              <a:buSzPct val="75000"/>
+              <a:buFont typeface="Symbol"/>
+              <a:buChar char=""/>
             </a:pPr>
             <a:r>
               <a:rPr b="0" lang="en-US" sz="2800" spc="-1" strike="noStrike">
                 <a:solidFill>
                   <a:srgbClr val="ffffff"/>
                 </a:solidFill>
-                <a:latin typeface="Arial"/>
-                <a:ea typeface="DejaVu Sans"/>
+                <a:latin typeface="Calibri"/>
+                <a:ea typeface="Calibri"/>
               </a:rPr>
-              <a:t>1 (394) </a:t>
-            </a:r>
-            <a:endParaRPr b="0" lang="en-US" sz="2800" spc="-1" strike="noStrike">
-              <a:latin typeface="Arial"/>
-            </a:endParaRPr>
-          </a:p>
-          <a:p>
-            <a:pPr lvl="1" marL="685800" indent="-226800">
-              <a:lnSpc>
-                <a:spcPct val="90000"/>
-              </a:lnSpc>
-              <a:spcBef>
-                <a:spcPts val="499"/>
-              </a:spcBef>
-              <a:buClr>
-                <a:srgbClr val="ffffff"/>
-              </a:buClr>
-              <a:buFont typeface="Arial,Sans-Serif"/>
-              <a:buChar char="•"/>
-            </a:pPr>
-            <a:r>
-              <a:rPr b="0" lang="en-US" sz="2800" spc="-1" strike="noStrike">
-                <a:solidFill>
-                  <a:srgbClr val="ffffff"/>
-                </a:solidFill>
-                <a:latin typeface="Arial"/>
-                <a:ea typeface="DejaVu Sans"/>
-              </a:rPr>
-              <a:t>2 (394)</a:t>
+              <a:t>1 (504)</a:t>
             </a:r>
             <a:endParaRPr b="0" lang="en-US" sz="2800" spc="-1" strike="noStrike">
               <a:latin typeface="Arial"/>
@@ -19496,7 +19286,348 @@
 </p:sld>
 </file>
 
-<file path=ppt/slides/slide31.xml><?xml version="1.0" encoding="utf-8"?>
+<file path=ppt/slides/slide32.xml><?xml version="1.0" encoding="utf-8"?>
+<p:sld xmlns:a="http://schemas.openxmlformats.org/drawingml/2006/main" xmlns:p="http://schemas.openxmlformats.org/presentationml/2006/main" xmlns:r="http://schemas.openxmlformats.org/officeDocument/2006/relationships" xmlns:p14="http://schemas.microsoft.com/office/powerpoint/2010/main" xmlns:p15="http://schemas.microsoft.com/office/powerpoint/2012/main" xmlns:mc="http://schemas.openxmlformats.org/markup-compatibility/2006">
+  <p:cSld>
+    <p:spTree>
+      <p:nvGrpSpPr>
+        <p:cNvPr id="1" name=""/>
+        <p:cNvGrpSpPr/>
+        <p:nvPr/>
+      </p:nvGrpSpPr>
+      <p:grpSpPr>
+        <a:xfrm>
+          <a:off x="0" y="0"/>
+          <a:ext cx="0" cy="0"/>
+          <a:chOff x="0" y="0"/>
+          <a:chExt cx="0" cy="0"/>
+        </a:xfrm>
+      </p:grpSpPr>
+      <p:sp>
+        <p:nvSpPr>
+          <p:cNvPr id="155" name="CustomShape 1"/>
+          <p:cNvSpPr/>
+          <p:nvPr/>
+        </p:nvSpPr>
+        <p:spPr>
+          <a:xfrm>
+            <a:off x="838080" y="365040"/>
+            <a:ext cx="10513080" cy="1323000"/>
+          </a:xfrm>
+          <a:prstGeom prst="rect">
+            <a:avLst/>
+          </a:prstGeom>
+          <a:noFill/>
+          <a:ln>
+            <a:noFill/>
+          </a:ln>
+        </p:spPr>
+        <p:style>
+          <a:lnRef idx="0"/>
+          <a:fillRef idx="0"/>
+          <a:effectRef idx="0"/>
+          <a:fontRef idx="minor"/>
+        </p:style>
+        <p:txBody>
+          <a:bodyPr lIns="90000" rIns="90000" tIns="45000" bIns="45000" anchor="ctr">
+            <a:noAutofit/>
+          </a:bodyPr>
+          <a:p>
+            <a:pPr>
+              <a:lnSpc>
+                <a:spcPct val="90000"/>
+              </a:lnSpc>
+            </a:pPr>
+            <a:r>
+              <a:rPr b="0" lang="en-US" sz="4400" spc="-1" strike="noStrike">
+                <a:solidFill>
+                  <a:srgbClr val="ffffff"/>
+                </a:solidFill>
+                <a:latin typeface="Calibri Light"/>
+                <a:ea typeface="DejaVu Sans"/>
+              </a:rPr>
+              <a:t>Glucose prediction</a:t>
+            </a:r>
+            <a:endParaRPr b="0" lang="en-US" sz="4400" spc="-1" strike="noStrike">
+              <a:latin typeface="Arial"/>
+            </a:endParaRPr>
+          </a:p>
+        </p:txBody>
+      </p:sp>
+      <p:sp>
+        <p:nvSpPr>
+          <p:cNvPr id="156" name="CustomShape 2"/>
+          <p:cNvSpPr/>
+          <p:nvPr/>
+        </p:nvSpPr>
+        <p:spPr>
+          <a:xfrm>
+            <a:off x="838080" y="1825560"/>
+            <a:ext cx="10513080" cy="4348800"/>
+          </a:xfrm>
+          <a:prstGeom prst="rect">
+            <a:avLst/>
+          </a:prstGeom>
+          <a:noFill/>
+          <a:ln>
+            <a:noFill/>
+          </a:ln>
+        </p:spPr>
+        <p:style>
+          <a:lnRef idx="0"/>
+          <a:fillRef idx="0"/>
+          <a:effectRef idx="0"/>
+          <a:fontRef idx="minor"/>
+        </p:style>
+        <p:txBody>
+          <a:bodyPr lIns="90000" rIns="90000" tIns="45000" bIns="45000">
+            <a:normAutofit fontScale="97000"/>
+          </a:bodyPr>
+          <a:p>
+            <a:pPr marL="228600" indent="-226080">
+              <a:lnSpc>
+                <a:spcPct val="90000"/>
+              </a:lnSpc>
+              <a:spcBef>
+                <a:spcPts val="1001"/>
+              </a:spcBef>
+              <a:buClr>
+                <a:srgbClr val="ffffff"/>
+              </a:buClr>
+              <a:buFont typeface="Arial"/>
+              <a:buChar char="•"/>
+            </a:pPr>
+            <a:r>
+              <a:rPr b="0" lang="en-US" sz="2800" spc="-1" strike="noStrike">
+                <a:solidFill>
+                  <a:srgbClr val="ffffff"/>
+                </a:solidFill>
+                <a:latin typeface="Calibri"/>
+                <a:ea typeface="Calibri"/>
+              </a:rPr>
+              <a:t>Technique</a:t>
+            </a:r>
+            <a:endParaRPr b="0" lang="en-US" sz="2800" spc="-1" strike="noStrike">
+              <a:latin typeface="Arial"/>
+            </a:endParaRPr>
+          </a:p>
+          <a:p>
+            <a:pPr lvl="1" marL="864000" indent="-321840">
+              <a:lnSpc>
+                <a:spcPct val="100000"/>
+              </a:lnSpc>
+              <a:spcBef>
+                <a:spcPts val="1134"/>
+              </a:spcBef>
+              <a:buClr>
+                <a:srgbClr val="ffffff"/>
+              </a:buClr>
+              <a:buSzPct val="75000"/>
+              <a:buFont typeface="Symbol"/>
+              <a:buChar char=""/>
+            </a:pPr>
+            <a:r>
+              <a:rPr b="0" lang="en-US" sz="2800" spc="-1" strike="noStrike">
+                <a:solidFill>
+                  <a:srgbClr val="ffffff"/>
+                </a:solidFill>
+                <a:latin typeface="Calibri"/>
+                <a:ea typeface="Calibri"/>
+              </a:rPr>
+              <a:t>SMOTE</a:t>
+            </a:r>
+            <a:endParaRPr b="0" lang="en-US" sz="2800" spc="-1" strike="noStrike">
+              <a:latin typeface="Arial"/>
+            </a:endParaRPr>
+          </a:p>
+          <a:p>
+            <a:pPr marL="228600" indent="-226080">
+              <a:lnSpc>
+                <a:spcPct val="100000"/>
+              </a:lnSpc>
+              <a:spcBef>
+                <a:spcPts val="1414"/>
+              </a:spcBef>
+              <a:buClr>
+                <a:srgbClr val="ffffff"/>
+              </a:buClr>
+              <a:buFont typeface="Arial"/>
+              <a:buChar char="•"/>
+            </a:pPr>
+            <a:r>
+              <a:rPr b="0" lang="en-US" sz="2800" spc="-1" strike="noStrike">
+                <a:solidFill>
+                  <a:srgbClr val="ffffff"/>
+                </a:solidFill>
+                <a:latin typeface="Calibri"/>
+                <a:ea typeface="Calibri"/>
+              </a:rPr>
+              <a:t>Value counts (before)</a:t>
+            </a:r>
+            <a:endParaRPr b="0" lang="en-US" sz="2800" spc="-1" strike="noStrike">
+              <a:latin typeface="Arial"/>
+            </a:endParaRPr>
+          </a:p>
+          <a:p>
+            <a:pPr lvl="1" marL="864000" indent="-321840">
+              <a:lnSpc>
+                <a:spcPct val="100000"/>
+              </a:lnSpc>
+              <a:spcBef>
+                <a:spcPts val="1134"/>
+              </a:spcBef>
+              <a:buClr>
+                <a:srgbClr val="ffffff"/>
+              </a:buClr>
+              <a:buSzPct val="75000"/>
+              <a:buFont typeface="Symbol"/>
+              <a:buChar char=""/>
+            </a:pPr>
+            <a:r>
+              <a:rPr b="0" lang="en-US" sz="2800" spc="-1" strike="noStrike">
+                <a:solidFill>
+                  <a:srgbClr val="ffffff"/>
+                </a:solidFill>
+                <a:latin typeface="Calibri"/>
+                <a:ea typeface="Calibri"/>
+              </a:rPr>
+              <a:t>0 (499)</a:t>
+            </a:r>
+            <a:endParaRPr b="0" lang="en-US" sz="2800" spc="-1" strike="noStrike">
+              <a:latin typeface="Arial"/>
+            </a:endParaRPr>
+          </a:p>
+          <a:p>
+            <a:pPr lvl="1" marL="864000" indent="-321840">
+              <a:lnSpc>
+                <a:spcPct val="100000"/>
+              </a:lnSpc>
+              <a:spcBef>
+                <a:spcPts val="1134"/>
+              </a:spcBef>
+              <a:buClr>
+                <a:srgbClr val="ffffff"/>
+              </a:buClr>
+              <a:buSzPct val="75000"/>
+              <a:buFont typeface="Symbol"/>
+              <a:buChar char=""/>
+            </a:pPr>
+            <a:r>
+              <a:rPr b="0" lang="en-US" sz="2800" spc="-1" strike="noStrike">
+                <a:solidFill>
+                  <a:srgbClr val="ffffff"/>
+                </a:solidFill>
+                <a:latin typeface="Calibri"/>
+                <a:ea typeface="Calibri"/>
+              </a:rPr>
+              <a:t>1 (137)</a:t>
+            </a:r>
+            <a:endParaRPr b="0" lang="en-US" sz="2800" spc="-1" strike="noStrike">
+              <a:latin typeface="Arial"/>
+            </a:endParaRPr>
+          </a:p>
+          <a:p>
+            <a:pPr marL="228600" indent="-226080">
+              <a:lnSpc>
+                <a:spcPct val="100000"/>
+              </a:lnSpc>
+              <a:spcBef>
+                <a:spcPts val="1414"/>
+              </a:spcBef>
+              <a:buClr>
+                <a:srgbClr val="ffffff"/>
+              </a:buClr>
+              <a:buFont typeface="Arial"/>
+              <a:buChar char="•"/>
+            </a:pPr>
+            <a:r>
+              <a:rPr b="0" lang="en-US" sz="2800" spc="-1" strike="noStrike">
+                <a:solidFill>
+                  <a:srgbClr val="ffffff"/>
+                </a:solidFill>
+                <a:latin typeface="Calibri"/>
+                <a:ea typeface="Calibri"/>
+              </a:rPr>
+              <a:t>Value counts (after)</a:t>
+            </a:r>
+            <a:endParaRPr b="0" lang="en-US" sz="2800" spc="-1" strike="noStrike">
+              <a:latin typeface="Arial"/>
+            </a:endParaRPr>
+          </a:p>
+          <a:p>
+            <a:pPr lvl="1" marL="864000" indent="-321840">
+              <a:lnSpc>
+                <a:spcPct val="100000"/>
+              </a:lnSpc>
+              <a:spcBef>
+                <a:spcPts val="1134"/>
+              </a:spcBef>
+              <a:buClr>
+                <a:srgbClr val="ffffff"/>
+              </a:buClr>
+              <a:buSzPct val="75000"/>
+              <a:buFont typeface="Symbol"/>
+              <a:buChar char=""/>
+            </a:pPr>
+            <a:r>
+              <a:rPr b="0" lang="en-US" sz="2800" spc="-1" strike="noStrike">
+                <a:solidFill>
+                  <a:srgbClr val="ffffff"/>
+                </a:solidFill>
+                <a:latin typeface="Calibri"/>
+                <a:ea typeface="Calibri"/>
+              </a:rPr>
+              <a:t>0 (499)</a:t>
+            </a:r>
+            <a:endParaRPr b="0" lang="en-US" sz="2800" spc="-1" strike="noStrike">
+              <a:latin typeface="Arial"/>
+            </a:endParaRPr>
+          </a:p>
+          <a:p>
+            <a:pPr lvl="1" marL="864000" indent="-321840">
+              <a:lnSpc>
+                <a:spcPct val="100000"/>
+              </a:lnSpc>
+              <a:spcBef>
+                <a:spcPts val="1134"/>
+              </a:spcBef>
+              <a:buClr>
+                <a:srgbClr val="ffffff"/>
+              </a:buClr>
+              <a:buSzPct val="75000"/>
+              <a:buFont typeface="Symbol"/>
+              <a:buChar char=""/>
+            </a:pPr>
+            <a:r>
+              <a:rPr b="0" lang="en-US" sz="2800" spc="-1" strike="noStrike">
+                <a:solidFill>
+                  <a:srgbClr val="ffffff"/>
+                </a:solidFill>
+                <a:latin typeface="Calibri"/>
+                <a:ea typeface="Calibri"/>
+              </a:rPr>
+              <a:t>1 (499)</a:t>
+            </a:r>
+            <a:endParaRPr b="0" lang="en-US" sz="2800" spc="-1" strike="noStrike">
+              <a:latin typeface="Arial"/>
+            </a:endParaRPr>
+          </a:p>
+        </p:txBody>
+      </p:sp>
+    </p:spTree>
+  </p:cSld>
+  <mc:AlternateContent>
+    <mc:Choice Requires="p14">
+      <p:transition spd="slow" p14:dur="2000"/>
+    </mc:Choice>
+    <mc:Fallback>
+      <p:transition spd="slow"/>
+    </mc:Fallback>
+  </mc:AlternateContent>
+</p:sld>
+</file>
+
+<file path=ppt/slides/slide33.xml><?xml version="1.0" encoding="utf-8"?>
 <p:sld xmlns:a="http://schemas.openxmlformats.org/drawingml/2006/main" xmlns:p="http://schemas.openxmlformats.org/presentationml/2006/main" xmlns:r="http://schemas.openxmlformats.org/officeDocument/2006/relationships" xmlns:p14="http://schemas.microsoft.com/office/powerpoint/2010/main" xmlns:p15="http://schemas.microsoft.com/office/powerpoint/2012/main" xmlns:mc="http://schemas.openxmlformats.org/markup-compatibility/2006">
   <p:cSld>
     <p:bg>
@@ -19522,14 +19653,14 @@
       </p:grpSpPr>
       <p:sp>
         <p:nvSpPr>
-          <p:cNvPr id="154" name="CustomShape 1"/>
+          <p:cNvPr id="157" name="CustomShape 1"/>
           <p:cNvSpPr/>
           <p:nvPr/>
         </p:nvSpPr>
         <p:spPr>
           <a:xfrm>
             <a:off x="0" y="0"/>
-            <a:ext cx="12190680" cy="6856560"/>
+            <a:ext cx="12189600" cy="6855480"/>
           </a:xfrm>
           <a:prstGeom prst="rect">
             <a:avLst/>
@@ -19558,14 +19689,14 @@
       </p:sp>
       <p:sp>
         <p:nvSpPr>
-          <p:cNvPr id="155" name="CustomShape 2"/>
+          <p:cNvPr id="158" name="CustomShape 2"/>
           <p:cNvSpPr/>
           <p:nvPr/>
         </p:nvSpPr>
         <p:spPr>
           <a:xfrm>
             <a:off x="0" y="0"/>
-            <a:ext cx="12190680" cy="6856560"/>
+            <a:ext cx="12189600" cy="6855480"/>
           </a:xfrm>
           <a:prstGeom prst="rect">
             <a:avLst/>
@@ -19602,14 +19733,14 @@
       </p:sp>
       <p:sp>
         <p:nvSpPr>
-          <p:cNvPr id="156" name="CustomShape 3"/>
+          <p:cNvPr id="159" name="CustomShape 3"/>
           <p:cNvSpPr/>
           <p:nvPr/>
         </p:nvSpPr>
         <p:spPr>
           <a:xfrm>
             <a:off x="1256400" y="3655440"/>
-            <a:ext cx="9677880" cy="1461600"/>
+            <a:ext cx="9676800" cy="1460520"/>
           </a:xfrm>
           <a:prstGeom prst="rect">
             <a:avLst/>
@@ -19653,975 +19784,7 @@
       </p:sp>
       <p:pic>
         <p:nvPicPr>
-          <p:cNvPr id="157" name="Picture 2" descr="Graphical user interface, text, application&#10;&#10;Description automatically generated"/>
-          <p:cNvPicPr/>
-          <p:nvPr/>
-        </p:nvPicPr>
-        <p:blipFill>
-          <a:blip r:embed="rId1"/>
-          <a:stretch/>
-        </p:blipFill>
-        <p:spPr>
-          <a:xfrm>
-            <a:off x="568080" y="1495800"/>
-            <a:ext cx="10958760" cy="1732320"/>
-          </a:xfrm>
-          <a:prstGeom prst="rect">
-            <a:avLst/>
-          </a:prstGeom>
-          <a:ln>
-            <a:noFill/>
-          </a:ln>
-        </p:spPr>
-      </p:pic>
-    </p:spTree>
-  </p:cSld>
-  <mc:AlternateContent>
-    <mc:Choice Requires="p14">
-      <p:transition spd="slow" p14:dur="2000"/>
-    </mc:Choice>
-    <mc:Fallback>
-      <p:transition spd="slow"/>
-    </mc:Fallback>
-  </mc:AlternateContent>
-</p:sld>
-</file>
-
-<file path=ppt/slides/slide32.xml><?xml version="1.0" encoding="utf-8"?>
-<p:sld xmlns:a="http://schemas.openxmlformats.org/drawingml/2006/main" xmlns:p="http://schemas.openxmlformats.org/presentationml/2006/main" xmlns:r="http://schemas.openxmlformats.org/officeDocument/2006/relationships" xmlns:p14="http://schemas.microsoft.com/office/powerpoint/2010/main" xmlns:p15="http://schemas.microsoft.com/office/powerpoint/2012/main" xmlns:mc="http://schemas.openxmlformats.org/markup-compatibility/2006">
-  <p:cSld>
-    <p:spTree>
-      <p:nvGrpSpPr>
-        <p:cNvPr id="1" name=""/>
-        <p:cNvGrpSpPr/>
-        <p:nvPr/>
-      </p:nvGrpSpPr>
-      <p:grpSpPr>
-        <a:xfrm>
-          <a:off x="0" y="0"/>
-          <a:ext cx="0" cy="0"/>
-          <a:chOff x="0" y="0"/>
-          <a:chExt cx="0" cy="0"/>
-        </a:xfrm>
-      </p:grpSpPr>
-      <p:sp>
-        <p:nvSpPr>
-          <p:cNvPr id="158" name="CustomShape 1"/>
-          <p:cNvSpPr/>
-          <p:nvPr/>
-        </p:nvSpPr>
-        <p:spPr>
-          <a:xfrm>
-            <a:off x="838080" y="365040"/>
-            <a:ext cx="10514160" cy="6126120"/>
-          </a:xfrm>
-          <a:prstGeom prst="rect">
-            <a:avLst/>
-          </a:prstGeom>
-          <a:noFill/>
-          <a:ln>
-            <a:noFill/>
-          </a:ln>
-        </p:spPr>
-        <p:style>
-          <a:lnRef idx="0"/>
-          <a:fillRef idx="0"/>
-          <a:effectRef idx="0"/>
-          <a:fontRef idx="minor"/>
-        </p:style>
-        <p:txBody>
-          <a:bodyPr lIns="0" rIns="0" tIns="0" bIns="0" anchor="ctr">
-            <a:noAutofit/>
-          </a:bodyPr>
-          <a:p>
-            <a:pPr algn="ctr">
-              <a:lnSpc>
-                <a:spcPct val="100000"/>
-              </a:lnSpc>
-              <a:tabLst>
-                <a:tab algn="l" pos="408240"/>
-              </a:tabLst>
-            </a:pPr>
-            <a:r>
-              <a:rPr b="1" lang="en-US" sz="4400" spc="-1" strike="noStrike">
-                <a:solidFill>
-                  <a:srgbClr val="ffffff"/>
-                </a:solidFill>
-                <a:latin typeface="Calibri"/>
-                <a:ea typeface="DejaVu Sans"/>
-              </a:rPr>
-              <a:t>Data Augmentation</a:t>
-            </a:r>
-            <a:br/>
-            <a:r>
-              <a:rPr b="0" lang="en-US" sz="4400" spc="-1" strike="noStrike">
-                <a:solidFill>
-                  <a:srgbClr val="ffffff"/>
-                </a:solidFill>
-                <a:latin typeface="Calibri"/>
-                <a:ea typeface="DejaVu Sans"/>
-              </a:rPr>
-              <a:t>Binary Targets</a:t>
-            </a:r>
-            <a:endParaRPr b="0" lang="en-US" sz="4400" spc="-1" strike="noStrike">
-              <a:latin typeface="Arial"/>
-            </a:endParaRPr>
-          </a:p>
-        </p:txBody>
-      </p:sp>
-    </p:spTree>
-  </p:cSld>
-  <mc:AlternateContent>
-    <mc:Choice Requires="p14">
-      <p:transition spd="slow" p14:dur="2000"/>
-    </mc:Choice>
-    <mc:Fallback>
-      <p:transition spd="slow"/>
-    </mc:Fallback>
-  </mc:AlternateContent>
-</p:sld>
-</file>
-
-<file path=ppt/slides/slide33.xml><?xml version="1.0" encoding="utf-8"?>
-<p:sld xmlns:a="http://schemas.openxmlformats.org/drawingml/2006/main" xmlns:p="http://schemas.openxmlformats.org/presentationml/2006/main" xmlns:r="http://schemas.openxmlformats.org/officeDocument/2006/relationships" xmlns:p14="http://schemas.microsoft.com/office/powerpoint/2010/main" xmlns:p15="http://schemas.microsoft.com/office/powerpoint/2012/main" xmlns:mc="http://schemas.openxmlformats.org/markup-compatibility/2006">
-  <p:cSld>
-    <p:spTree>
-      <p:nvGrpSpPr>
-        <p:cNvPr id="1" name=""/>
-        <p:cNvGrpSpPr/>
-        <p:nvPr/>
-      </p:nvGrpSpPr>
-      <p:grpSpPr>
-        <a:xfrm>
-          <a:off x="0" y="0"/>
-          <a:ext cx="0" cy="0"/>
-          <a:chOff x="0" y="0"/>
-          <a:chExt cx="0" cy="0"/>
-        </a:xfrm>
-      </p:grpSpPr>
-      <p:sp>
-        <p:nvSpPr>
-          <p:cNvPr id="159" name="CustomShape 1"/>
-          <p:cNvSpPr/>
-          <p:nvPr/>
-        </p:nvSpPr>
-        <p:spPr>
-          <a:xfrm>
-            <a:off x="838080" y="365040"/>
-            <a:ext cx="10514160" cy="1324080"/>
-          </a:xfrm>
-          <a:prstGeom prst="rect">
-            <a:avLst/>
-          </a:prstGeom>
-          <a:noFill/>
-          <a:ln>
-            <a:noFill/>
-          </a:ln>
-        </p:spPr>
-        <p:style>
-          <a:lnRef idx="0"/>
-          <a:fillRef idx="0"/>
-          <a:effectRef idx="0"/>
-          <a:fontRef idx="minor"/>
-        </p:style>
-        <p:txBody>
-          <a:bodyPr lIns="90000" rIns="90000" tIns="45000" bIns="45000" anchor="ctr">
-            <a:noAutofit/>
-          </a:bodyPr>
-          <a:p>
-            <a:pPr>
-              <a:lnSpc>
-                <a:spcPct val="90000"/>
-              </a:lnSpc>
-            </a:pPr>
-            <a:r>
-              <a:rPr b="0" lang="en-US" sz="4400" spc="-1" strike="noStrike">
-                <a:solidFill>
-                  <a:srgbClr val="ffffff"/>
-                </a:solidFill>
-                <a:latin typeface="Calibri Light"/>
-                <a:ea typeface="DejaVu Sans"/>
-              </a:rPr>
-              <a:t>BloodPressure prediction</a:t>
-            </a:r>
-            <a:endParaRPr b="0" lang="en-US" sz="4400" spc="-1" strike="noStrike">
-              <a:latin typeface="Arial"/>
-            </a:endParaRPr>
-          </a:p>
-        </p:txBody>
-      </p:sp>
-      <p:sp>
-        <p:nvSpPr>
-          <p:cNvPr id="160" name="CustomShape 2"/>
-          <p:cNvSpPr/>
-          <p:nvPr/>
-        </p:nvSpPr>
-        <p:spPr>
-          <a:xfrm>
-            <a:off x="838080" y="1825560"/>
-            <a:ext cx="10514160" cy="4349880"/>
-          </a:xfrm>
-          <a:prstGeom prst="rect">
-            <a:avLst/>
-          </a:prstGeom>
-          <a:noFill/>
-          <a:ln>
-            <a:noFill/>
-          </a:ln>
-        </p:spPr>
-        <p:style>
-          <a:lnRef idx="0"/>
-          <a:fillRef idx="0"/>
-          <a:effectRef idx="0"/>
-          <a:fontRef idx="minor"/>
-        </p:style>
-        <p:txBody>
-          <a:bodyPr lIns="90000" rIns="90000" tIns="45000" bIns="45000">
-            <a:normAutofit fontScale="97000"/>
-          </a:bodyPr>
-          <a:p>
-            <a:pPr marL="228600" indent="-227160">
-              <a:lnSpc>
-                <a:spcPct val="90000"/>
-              </a:lnSpc>
-              <a:spcBef>
-                <a:spcPts val="1001"/>
-              </a:spcBef>
-              <a:buClr>
-                <a:srgbClr val="ffffff"/>
-              </a:buClr>
-              <a:buFont typeface="Arial"/>
-              <a:buChar char="•"/>
-            </a:pPr>
-            <a:r>
-              <a:rPr b="0" lang="en-US" sz="2800" spc="-1" strike="noStrike">
-                <a:solidFill>
-                  <a:srgbClr val="ffffff"/>
-                </a:solidFill>
-                <a:latin typeface="Calibri"/>
-                <a:ea typeface="Calibri"/>
-              </a:rPr>
-              <a:t>Technique</a:t>
-            </a:r>
-            <a:endParaRPr b="0" lang="en-US" sz="2800" spc="-1" strike="noStrike">
-              <a:latin typeface="Arial"/>
-            </a:endParaRPr>
-          </a:p>
-          <a:p>
-            <a:pPr lvl="1" marL="864000" indent="-322920">
-              <a:lnSpc>
-                <a:spcPct val="100000"/>
-              </a:lnSpc>
-              <a:spcBef>
-                <a:spcPts val="1134"/>
-              </a:spcBef>
-              <a:buClr>
-                <a:srgbClr val="ffffff"/>
-              </a:buClr>
-              <a:buSzPct val="75000"/>
-              <a:buFont typeface="Symbol"/>
-              <a:buChar char=""/>
-            </a:pPr>
-            <a:r>
-              <a:rPr b="0" lang="en-US" sz="2800" spc="-1" strike="noStrike">
-                <a:solidFill>
-                  <a:srgbClr val="ffffff"/>
-                </a:solidFill>
-                <a:latin typeface="Calibri"/>
-                <a:ea typeface="Calibri"/>
-              </a:rPr>
-              <a:t>SMOTE</a:t>
-            </a:r>
-            <a:endParaRPr b="0" lang="en-US" sz="2800" spc="-1" strike="noStrike">
-              <a:latin typeface="Arial"/>
-            </a:endParaRPr>
-          </a:p>
-          <a:p>
-            <a:pPr marL="228600" indent="-227160">
-              <a:lnSpc>
-                <a:spcPct val="100000"/>
-              </a:lnSpc>
-              <a:spcBef>
-                <a:spcPts val="1414"/>
-              </a:spcBef>
-              <a:buClr>
-                <a:srgbClr val="ffffff"/>
-              </a:buClr>
-              <a:buFont typeface="Arial"/>
-              <a:buChar char="•"/>
-            </a:pPr>
-            <a:r>
-              <a:rPr b="0" lang="en-US" sz="2800" spc="-1" strike="noStrike">
-                <a:solidFill>
-                  <a:srgbClr val="ffffff"/>
-                </a:solidFill>
-                <a:latin typeface="Calibri"/>
-                <a:ea typeface="Calibri"/>
-              </a:rPr>
-              <a:t>Value counts (before)</a:t>
-            </a:r>
-            <a:endParaRPr b="0" lang="en-US" sz="2800" spc="-1" strike="noStrike">
-              <a:latin typeface="Arial"/>
-            </a:endParaRPr>
-          </a:p>
-          <a:p>
-            <a:pPr lvl="1" marL="864000" indent="-322920">
-              <a:lnSpc>
-                <a:spcPct val="100000"/>
-              </a:lnSpc>
-              <a:spcBef>
-                <a:spcPts val="1134"/>
-              </a:spcBef>
-              <a:buClr>
-                <a:srgbClr val="ffffff"/>
-              </a:buClr>
-              <a:buSzPct val="75000"/>
-              <a:buFont typeface="Symbol"/>
-              <a:buChar char=""/>
-            </a:pPr>
-            <a:r>
-              <a:rPr b="0" lang="en-US" sz="2800" spc="-1" strike="noStrike">
-                <a:solidFill>
-                  <a:srgbClr val="ffffff"/>
-                </a:solidFill>
-                <a:latin typeface="Calibri"/>
-                <a:ea typeface="Calibri"/>
-              </a:rPr>
-              <a:t>0 (504)</a:t>
-            </a:r>
-            <a:endParaRPr b="0" lang="en-US" sz="2800" spc="-1" strike="noStrike">
-              <a:latin typeface="Arial"/>
-            </a:endParaRPr>
-          </a:p>
-          <a:p>
-            <a:pPr lvl="1" marL="864000" indent="-322920">
-              <a:lnSpc>
-                <a:spcPct val="100000"/>
-              </a:lnSpc>
-              <a:spcBef>
-                <a:spcPts val="1134"/>
-              </a:spcBef>
-              <a:buClr>
-                <a:srgbClr val="ffffff"/>
-              </a:buClr>
-              <a:buSzPct val="75000"/>
-              <a:buFont typeface="Symbol"/>
-              <a:buChar char=""/>
-            </a:pPr>
-            <a:r>
-              <a:rPr b="0" lang="en-US" sz="2800" spc="-1" strike="noStrike">
-                <a:solidFill>
-                  <a:srgbClr val="ffffff"/>
-                </a:solidFill>
-                <a:latin typeface="Calibri"/>
-                <a:ea typeface="Calibri"/>
-              </a:rPr>
-              <a:t>1 (132)</a:t>
-            </a:r>
-            <a:endParaRPr b="0" lang="en-US" sz="2800" spc="-1" strike="noStrike">
-              <a:latin typeface="Arial"/>
-            </a:endParaRPr>
-          </a:p>
-          <a:p>
-            <a:pPr marL="228600" indent="-227160">
-              <a:lnSpc>
-                <a:spcPct val="100000"/>
-              </a:lnSpc>
-              <a:spcBef>
-                <a:spcPts val="1414"/>
-              </a:spcBef>
-              <a:buClr>
-                <a:srgbClr val="ffffff"/>
-              </a:buClr>
-              <a:buFont typeface="Arial"/>
-              <a:buChar char="•"/>
-            </a:pPr>
-            <a:r>
-              <a:rPr b="0" lang="en-US" sz="2800" spc="-1" strike="noStrike">
-                <a:solidFill>
-                  <a:srgbClr val="ffffff"/>
-                </a:solidFill>
-                <a:latin typeface="Calibri"/>
-                <a:ea typeface="Calibri"/>
-              </a:rPr>
-              <a:t>Value counts (after)</a:t>
-            </a:r>
-            <a:endParaRPr b="0" lang="en-US" sz="2800" spc="-1" strike="noStrike">
-              <a:latin typeface="Arial"/>
-            </a:endParaRPr>
-          </a:p>
-          <a:p>
-            <a:pPr lvl="1" marL="864000" indent="-322920">
-              <a:lnSpc>
-                <a:spcPct val="100000"/>
-              </a:lnSpc>
-              <a:spcBef>
-                <a:spcPts val="1134"/>
-              </a:spcBef>
-              <a:buClr>
-                <a:srgbClr val="ffffff"/>
-              </a:buClr>
-              <a:buSzPct val="75000"/>
-              <a:buFont typeface="Symbol"/>
-              <a:buChar char=""/>
-            </a:pPr>
-            <a:r>
-              <a:rPr b="0" lang="en-US" sz="2800" spc="-1" strike="noStrike">
-                <a:solidFill>
-                  <a:srgbClr val="ffffff"/>
-                </a:solidFill>
-                <a:latin typeface="Calibri"/>
-                <a:ea typeface="Calibri"/>
-              </a:rPr>
-              <a:t>0 (504)</a:t>
-            </a:r>
-            <a:endParaRPr b="0" lang="en-US" sz="2800" spc="-1" strike="noStrike">
-              <a:latin typeface="Arial"/>
-            </a:endParaRPr>
-          </a:p>
-          <a:p>
-            <a:pPr lvl="1" marL="864000" indent="-322920">
-              <a:lnSpc>
-                <a:spcPct val="100000"/>
-              </a:lnSpc>
-              <a:spcBef>
-                <a:spcPts val="1134"/>
-              </a:spcBef>
-              <a:buClr>
-                <a:srgbClr val="ffffff"/>
-              </a:buClr>
-              <a:buSzPct val="75000"/>
-              <a:buFont typeface="Symbol"/>
-              <a:buChar char=""/>
-            </a:pPr>
-            <a:r>
-              <a:rPr b="0" lang="en-US" sz="2800" spc="-1" strike="noStrike">
-                <a:solidFill>
-                  <a:srgbClr val="ffffff"/>
-                </a:solidFill>
-                <a:latin typeface="Calibri"/>
-                <a:ea typeface="Calibri"/>
-              </a:rPr>
-              <a:t>1 (504)</a:t>
-            </a:r>
-            <a:endParaRPr b="0" lang="en-US" sz="2800" spc="-1" strike="noStrike">
-              <a:latin typeface="Arial"/>
-            </a:endParaRPr>
-          </a:p>
-        </p:txBody>
-      </p:sp>
-    </p:spTree>
-  </p:cSld>
-  <mc:AlternateContent>
-    <mc:Choice Requires="p14">
-      <p:transition spd="slow" p14:dur="2000"/>
-    </mc:Choice>
-    <mc:Fallback>
-      <p:transition spd="slow"/>
-    </mc:Fallback>
-  </mc:AlternateContent>
-</p:sld>
-</file>
-
-<file path=ppt/slides/slide34.xml><?xml version="1.0" encoding="utf-8"?>
-<p:sld xmlns:a="http://schemas.openxmlformats.org/drawingml/2006/main" xmlns:p="http://schemas.openxmlformats.org/presentationml/2006/main" xmlns:r="http://schemas.openxmlformats.org/officeDocument/2006/relationships" xmlns:p14="http://schemas.microsoft.com/office/powerpoint/2010/main" xmlns:p15="http://schemas.microsoft.com/office/powerpoint/2012/main" xmlns:mc="http://schemas.openxmlformats.org/markup-compatibility/2006">
-  <p:cSld>
-    <p:spTree>
-      <p:nvGrpSpPr>
-        <p:cNvPr id="1" name=""/>
-        <p:cNvGrpSpPr/>
-        <p:nvPr/>
-      </p:nvGrpSpPr>
-      <p:grpSpPr>
-        <a:xfrm>
-          <a:off x="0" y="0"/>
-          <a:ext cx="0" cy="0"/>
-          <a:chOff x="0" y="0"/>
-          <a:chExt cx="0" cy="0"/>
-        </a:xfrm>
-      </p:grpSpPr>
-      <p:sp>
-        <p:nvSpPr>
-          <p:cNvPr id="161" name="CustomShape 1"/>
-          <p:cNvSpPr/>
-          <p:nvPr/>
-        </p:nvSpPr>
-        <p:spPr>
-          <a:xfrm>
-            <a:off x="838080" y="365040"/>
-            <a:ext cx="10514160" cy="1324080"/>
-          </a:xfrm>
-          <a:prstGeom prst="rect">
-            <a:avLst/>
-          </a:prstGeom>
-          <a:noFill/>
-          <a:ln>
-            <a:noFill/>
-          </a:ln>
-        </p:spPr>
-        <p:style>
-          <a:lnRef idx="0"/>
-          <a:fillRef idx="0"/>
-          <a:effectRef idx="0"/>
-          <a:fontRef idx="minor"/>
-        </p:style>
-        <p:txBody>
-          <a:bodyPr lIns="90000" rIns="90000" tIns="45000" bIns="45000" anchor="ctr">
-            <a:noAutofit/>
-          </a:bodyPr>
-          <a:p>
-            <a:pPr>
-              <a:lnSpc>
-                <a:spcPct val="90000"/>
-              </a:lnSpc>
-            </a:pPr>
-            <a:r>
-              <a:rPr b="0" lang="en-US" sz="4400" spc="-1" strike="noStrike">
-                <a:solidFill>
-                  <a:srgbClr val="ffffff"/>
-                </a:solidFill>
-                <a:latin typeface="Calibri Light"/>
-                <a:ea typeface="DejaVu Sans"/>
-              </a:rPr>
-              <a:t>Glucose prediction</a:t>
-            </a:r>
-            <a:endParaRPr b="0" lang="en-US" sz="4400" spc="-1" strike="noStrike">
-              <a:latin typeface="Arial"/>
-            </a:endParaRPr>
-          </a:p>
-        </p:txBody>
-      </p:sp>
-      <p:sp>
-        <p:nvSpPr>
-          <p:cNvPr id="162" name="CustomShape 2"/>
-          <p:cNvSpPr/>
-          <p:nvPr/>
-        </p:nvSpPr>
-        <p:spPr>
-          <a:xfrm>
-            <a:off x="838080" y="1825560"/>
-            <a:ext cx="10514160" cy="4349880"/>
-          </a:xfrm>
-          <a:prstGeom prst="rect">
-            <a:avLst/>
-          </a:prstGeom>
-          <a:noFill/>
-          <a:ln>
-            <a:noFill/>
-          </a:ln>
-        </p:spPr>
-        <p:style>
-          <a:lnRef idx="0"/>
-          <a:fillRef idx="0"/>
-          <a:effectRef idx="0"/>
-          <a:fontRef idx="minor"/>
-        </p:style>
-        <p:txBody>
-          <a:bodyPr lIns="90000" rIns="90000" tIns="45000" bIns="45000">
-            <a:normAutofit fontScale="97000"/>
-          </a:bodyPr>
-          <a:p>
-            <a:pPr marL="228600" indent="-227160">
-              <a:lnSpc>
-                <a:spcPct val="90000"/>
-              </a:lnSpc>
-              <a:spcBef>
-                <a:spcPts val="1001"/>
-              </a:spcBef>
-              <a:buClr>
-                <a:srgbClr val="ffffff"/>
-              </a:buClr>
-              <a:buFont typeface="Arial"/>
-              <a:buChar char="•"/>
-            </a:pPr>
-            <a:r>
-              <a:rPr b="0" lang="en-US" sz="2800" spc="-1" strike="noStrike">
-                <a:solidFill>
-                  <a:srgbClr val="ffffff"/>
-                </a:solidFill>
-                <a:latin typeface="Calibri"/>
-                <a:ea typeface="Calibri"/>
-              </a:rPr>
-              <a:t>Technique</a:t>
-            </a:r>
-            <a:endParaRPr b="0" lang="en-US" sz="2800" spc="-1" strike="noStrike">
-              <a:latin typeface="Arial"/>
-            </a:endParaRPr>
-          </a:p>
-          <a:p>
-            <a:pPr lvl="1" marL="864000" indent="-322920">
-              <a:lnSpc>
-                <a:spcPct val="100000"/>
-              </a:lnSpc>
-              <a:spcBef>
-                <a:spcPts val="1134"/>
-              </a:spcBef>
-              <a:buClr>
-                <a:srgbClr val="ffffff"/>
-              </a:buClr>
-              <a:buSzPct val="75000"/>
-              <a:buFont typeface="Symbol"/>
-              <a:buChar char=""/>
-            </a:pPr>
-            <a:r>
-              <a:rPr b="0" lang="en-US" sz="2800" spc="-1" strike="noStrike">
-                <a:solidFill>
-                  <a:srgbClr val="ffffff"/>
-                </a:solidFill>
-                <a:latin typeface="Calibri"/>
-                <a:ea typeface="Calibri"/>
-              </a:rPr>
-              <a:t>SMOTE</a:t>
-            </a:r>
-            <a:endParaRPr b="0" lang="en-US" sz="2800" spc="-1" strike="noStrike">
-              <a:latin typeface="Arial"/>
-            </a:endParaRPr>
-          </a:p>
-          <a:p>
-            <a:pPr marL="228600" indent="-227160">
-              <a:lnSpc>
-                <a:spcPct val="100000"/>
-              </a:lnSpc>
-              <a:spcBef>
-                <a:spcPts val="1414"/>
-              </a:spcBef>
-              <a:buClr>
-                <a:srgbClr val="ffffff"/>
-              </a:buClr>
-              <a:buFont typeface="Arial"/>
-              <a:buChar char="•"/>
-            </a:pPr>
-            <a:r>
-              <a:rPr b="0" lang="en-US" sz="2800" spc="-1" strike="noStrike">
-                <a:solidFill>
-                  <a:srgbClr val="ffffff"/>
-                </a:solidFill>
-                <a:latin typeface="Calibri"/>
-                <a:ea typeface="Calibri"/>
-              </a:rPr>
-              <a:t>Value counts (before)</a:t>
-            </a:r>
-            <a:endParaRPr b="0" lang="en-US" sz="2800" spc="-1" strike="noStrike">
-              <a:latin typeface="Arial"/>
-            </a:endParaRPr>
-          </a:p>
-          <a:p>
-            <a:pPr lvl="1" marL="864000" indent="-322920">
-              <a:lnSpc>
-                <a:spcPct val="100000"/>
-              </a:lnSpc>
-              <a:spcBef>
-                <a:spcPts val="1134"/>
-              </a:spcBef>
-              <a:buClr>
-                <a:srgbClr val="ffffff"/>
-              </a:buClr>
-              <a:buSzPct val="75000"/>
-              <a:buFont typeface="Symbol"/>
-              <a:buChar char=""/>
-            </a:pPr>
-            <a:r>
-              <a:rPr b="0" lang="en-US" sz="2800" spc="-1" strike="noStrike">
-                <a:solidFill>
-                  <a:srgbClr val="ffffff"/>
-                </a:solidFill>
-                <a:latin typeface="Calibri"/>
-                <a:ea typeface="Calibri"/>
-              </a:rPr>
-              <a:t>0 (499)</a:t>
-            </a:r>
-            <a:endParaRPr b="0" lang="en-US" sz="2800" spc="-1" strike="noStrike">
-              <a:latin typeface="Arial"/>
-            </a:endParaRPr>
-          </a:p>
-          <a:p>
-            <a:pPr lvl="1" marL="864000" indent="-322920">
-              <a:lnSpc>
-                <a:spcPct val="100000"/>
-              </a:lnSpc>
-              <a:spcBef>
-                <a:spcPts val="1134"/>
-              </a:spcBef>
-              <a:buClr>
-                <a:srgbClr val="ffffff"/>
-              </a:buClr>
-              <a:buSzPct val="75000"/>
-              <a:buFont typeface="Symbol"/>
-              <a:buChar char=""/>
-            </a:pPr>
-            <a:r>
-              <a:rPr b="0" lang="en-US" sz="2800" spc="-1" strike="noStrike">
-                <a:solidFill>
-                  <a:srgbClr val="ffffff"/>
-                </a:solidFill>
-                <a:latin typeface="Calibri"/>
-                <a:ea typeface="Calibri"/>
-              </a:rPr>
-              <a:t>1 (137)</a:t>
-            </a:r>
-            <a:endParaRPr b="0" lang="en-US" sz="2800" spc="-1" strike="noStrike">
-              <a:latin typeface="Arial"/>
-            </a:endParaRPr>
-          </a:p>
-          <a:p>
-            <a:pPr marL="228600" indent="-227160">
-              <a:lnSpc>
-                <a:spcPct val="100000"/>
-              </a:lnSpc>
-              <a:spcBef>
-                <a:spcPts val="1414"/>
-              </a:spcBef>
-              <a:buClr>
-                <a:srgbClr val="ffffff"/>
-              </a:buClr>
-              <a:buFont typeface="Arial"/>
-              <a:buChar char="•"/>
-            </a:pPr>
-            <a:r>
-              <a:rPr b="0" lang="en-US" sz="2800" spc="-1" strike="noStrike">
-                <a:solidFill>
-                  <a:srgbClr val="ffffff"/>
-                </a:solidFill>
-                <a:latin typeface="Calibri"/>
-                <a:ea typeface="Calibri"/>
-              </a:rPr>
-              <a:t>Value counts (after)</a:t>
-            </a:r>
-            <a:endParaRPr b="0" lang="en-US" sz="2800" spc="-1" strike="noStrike">
-              <a:latin typeface="Arial"/>
-            </a:endParaRPr>
-          </a:p>
-          <a:p>
-            <a:pPr lvl="1" marL="864000" indent="-322920">
-              <a:lnSpc>
-                <a:spcPct val="100000"/>
-              </a:lnSpc>
-              <a:spcBef>
-                <a:spcPts val="1134"/>
-              </a:spcBef>
-              <a:buClr>
-                <a:srgbClr val="ffffff"/>
-              </a:buClr>
-              <a:buSzPct val="75000"/>
-              <a:buFont typeface="Symbol"/>
-              <a:buChar char=""/>
-            </a:pPr>
-            <a:r>
-              <a:rPr b="0" lang="en-US" sz="2800" spc="-1" strike="noStrike">
-                <a:solidFill>
-                  <a:srgbClr val="ffffff"/>
-                </a:solidFill>
-                <a:latin typeface="Calibri"/>
-                <a:ea typeface="Calibri"/>
-              </a:rPr>
-              <a:t>0 (499)</a:t>
-            </a:r>
-            <a:endParaRPr b="0" lang="en-US" sz="2800" spc="-1" strike="noStrike">
-              <a:latin typeface="Arial"/>
-            </a:endParaRPr>
-          </a:p>
-          <a:p>
-            <a:pPr lvl="1" marL="864000" indent="-322920">
-              <a:lnSpc>
-                <a:spcPct val="100000"/>
-              </a:lnSpc>
-              <a:spcBef>
-                <a:spcPts val="1134"/>
-              </a:spcBef>
-              <a:buClr>
-                <a:srgbClr val="ffffff"/>
-              </a:buClr>
-              <a:buSzPct val="75000"/>
-              <a:buFont typeface="Symbol"/>
-              <a:buChar char=""/>
-            </a:pPr>
-            <a:r>
-              <a:rPr b="0" lang="en-US" sz="2800" spc="-1" strike="noStrike">
-                <a:solidFill>
-                  <a:srgbClr val="ffffff"/>
-                </a:solidFill>
-                <a:latin typeface="Calibri"/>
-                <a:ea typeface="Calibri"/>
-              </a:rPr>
-              <a:t>1 (499)</a:t>
-            </a:r>
-            <a:endParaRPr b="0" lang="en-US" sz="2800" spc="-1" strike="noStrike">
-              <a:latin typeface="Arial"/>
-            </a:endParaRPr>
-          </a:p>
-        </p:txBody>
-      </p:sp>
-    </p:spTree>
-  </p:cSld>
-  <mc:AlternateContent>
-    <mc:Choice Requires="p14">
-      <p:transition spd="slow" p14:dur="2000"/>
-    </mc:Choice>
-    <mc:Fallback>
-      <p:transition spd="slow"/>
-    </mc:Fallback>
-  </mc:AlternateContent>
-</p:sld>
-</file>
-
-<file path=ppt/slides/slide35.xml><?xml version="1.0" encoding="utf-8"?>
-<p:sld xmlns:a="http://schemas.openxmlformats.org/drawingml/2006/main" xmlns:p="http://schemas.openxmlformats.org/presentationml/2006/main" xmlns:r="http://schemas.openxmlformats.org/officeDocument/2006/relationships" xmlns:p14="http://schemas.microsoft.com/office/powerpoint/2010/main" xmlns:p15="http://schemas.microsoft.com/office/powerpoint/2012/main" xmlns:mc="http://schemas.openxmlformats.org/markup-compatibility/2006">
-  <p:cSld>
-    <p:bg>
-      <p:bgPr>
-        <a:solidFill>
-          <a:srgbClr val="000000"/>
-        </a:solidFill>
-      </p:bgPr>
-    </p:bg>
-    <p:spTree>
-      <p:nvGrpSpPr>
-        <p:cNvPr id="1" name=""/>
-        <p:cNvGrpSpPr/>
-        <p:nvPr/>
-      </p:nvGrpSpPr>
-      <p:grpSpPr>
-        <a:xfrm>
-          <a:off x="0" y="0"/>
-          <a:ext cx="0" cy="0"/>
-          <a:chOff x="0" y="0"/>
-          <a:chExt cx="0" cy="0"/>
-        </a:xfrm>
-      </p:grpSpPr>
-      <p:sp>
-        <p:nvSpPr>
-          <p:cNvPr id="163" name="CustomShape 1"/>
-          <p:cNvSpPr/>
-          <p:nvPr/>
-        </p:nvSpPr>
-        <p:spPr>
-          <a:xfrm>
-            <a:off x="0" y="0"/>
-            <a:ext cx="12190680" cy="6856560"/>
-          </a:xfrm>
-          <a:prstGeom prst="rect">
-            <a:avLst/>
-          </a:prstGeom>
-          <a:solidFill>
-            <a:schemeClr val="bg1"/>
-          </a:solidFill>
-          <a:ln>
-            <a:noFill/>
-          </a:ln>
-        </p:spPr>
-        <p:style>
-          <a:lnRef idx="2">
-            <a:schemeClr val="accent1">
-              <a:shade val="50000"/>
-            </a:schemeClr>
-          </a:lnRef>
-          <a:fillRef idx="1">
-            <a:schemeClr val="accent1"/>
-          </a:fillRef>
-          <a:effectRef idx="0">
-            <a:schemeClr val="accent1"/>
-          </a:effectRef>
-          <a:fontRef idx="minor"/>
-        </p:style>
-      </p:sp>
-      <p:sp>
-        <p:nvSpPr>
-          <p:cNvPr id="164" name="CustomShape 2"/>
-          <p:cNvSpPr/>
-          <p:nvPr/>
-        </p:nvSpPr>
-        <p:spPr>
-          <a:xfrm>
-            <a:off x="0" y="0"/>
-            <a:ext cx="12190680" cy="6856560"/>
-          </a:xfrm>
-          <a:prstGeom prst="rect">
-            <a:avLst/>
-          </a:prstGeom>
-          <a:gradFill rotWithShape="0">
-            <a:gsLst>
-              <a:gs pos="0">
-                <a:srgbClr val="29af8c"/>
-              </a:gs>
-              <a:gs pos="100000">
-                <a:srgbClr val="97be49"/>
-              </a:gs>
-            </a:gsLst>
-            <a:lin ang="18900000"/>
-          </a:gradFill>
-          <a:ln>
-            <a:noFill/>
-          </a:ln>
-        </p:spPr>
-        <p:style>
-          <a:lnRef idx="2">
-            <a:schemeClr val="accent1">
-              <a:shade val="50000"/>
-            </a:schemeClr>
-          </a:lnRef>
-          <a:fillRef idx="1">
-            <a:schemeClr val="accent1"/>
-          </a:fillRef>
-          <a:effectRef idx="0">
-            <a:schemeClr val="accent1"/>
-          </a:effectRef>
-          <a:fontRef idx="minor"/>
-        </p:style>
-      </p:sp>
-      <p:sp>
-        <p:nvSpPr>
-          <p:cNvPr id="165" name="CustomShape 3"/>
-          <p:cNvSpPr/>
-          <p:nvPr/>
-        </p:nvSpPr>
-        <p:spPr>
-          <a:xfrm>
-            <a:off x="1256400" y="3655440"/>
-            <a:ext cx="9677880" cy="1461600"/>
-          </a:xfrm>
-          <a:prstGeom prst="rect">
-            <a:avLst/>
-          </a:prstGeom>
-          <a:noFill/>
-          <a:ln>
-            <a:noFill/>
-          </a:ln>
-        </p:spPr>
-        <p:style>
-          <a:lnRef idx="0"/>
-          <a:fillRef idx="0"/>
-          <a:effectRef idx="0"/>
-          <a:fontRef idx="minor"/>
-        </p:style>
-        <p:txBody>
-          <a:bodyPr lIns="90000" rIns="90000" tIns="45000" bIns="45000" anchor="b">
-            <a:normAutofit/>
-          </a:bodyPr>
-          <a:p>
-            <a:pPr>
-              <a:lnSpc>
-                <a:spcPct val="90000"/>
-              </a:lnSpc>
-            </a:pPr>
-            <a:r>
-              <a:rPr b="0" lang="en-US" sz="5600" spc="-1" strike="noStrike">
-                <a:solidFill>
-                  <a:srgbClr val="ffffff"/>
-                </a:solidFill>
-                <a:latin typeface="Calibri Light"/>
-                <a:ea typeface="DejaVu Sans"/>
-              </a:rPr>
-              <a:t>Results</a:t>
-            </a:r>
-            <a:endParaRPr b="0" lang="en-US" sz="5600" spc="-1" strike="noStrike">
-              <a:latin typeface="Arial"/>
-            </a:endParaRPr>
-          </a:p>
-        </p:txBody>
-      </p:sp>
-      <p:pic>
-        <p:nvPicPr>
-          <p:cNvPr id="166" name="Picture 164" descr=""/>
+          <p:cNvPr id="160" name="Picture 164" descr=""/>
           <p:cNvPicPr/>
           <p:nvPr/>
         </p:nvPicPr>
@@ -20632,7 +19795,7 @@
         <p:spPr>
           <a:xfrm>
             <a:off x="365760" y="1463040"/>
-            <a:ext cx="11619720" cy="1828440"/>
+            <a:ext cx="11618640" cy="1827360"/>
           </a:xfrm>
           <a:prstGeom prst="rect">
             <a:avLst/>
@@ -20688,7 +19851,7 @@
         <p:spPr>
           <a:xfrm>
             <a:off x="0" y="0"/>
-            <a:ext cx="12187440" cy="6856560"/>
+            <a:ext cx="12186360" cy="6855480"/>
           </a:xfrm>
           <a:prstGeom prst="rect">
             <a:avLst/>
@@ -20724,7 +19887,7 @@
         <p:spPr>
           <a:xfrm>
             <a:off x="635040" y="640800"/>
-            <a:ext cx="3417120" cy="5581800"/>
+            <a:ext cx="3416040" cy="5580720"/>
           </a:xfrm>
           <a:prstGeom prst="rect">
             <a:avLst/>
@@ -20774,8 +19937,8 @@
         </p:nvSpPr>
         <p:spPr>
           <a:xfrm rot="5400000">
-            <a:off x="1628640" y="3462480"/>
-            <a:ext cx="5408640" cy="16920"/>
+            <a:off x="1629720" y="3462480"/>
+            <a:ext cx="5407560" cy="15840"/>
           </a:xfrm>
           <a:custGeom>
             <a:avLst/>
@@ -21007,14 +20170,14 @@
           <p:nvPr>
             <p:extLst>
               <p:ext uri="{D42A27DB-BD31-4B8C-83A1-F6EECF244321}">
-                <p14:modId xmlns:p14="http://schemas.microsoft.com/office/powerpoint/2010/main" val="4274468514"/>
+                <p14:modId xmlns:p14="http://schemas.microsoft.com/office/powerpoint/2010/main" val="1453047653"/>
               </p:ext>
             </p:extLst>
           </p:nvPr>
         </p:nvGraphicFramePr>
         <p:xfrm>
           <a:off x="4647960" y="640800"/>
-          <a:ext cx="6899040" cy="5534640"/>
+          <a:ext cx="6897960" cy="5533560"/>
         </p:xfrm>
         <a:graphic>
           <a:graphicData uri="http://schemas.openxmlformats.org/drawingml/2006/diagram">
@@ -21072,7 +20235,7 @@
         <p:spPr>
           <a:xfrm>
             <a:off x="643320" y="1534320"/>
-            <a:ext cx="10903680" cy="3787920"/>
+            <a:ext cx="10902600" cy="3786840"/>
           </a:xfrm>
           <a:prstGeom prst="rect">
             <a:avLst/>
@@ -21128,7 +20291,7 @@
         <p:spPr>
           <a:xfrm>
             <a:off x="0" y="0"/>
-            <a:ext cx="12187440" cy="6856560"/>
+            <a:ext cx="12186360" cy="6855480"/>
           </a:xfrm>
           <a:prstGeom prst="rect">
             <a:avLst/>
@@ -21164,7 +20327,7 @@
         <p:spPr>
           <a:xfrm>
             <a:off x="838080" y="557280"/>
-            <a:ext cx="10514160" cy="1132200"/>
+            <a:ext cx="10513080" cy="1131120"/>
           </a:xfrm>
           <a:prstGeom prst="rect">
             <a:avLst/>
@@ -21213,14 +20376,14 @@
           <p:nvPr>
             <p:extLst>
               <p:ext uri="{D42A27DB-BD31-4B8C-83A1-F6EECF244321}">
-                <p14:modId xmlns:p14="http://schemas.microsoft.com/office/powerpoint/2010/main" val="89346092"/>
+                <p14:modId xmlns:p14="http://schemas.microsoft.com/office/powerpoint/2010/main" val="2960109327"/>
               </p:ext>
             </p:extLst>
           </p:nvPr>
         </p:nvGraphicFramePr>
         <p:xfrm>
           <a:off x="838080" y="1828800"/>
-          <a:ext cx="10514160" cy="4350960"/>
+          <a:ext cx="10513080" cy="4349880"/>
         </p:xfrm>
         <a:graphic>
           <a:graphicData uri="http://schemas.openxmlformats.org/drawingml/2006/diagram">
@@ -21274,7 +20437,7 @@
         <p:spPr>
           <a:xfrm>
             <a:off x="0" y="0"/>
-            <a:ext cx="12190680" cy="6856560"/>
+            <a:ext cx="12189600" cy="6855480"/>
           </a:xfrm>
           <a:prstGeom prst="rect">
             <a:avLst/>
@@ -21310,7 +20473,7 @@
         <p:spPr>
           <a:xfrm rot="6268800">
             <a:off x="8719200" y="3338640"/>
-            <a:ext cx="2986560" cy="2986560"/>
+            <a:ext cx="2985480" cy="2985480"/>
           </a:xfrm>
           <a:prstGeom prst="arc">
             <a:avLst>
@@ -21348,7 +20511,7 @@
         <p:spPr>
           <a:xfrm>
             <a:off x="3835080" y="4127400"/>
-            <a:ext cx="6381360" cy="2215080"/>
+            <a:ext cx="6380280" cy="2214000"/>
           </a:xfrm>
           <a:prstGeom prst="rect">
             <a:avLst/>
@@ -21409,7 +20572,7 @@
         <p:spPr>
           <a:xfrm>
             <a:off x="281880" y="853920"/>
-            <a:ext cx="11468880" cy="2948760"/>
+            <a:ext cx="11467800" cy="2947680"/>
           </a:xfrm>
           <a:prstGeom prst="rect">
             <a:avLst/>
@@ -21465,7 +20628,7 @@
         <p:spPr>
           <a:xfrm>
             <a:off x="0" y="0"/>
-            <a:ext cx="12190680" cy="6856560"/>
+            <a:ext cx="12189600" cy="6855480"/>
           </a:xfrm>
           <a:prstGeom prst="rect">
             <a:avLst/>
@@ -21501,7 +20664,7 @@
         <p:spPr>
           <a:xfrm rot="6268800">
             <a:off x="8719200" y="3338640"/>
-            <a:ext cx="2986560" cy="2986560"/>
+            <a:ext cx="2985480" cy="2985480"/>
           </a:xfrm>
           <a:prstGeom prst="arc">
             <a:avLst>
@@ -21539,7 +20702,7 @@
         <p:spPr>
           <a:xfrm>
             <a:off x="3835080" y="4127400"/>
-            <a:ext cx="6381360" cy="2215080"/>
+            <a:ext cx="6380280" cy="2214000"/>
           </a:xfrm>
           <a:prstGeom prst="rect">
             <a:avLst/>
@@ -21600,7 +20763,7 @@
         <p:spPr>
           <a:xfrm>
             <a:off x="1097280" y="640080"/>
-            <a:ext cx="9579960" cy="3382200"/>
+            <a:ext cx="9578880" cy="3381120"/>
           </a:xfrm>
           <a:prstGeom prst="rect">
             <a:avLst/>
@@ -21656,7 +20819,7 @@
         <p:spPr>
           <a:xfrm>
             <a:off x="835200" y="494640"/>
-            <a:ext cx="9438840" cy="1324080"/>
+            <a:ext cx="9437760" cy="1323000"/>
           </a:xfrm>
           <a:prstGeom prst="rect">
             <a:avLst/>
@@ -21706,8 +20869,8 @@
         </p:nvSpPr>
         <p:spPr>
           <a:xfrm rot="5400000">
-            <a:off x="6034320" y="-6031800"/>
-            <a:ext cx="124560" cy="12190680"/>
+            <a:off x="6035400" y="-6030720"/>
+            <a:ext cx="123480" cy="12189600"/>
           </a:xfrm>
           <a:prstGeom prst="rect">
             <a:avLst/>
@@ -21735,7 +20898,7 @@
         <p:spPr>
           <a:xfrm>
             <a:off x="838080" y="1825560"/>
-            <a:ext cx="5712120" cy="4349880"/>
+            <a:ext cx="5711040" cy="4348800"/>
           </a:xfrm>
           <a:prstGeom prst="rect">
             <a:avLst/>
@@ -21756,7 +20919,7 @@
             <a:noAutofit/>
           </a:bodyPr>
           <a:p>
-            <a:pPr marL="457200" indent="-455760">
+            <a:pPr marL="457200" indent="-454680">
               <a:lnSpc>
                 <a:spcPct val="90000"/>
               </a:lnSpc>
@@ -21784,7 +20947,7 @@
             </a:endParaRPr>
           </a:p>
           <a:p>
-            <a:pPr marL="457200" indent="-455760">
+            <a:pPr marL="457200" indent="-454680">
               <a:lnSpc>
                 <a:spcPct val="90000"/>
               </a:lnSpc>
@@ -21812,7 +20975,7 @@
             </a:endParaRPr>
           </a:p>
           <a:p>
-            <a:pPr marL="457200" indent="-455760">
+            <a:pPr marL="457200" indent="-454680">
               <a:lnSpc>
                 <a:spcPct val="90000"/>
               </a:lnSpc>
@@ -21840,7 +21003,7 @@
             </a:endParaRPr>
           </a:p>
           <a:p>
-            <a:pPr marL="457200" indent="-455760">
+            <a:pPr marL="457200" indent="-454680">
               <a:lnSpc>
                 <a:spcPct val="90000"/>
               </a:lnSpc>
@@ -21878,7 +21041,7 @@
         <p:spPr>
           <a:xfrm>
             <a:off x="6967440" y="2193840"/>
-            <a:ext cx="4912920" cy="3381480"/>
+            <a:ext cx="4911840" cy="3381480"/>
           </a:xfrm>
           <a:prstGeom prst="rect">
             <a:avLst/>
@@ -21935,7 +21098,7 @@
         <p:spPr>
           <a:xfrm>
             <a:off x="6973200" y="5727240"/>
-            <a:ext cx="4912920" cy="710280"/>
+            <a:ext cx="4911840" cy="709200"/>
           </a:xfrm>
           <a:prstGeom prst="rect">
             <a:avLst/>
